--- a/docs/Amaan_Shaikh-Case_study-Insights_into_Lending_Risks .pptx
+++ b/docs/Amaan_Shaikh-Case_study-Insights_into_Lending_Risks .pptx
@@ -27,23 +27,50 @@
     <p:sldId id="272" r:id="rId22"/>
     <p:sldId id="273" r:id="rId23"/>
     <p:sldId id="274" r:id="rId24"/>
+    <p:sldId id="275" r:id="rId25"/>
+    <p:sldId id="276" r:id="rId26"/>
+    <p:sldId id="277" r:id="rId27"/>
+    <p:sldId id="278" r:id="rId28"/>
+    <p:sldId id="279" r:id="rId29"/>
+    <p:sldId id="280" r:id="rId30"/>
+    <p:sldId id="281" r:id="rId31"/>
+    <p:sldId id="282" r:id="rId32"/>
+    <p:sldId id="283" r:id="rId33"/>
+    <p:sldId id="284" r:id="rId34"/>
+    <p:sldId id="285" r:id="rId35"/>
+    <p:sldId id="286" r:id="rId36"/>
+    <p:sldId id="287" r:id="rId37"/>
+    <p:sldId id="288" r:id="rId38"/>
+    <p:sldId id="289" r:id="rId39"/>
+    <p:sldId id="290" r:id="rId40"/>
+    <p:sldId id="291" r:id="rId41"/>
+    <p:sldId id="292" r:id="rId42"/>
+    <p:sldId id="293" r:id="rId43"/>
+    <p:sldId id="294" r:id="rId44"/>
+    <p:sldId id="295" r:id="rId45"/>
+    <p:sldId id="296" r:id="rId46"/>
+    <p:sldId id="297" r:id="rId47"/>
+    <p:sldId id="298" r:id="rId48"/>
+    <p:sldId id="299" r:id="rId49"/>
+    <p:sldId id="300" r:id="rId50"/>
+    <p:sldId id="301" r:id="rId51"/>
   </p:sldIdLst>
   <p:sldSz cy="5143500" cx="9144000"/>
   <p:notesSz cx="6858000" cy="9144000"/>
   <p:embeddedFontLst>
     <p:embeddedFont>
       <p:font typeface="Roboto"/>
-      <p:regular r:id="rId25"/>
-      <p:bold r:id="rId26"/>
-      <p:italic r:id="rId27"/>
-      <p:boldItalic r:id="rId28"/>
+      <p:regular r:id="rId52"/>
+      <p:bold r:id="rId53"/>
+      <p:italic r:id="rId54"/>
+      <p:boldItalic r:id="rId55"/>
     </p:embeddedFont>
     <p:embeddedFont>
       <p:font typeface="Roboto Mono"/>
-      <p:regular r:id="rId29"/>
-      <p:bold r:id="rId30"/>
-      <p:italic r:id="rId31"/>
-      <p:boldItalic r:id="rId32"/>
+      <p:regular r:id="rId56"/>
+      <p:bold r:id="rId57"/>
+      <p:italic r:id="rId58"/>
+      <p:boldItalic r:id="rId59"/>
     </p:embeddedFont>
   </p:embeddedFontLst>
   <p:defaultTextStyle>
@@ -1908,12 +1935,12 @@
 </p:notes>
 </file>
 
-<file path=ppt/notesSlides/notesSlide3.xml><?xml version="1.0" encoding="utf-8"?>
+<file path=ppt/notesSlides/notesSlide20.xml><?xml version="1.0" encoding="utf-8"?>
 <p:notes xmlns:a="http://schemas.openxmlformats.org/drawingml/2006/main" xmlns:r="http://schemas.openxmlformats.org/officeDocument/2006/relationships" xmlns:mc="http://schemas.openxmlformats.org/markup-compatibility/2006" xmlns:mv="urn:schemas-microsoft-com:mac:vml" xmlns:p="http://schemas.openxmlformats.org/presentationml/2006/main" xmlns:c="http://schemas.openxmlformats.org/drawingml/2006/chart" xmlns:dgm="http://schemas.openxmlformats.org/drawingml/2006/diagram" xmlns:o="urn:schemas-microsoft-com:office:office" xmlns:v="urn:schemas-microsoft-com:vml" xmlns:pvml="urn:schemas-microsoft-com:office:powerpoint" xmlns:com="http://schemas.openxmlformats.org/drawingml/2006/compatibility" xmlns:p14="http://schemas.microsoft.com/office/powerpoint/2010/main" xmlns:p15="http://schemas.microsoft.com/office/powerpoint/2012/main" xmlns:ahyp="http://schemas.microsoft.com/office/drawing/2018/hyperlinkcolor" showMasterPhAnim="0" showMasterSp="0">
   <p:cSld>
     <p:spTree>
       <p:nvGrpSpPr>
-        <p:cNvPr id="95" name="Shape 95"/>
+        <p:cNvPr id="259" name="Shape 259"/>
         <p:cNvGrpSpPr/>
         <p:nvPr/>
       </p:nvGrpSpPr>
@@ -1927,7 +1954,7 @@
       </p:grpSpPr>
       <p:sp>
         <p:nvSpPr>
-          <p:cNvPr id="96" name="Google Shape;96;gc6f9e470d_0_5:notes"/>
+          <p:cNvPr id="260" name="Google Shape;260;g31ac0eed540_0_2610:notes"/>
           <p:cNvSpPr/>
           <p:nvPr>
             <p:ph idx="2" type="sldImg"/>
@@ -1935,8 +1962,8 @@
         </p:nvSpPr>
         <p:spPr>
           <a:xfrm>
-            <a:off x="381188" y="685800"/>
-            <a:ext cx="6096300" cy="3429000"/>
+            <a:off x="381300" y="685800"/>
+            <a:ext cx="6096000" cy="3429000"/>
           </a:xfrm>
           <a:custGeom>
             <a:rect b="b" l="l" r="r" t="t"/>
@@ -1962,7 +1989,1987 @@
       </p:sp>
       <p:sp>
         <p:nvSpPr>
+          <p:cNvPr id="261" name="Google Shape;261;g31ac0eed540_0_2610:notes"/>
+          <p:cNvSpPr txBox="1"/>
+          <p:nvPr>
+            <p:ph idx="1" type="body"/>
+          </p:nvPr>
+        </p:nvSpPr>
+        <p:spPr>
+          <a:xfrm>
+            <a:off x="685800" y="4343400"/>
+            <a:ext cx="5486400" cy="4114800"/>
+          </a:xfrm>
+          <a:prstGeom prst="rect">
+            <a:avLst/>
+          </a:prstGeom>
+        </p:spPr>
+        <p:txBody>
+          <a:bodyPr anchorCtr="0" anchor="t" bIns="91425" lIns="91425" spcFirstLastPara="1" rIns="91425" wrap="square" tIns="91425">
+            <a:noAutofit/>
+          </a:bodyPr>
+          <a:lstStyle/>
+          <a:p>
+            <a:pPr indent="0" lvl="0" marL="0" rtl="0" algn="l">
+              <a:spcBef>
+                <a:spcPts val="0"/>
+              </a:spcBef>
+              <a:spcAft>
+                <a:spcPts val="0"/>
+              </a:spcAft>
+              <a:buNone/>
+            </a:pPr>
+            <a:r>
+              <a:t/>
+            </a:r>
+            <a:endParaRPr/>
+          </a:p>
+        </p:txBody>
+      </p:sp>
+    </p:spTree>
+  </p:cSld>
+  <p:clrMapOvr>
+    <a:masterClrMapping/>
+  </p:clrMapOvr>
+</p:notes>
+</file>
+
+<file path=ppt/notesSlides/notesSlide21.xml><?xml version="1.0" encoding="utf-8"?>
+<p:notes xmlns:a="http://schemas.openxmlformats.org/drawingml/2006/main" xmlns:r="http://schemas.openxmlformats.org/officeDocument/2006/relationships" xmlns:mc="http://schemas.openxmlformats.org/markup-compatibility/2006" xmlns:mv="urn:schemas-microsoft-com:mac:vml" xmlns:p="http://schemas.openxmlformats.org/presentationml/2006/main" xmlns:c="http://schemas.openxmlformats.org/drawingml/2006/chart" xmlns:dgm="http://schemas.openxmlformats.org/drawingml/2006/diagram" xmlns:o="urn:schemas-microsoft-com:office:office" xmlns:v="urn:schemas-microsoft-com:vml" xmlns:pvml="urn:schemas-microsoft-com:office:powerpoint" xmlns:com="http://schemas.openxmlformats.org/drawingml/2006/compatibility" xmlns:p14="http://schemas.microsoft.com/office/powerpoint/2010/main" xmlns:p15="http://schemas.microsoft.com/office/powerpoint/2012/main" xmlns:ahyp="http://schemas.microsoft.com/office/drawing/2018/hyperlinkcolor" showMasterPhAnim="0" showMasterSp="0">
+  <p:cSld>
+    <p:spTree>
+      <p:nvGrpSpPr>
+        <p:cNvPr id="265" name="Shape 265"/>
+        <p:cNvGrpSpPr/>
+        <p:nvPr/>
+      </p:nvGrpSpPr>
+      <p:grpSpPr>
+        <a:xfrm>
+          <a:off x="0" y="0"/>
+          <a:ext cx="0" cy="0"/>
+          <a:chOff x="0" y="0"/>
+          <a:chExt cx="0" cy="0"/>
+        </a:xfrm>
+      </p:grpSpPr>
+      <p:sp>
+        <p:nvSpPr>
+          <p:cNvPr id="266" name="Google Shape;266;g31ac0eed540_0_2653:notes"/>
+          <p:cNvSpPr/>
+          <p:nvPr>
+            <p:ph idx="2" type="sldImg"/>
+          </p:nvPr>
+        </p:nvSpPr>
+        <p:spPr>
+          <a:xfrm>
+            <a:off x="381300" y="685800"/>
+            <a:ext cx="6096000" cy="3429000"/>
+          </a:xfrm>
+          <a:custGeom>
+            <a:rect b="b" l="l" r="r" t="t"/>
+            <a:pathLst>
+              <a:path extrusionOk="0" h="120000" w="120000">
+                <a:moveTo>
+                  <a:pt x="0" y="0"/>
+                </a:moveTo>
+                <a:lnTo>
+                  <a:pt x="120000" y="0"/>
+                </a:lnTo>
+                <a:lnTo>
+                  <a:pt x="120000" y="120000"/>
+                </a:lnTo>
+                <a:lnTo>
+                  <a:pt x="0" y="120000"/>
+                </a:lnTo>
+                <a:close/>
+              </a:path>
+            </a:pathLst>
+          </a:custGeom>
+        </p:spPr>
+      </p:sp>
+      <p:sp>
+        <p:nvSpPr>
+          <p:cNvPr id="267" name="Google Shape;267;g31ac0eed540_0_2653:notes"/>
+          <p:cNvSpPr txBox="1"/>
+          <p:nvPr>
+            <p:ph idx="1" type="body"/>
+          </p:nvPr>
+        </p:nvSpPr>
+        <p:spPr>
+          <a:xfrm>
+            <a:off x="685800" y="4343400"/>
+            <a:ext cx="5486400" cy="4114800"/>
+          </a:xfrm>
+          <a:prstGeom prst="rect">
+            <a:avLst/>
+          </a:prstGeom>
+        </p:spPr>
+        <p:txBody>
+          <a:bodyPr anchorCtr="0" anchor="t" bIns="91425" lIns="91425" spcFirstLastPara="1" rIns="91425" wrap="square" tIns="91425">
+            <a:noAutofit/>
+          </a:bodyPr>
+          <a:lstStyle/>
+          <a:p>
+            <a:pPr indent="0" lvl="0" marL="0" rtl="0" algn="l">
+              <a:spcBef>
+                <a:spcPts val="0"/>
+              </a:spcBef>
+              <a:spcAft>
+                <a:spcPts val="0"/>
+              </a:spcAft>
+              <a:buNone/>
+            </a:pPr>
+            <a:r>
+              <a:t/>
+            </a:r>
+            <a:endParaRPr/>
+          </a:p>
+        </p:txBody>
+      </p:sp>
+    </p:spTree>
+  </p:cSld>
+  <p:clrMapOvr>
+    <a:masterClrMapping/>
+  </p:clrMapOvr>
+</p:notes>
+</file>
+
+<file path=ppt/notesSlides/notesSlide22.xml><?xml version="1.0" encoding="utf-8"?>
+<p:notes xmlns:a="http://schemas.openxmlformats.org/drawingml/2006/main" xmlns:r="http://schemas.openxmlformats.org/officeDocument/2006/relationships" xmlns:mc="http://schemas.openxmlformats.org/markup-compatibility/2006" xmlns:mv="urn:schemas-microsoft-com:mac:vml" xmlns:p="http://schemas.openxmlformats.org/presentationml/2006/main" xmlns:c="http://schemas.openxmlformats.org/drawingml/2006/chart" xmlns:dgm="http://schemas.openxmlformats.org/drawingml/2006/diagram" xmlns:o="urn:schemas-microsoft-com:office:office" xmlns:v="urn:schemas-microsoft-com:vml" xmlns:pvml="urn:schemas-microsoft-com:office:powerpoint" xmlns:com="http://schemas.openxmlformats.org/drawingml/2006/compatibility" xmlns:p14="http://schemas.microsoft.com/office/powerpoint/2010/main" xmlns:p15="http://schemas.microsoft.com/office/powerpoint/2012/main" xmlns:ahyp="http://schemas.microsoft.com/office/drawing/2018/hyperlinkcolor" showMasterPhAnim="0" showMasterSp="0">
+  <p:cSld>
+    <p:spTree>
+      <p:nvGrpSpPr>
+        <p:cNvPr id="272" name="Shape 272"/>
+        <p:cNvGrpSpPr/>
+        <p:nvPr/>
+      </p:nvGrpSpPr>
+      <p:grpSpPr>
+        <a:xfrm>
+          <a:off x="0" y="0"/>
+          <a:ext cx="0" cy="0"/>
+          <a:chOff x="0" y="0"/>
+          <a:chExt cx="0" cy="0"/>
+        </a:xfrm>
+      </p:grpSpPr>
+      <p:sp>
+        <p:nvSpPr>
+          <p:cNvPr id="273" name="Google Shape;273;g31ac0eed540_0_2617:notes"/>
+          <p:cNvSpPr/>
+          <p:nvPr>
+            <p:ph idx="2" type="sldImg"/>
+          </p:nvPr>
+        </p:nvSpPr>
+        <p:spPr>
+          <a:xfrm>
+            <a:off x="381300" y="685800"/>
+            <a:ext cx="6096000" cy="3429000"/>
+          </a:xfrm>
+          <a:custGeom>
+            <a:rect b="b" l="l" r="r" t="t"/>
+            <a:pathLst>
+              <a:path extrusionOk="0" h="120000" w="120000">
+                <a:moveTo>
+                  <a:pt x="0" y="0"/>
+                </a:moveTo>
+                <a:lnTo>
+                  <a:pt x="120000" y="0"/>
+                </a:lnTo>
+                <a:lnTo>
+                  <a:pt x="120000" y="120000"/>
+                </a:lnTo>
+                <a:lnTo>
+                  <a:pt x="0" y="120000"/>
+                </a:lnTo>
+                <a:close/>
+              </a:path>
+            </a:pathLst>
+          </a:custGeom>
+        </p:spPr>
+      </p:sp>
+      <p:sp>
+        <p:nvSpPr>
+          <p:cNvPr id="274" name="Google Shape;274;g31ac0eed540_0_2617:notes"/>
+          <p:cNvSpPr txBox="1"/>
+          <p:nvPr>
+            <p:ph idx="1" type="body"/>
+          </p:nvPr>
+        </p:nvSpPr>
+        <p:spPr>
+          <a:xfrm>
+            <a:off x="685800" y="4343400"/>
+            <a:ext cx="5486400" cy="4114800"/>
+          </a:xfrm>
+          <a:prstGeom prst="rect">
+            <a:avLst/>
+          </a:prstGeom>
+        </p:spPr>
+        <p:txBody>
+          <a:bodyPr anchorCtr="0" anchor="t" bIns="91425" lIns="91425" spcFirstLastPara="1" rIns="91425" wrap="square" tIns="91425">
+            <a:noAutofit/>
+          </a:bodyPr>
+          <a:lstStyle/>
+          <a:p>
+            <a:pPr indent="0" lvl="0" marL="0" rtl="0" algn="l">
+              <a:spcBef>
+                <a:spcPts val="0"/>
+              </a:spcBef>
+              <a:spcAft>
+                <a:spcPts val="0"/>
+              </a:spcAft>
+              <a:buNone/>
+            </a:pPr>
+            <a:r>
+              <a:t/>
+            </a:r>
+            <a:endParaRPr/>
+          </a:p>
+        </p:txBody>
+      </p:sp>
+    </p:spTree>
+  </p:cSld>
+  <p:clrMapOvr>
+    <a:masterClrMapping/>
+  </p:clrMapOvr>
+</p:notes>
+</file>
+
+<file path=ppt/notesSlides/notesSlide23.xml><?xml version="1.0" encoding="utf-8"?>
+<p:notes xmlns:a="http://schemas.openxmlformats.org/drawingml/2006/main" xmlns:r="http://schemas.openxmlformats.org/officeDocument/2006/relationships" xmlns:mc="http://schemas.openxmlformats.org/markup-compatibility/2006" xmlns:mv="urn:schemas-microsoft-com:mac:vml" xmlns:p="http://schemas.openxmlformats.org/presentationml/2006/main" xmlns:c="http://schemas.openxmlformats.org/drawingml/2006/chart" xmlns:dgm="http://schemas.openxmlformats.org/drawingml/2006/diagram" xmlns:o="urn:schemas-microsoft-com:office:office" xmlns:v="urn:schemas-microsoft-com:vml" xmlns:pvml="urn:schemas-microsoft-com:office:powerpoint" xmlns:com="http://schemas.openxmlformats.org/drawingml/2006/compatibility" xmlns:p14="http://schemas.microsoft.com/office/powerpoint/2010/main" xmlns:p15="http://schemas.microsoft.com/office/powerpoint/2012/main" xmlns:ahyp="http://schemas.microsoft.com/office/drawing/2018/hyperlinkcolor" showMasterPhAnim="0" showMasterSp="0">
+  <p:cSld>
+    <p:spTree>
+      <p:nvGrpSpPr>
+        <p:cNvPr id="280" name="Shape 280"/>
+        <p:cNvGrpSpPr/>
+        <p:nvPr/>
+      </p:nvGrpSpPr>
+      <p:grpSpPr>
+        <a:xfrm>
+          <a:off x="0" y="0"/>
+          <a:ext cx="0" cy="0"/>
+          <a:chOff x="0" y="0"/>
+          <a:chExt cx="0" cy="0"/>
+        </a:xfrm>
+      </p:grpSpPr>
+      <p:sp>
+        <p:nvSpPr>
+          <p:cNvPr id="281" name="Google Shape;281;g31ac0eed540_0_2623:notes"/>
+          <p:cNvSpPr/>
+          <p:nvPr>
+            <p:ph idx="2" type="sldImg"/>
+          </p:nvPr>
+        </p:nvSpPr>
+        <p:spPr>
+          <a:xfrm>
+            <a:off x="381300" y="685800"/>
+            <a:ext cx="6096000" cy="3429000"/>
+          </a:xfrm>
+          <a:custGeom>
+            <a:rect b="b" l="l" r="r" t="t"/>
+            <a:pathLst>
+              <a:path extrusionOk="0" h="120000" w="120000">
+                <a:moveTo>
+                  <a:pt x="0" y="0"/>
+                </a:moveTo>
+                <a:lnTo>
+                  <a:pt x="120000" y="0"/>
+                </a:lnTo>
+                <a:lnTo>
+                  <a:pt x="120000" y="120000"/>
+                </a:lnTo>
+                <a:lnTo>
+                  <a:pt x="0" y="120000"/>
+                </a:lnTo>
+                <a:close/>
+              </a:path>
+            </a:pathLst>
+          </a:custGeom>
+        </p:spPr>
+      </p:sp>
+      <p:sp>
+        <p:nvSpPr>
+          <p:cNvPr id="282" name="Google Shape;282;g31ac0eed540_0_2623:notes"/>
+          <p:cNvSpPr txBox="1"/>
+          <p:nvPr>
+            <p:ph idx="1" type="body"/>
+          </p:nvPr>
+        </p:nvSpPr>
+        <p:spPr>
+          <a:xfrm>
+            <a:off x="685800" y="4343400"/>
+            <a:ext cx="5486400" cy="4114800"/>
+          </a:xfrm>
+          <a:prstGeom prst="rect">
+            <a:avLst/>
+          </a:prstGeom>
+        </p:spPr>
+        <p:txBody>
+          <a:bodyPr anchorCtr="0" anchor="t" bIns="91425" lIns="91425" spcFirstLastPara="1" rIns="91425" wrap="square" tIns="91425">
+            <a:noAutofit/>
+          </a:bodyPr>
+          <a:lstStyle/>
+          <a:p>
+            <a:pPr indent="0" lvl="0" marL="0" rtl="0" algn="l">
+              <a:spcBef>
+                <a:spcPts val="0"/>
+              </a:spcBef>
+              <a:spcAft>
+                <a:spcPts val="0"/>
+              </a:spcAft>
+              <a:buNone/>
+            </a:pPr>
+            <a:r>
+              <a:t/>
+            </a:r>
+            <a:endParaRPr/>
+          </a:p>
+        </p:txBody>
+      </p:sp>
+    </p:spTree>
+  </p:cSld>
+  <p:clrMapOvr>
+    <a:masterClrMapping/>
+  </p:clrMapOvr>
+</p:notes>
+</file>
+
+<file path=ppt/notesSlides/notesSlide24.xml><?xml version="1.0" encoding="utf-8"?>
+<p:notes xmlns:a="http://schemas.openxmlformats.org/drawingml/2006/main" xmlns:r="http://schemas.openxmlformats.org/officeDocument/2006/relationships" xmlns:mc="http://schemas.openxmlformats.org/markup-compatibility/2006" xmlns:mv="urn:schemas-microsoft-com:mac:vml" xmlns:p="http://schemas.openxmlformats.org/presentationml/2006/main" xmlns:c="http://schemas.openxmlformats.org/drawingml/2006/chart" xmlns:dgm="http://schemas.openxmlformats.org/drawingml/2006/diagram" xmlns:o="urn:schemas-microsoft-com:office:office" xmlns:v="urn:schemas-microsoft-com:vml" xmlns:pvml="urn:schemas-microsoft-com:office:powerpoint" xmlns:com="http://schemas.openxmlformats.org/drawingml/2006/compatibility" xmlns:p14="http://schemas.microsoft.com/office/powerpoint/2010/main" xmlns:p15="http://schemas.microsoft.com/office/powerpoint/2012/main" xmlns:ahyp="http://schemas.microsoft.com/office/drawing/2018/hyperlinkcolor" showMasterPhAnim="0" showMasterSp="0">
+  <p:cSld>
+    <p:spTree>
+      <p:nvGrpSpPr>
+        <p:cNvPr id="288" name="Shape 288"/>
+        <p:cNvGrpSpPr/>
+        <p:nvPr/>
+      </p:nvGrpSpPr>
+      <p:grpSpPr>
+        <a:xfrm>
+          <a:off x="0" y="0"/>
+          <a:ext cx="0" cy="0"/>
+          <a:chOff x="0" y="0"/>
+          <a:chExt cx="0" cy="0"/>
+        </a:xfrm>
+      </p:grpSpPr>
+      <p:sp>
+        <p:nvSpPr>
+          <p:cNvPr id="289" name="Google Shape;289;g31ac0eed540_0_2629:notes"/>
+          <p:cNvSpPr/>
+          <p:nvPr>
+            <p:ph idx="2" type="sldImg"/>
+          </p:nvPr>
+        </p:nvSpPr>
+        <p:spPr>
+          <a:xfrm>
+            <a:off x="381300" y="685800"/>
+            <a:ext cx="6096000" cy="3429000"/>
+          </a:xfrm>
+          <a:custGeom>
+            <a:rect b="b" l="l" r="r" t="t"/>
+            <a:pathLst>
+              <a:path extrusionOk="0" h="120000" w="120000">
+                <a:moveTo>
+                  <a:pt x="0" y="0"/>
+                </a:moveTo>
+                <a:lnTo>
+                  <a:pt x="120000" y="0"/>
+                </a:lnTo>
+                <a:lnTo>
+                  <a:pt x="120000" y="120000"/>
+                </a:lnTo>
+                <a:lnTo>
+                  <a:pt x="0" y="120000"/>
+                </a:lnTo>
+                <a:close/>
+              </a:path>
+            </a:pathLst>
+          </a:custGeom>
+        </p:spPr>
+      </p:sp>
+      <p:sp>
+        <p:nvSpPr>
+          <p:cNvPr id="290" name="Google Shape;290;g31ac0eed540_0_2629:notes"/>
+          <p:cNvSpPr txBox="1"/>
+          <p:nvPr>
+            <p:ph idx="1" type="body"/>
+          </p:nvPr>
+        </p:nvSpPr>
+        <p:spPr>
+          <a:xfrm>
+            <a:off x="685800" y="4343400"/>
+            <a:ext cx="5486400" cy="4114800"/>
+          </a:xfrm>
+          <a:prstGeom prst="rect">
+            <a:avLst/>
+          </a:prstGeom>
+        </p:spPr>
+        <p:txBody>
+          <a:bodyPr anchorCtr="0" anchor="t" bIns="91425" lIns="91425" spcFirstLastPara="1" rIns="91425" wrap="square" tIns="91425">
+            <a:noAutofit/>
+          </a:bodyPr>
+          <a:lstStyle/>
+          <a:p>
+            <a:pPr indent="0" lvl="0" marL="0" rtl="0" algn="l">
+              <a:spcBef>
+                <a:spcPts val="0"/>
+              </a:spcBef>
+              <a:spcAft>
+                <a:spcPts val="0"/>
+              </a:spcAft>
+              <a:buNone/>
+            </a:pPr>
+            <a:r>
+              <a:t/>
+            </a:r>
+            <a:endParaRPr/>
+          </a:p>
+        </p:txBody>
+      </p:sp>
+    </p:spTree>
+  </p:cSld>
+  <p:clrMapOvr>
+    <a:masterClrMapping/>
+  </p:clrMapOvr>
+</p:notes>
+</file>
+
+<file path=ppt/notesSlides/notesSlide25.xml><?xml version="1.0" encoding="utf-8"?>
+<p:notes xmlns:a="http://schemas.openxmlformats.org/drawingml/2006/main" xmlns:r="http://schemas.openxmlformats.org/officeDocument/2006/relationships" xmlns:mc="http://schemas.openxmlformats.org/markup-compatibility/2006" xmlns:mv="urn:schemas-microsoft-com:mac:vml" xmlns:p="http://schemas.openxmlformats.org/presentationml/2006/main" xmlns:c="http://schemas.openxmlformats.org/drawingml/2006/chart" xmlns:dgm="http://schemas.openxmlformats.org/drawingml/2006/diagram" xmlns:o="urn:schemas-microsoft-com:office:office" xmlns:v="urn:schemas-microsoft-com:vml" xmlns:pvml="urn:schemas-microsoft-com:office:powerpoint" xmlns:com="http://schemas.openxmlformats.org/drawingml/2006/compatibility" xmlns:p14="http://schemas.microsoft.com/office/powerpoint/2010/main" xmlns:p15="http://schemas.microsoft.com/office/powerpoint/2012/main" xmlns:ahyp="http://schemas.microsoft.com/office/drawing/2018/hyperlinkcolor" showMasterPhAnim="0" showMasterSp="0">
+  <p:cSld>
+    <p:spTree>
+      <p:nvGrpSpPr>
+        <p:cNvPr id="296" name="Shape 296"/>
+        <p:cNvGrpSpPr/>
+        <p:nvPr/>
+      </p:nvGrpSpPr>
+      <p:grpSpPr>
+        <a:xfrm>
+          <a:off x="0" y="0"/>
+          <a:ext cx="0" cy="0"/>
+          <a:chOff x="0" y="0"/>
+          <a:chExt cx="0" cy="0"/>
+        </a:xfrm>
+      </p:grpSpPr>
+      <p:sp>
+        <p:nvSpPr>
+          <p:cNvPr id="297" name="Google Shape;297;g31ac0eed540_0_2635:notes"/>
+          <p:cNvSpPr/>
+          <p:nvPr>
+            <p:ph idx="2" type="sldImg"/>
+          </p:nvPr>
+        </p:nvSpPr>
+        <p:spPr>
+          <a:xfrm>
+            <a:off x="381300" y="685800"/>
+            <a:ext cx="6096000" cy="3429000"/>
+          </a:xfrm>
+          <a:custGeom>
+            <a:rect b="b" l="l" r="r" t="t"/>
+            <a:pathLst>
+              <a:path extrusionOk="0" h="120000" w="120000">
+                <a:moveTo>
+                  <a:pt x="0" y="0"/>
+                </a:moveTo>
+                <a:lnTo>
+                  <a:pt x="120000" y="0"/>
+                </a:lnTo>
+                <a:lnTo>
+                  <a:pt x="120000" y="120000"/>
+                </a:lnTo>
+                <a:lnTo>
+                  <a:pt x="0" y="120000"/>
+                </a:lnTo>
+                <a:close/>
+              </a:path>
+            </a:pathLst>
+          </a:custGeom>
+        </p:spPr>
+      </p:sp>
+      <p:sp>
+        <p:nvSpPr>
+          <p:cNvPr id="298" name="Google Shape;298;g31ac0eed540_0_2635:notes"/>
+          <p:cNvSpPr txBox="1"/>
+          <p:nvPr>
+            <p:ph idx="1" type="body"/>
+          </p:nvPr>
+        </p:nvSpPr>
+        <p:spPr>
+          <a:xfrm>
+            <a:off x="685800" y="4343400"/>
+            <a:ext cx="5486400" cy="4114800"/>
+          </a:xfrm>
+          <a:prstGeom prst="rect">
+            <a:avLst/>
+          </a:prstGeom>
+        </p:spPr>
+        <p:txBody>
+          <a:bodyPr anchorCtr="0" anchor="t" bIns="91425" lIns="91425" spcFirstLastPara="1" rIns="91425" wrap="square" tIns="91425">
+            <a:noAutofit/>
+          </a:bodyPr>
+          <a:lstStyle/>
+          <a:p>
+            <a:pPr indent="0" lvl="0" marL="0" rtl="0" algn="l">
+              <a:spcBef>
+                <a:spcPts val="0"/>
+              </a:spcBef>
+              <a:spcAft>
+                <a:spcPts val="0"/>
+              </a:spcAft>
+              <a:buNone/>
+            </a:pPr>
+            <a:r>
+              <a:t/>
+            </a:r>
+            <a:endParaRPr/>
+          </a:p>
+        </p:txBody>
+      </p:sp>
+    </p:spTree>
+  </p:cSld>
+  <p:clrMapOvr>
+    <a:masterClrMapping/>
+  </p:clrMapOvr>
+</p:notes>
+</file>
+
+<file path=ppt/notesSlides/notesSlide26.xml><?xml version="1.0" encoding="utf-8"?>
+<p:notes xmlns:a="http://schemas.openxmlformats.org/drawingml/2006/main" xmlns:r="http://schemas.openxmlformats.org/officeDocument/2006/relationships" xmlns:mc="http://schemas.openxmlformats.org/markup-compatibility/2006" xmlns:mv="urn:schemas-microsoft-com:mac:vml" xmlns:p="http://schemas.openxmlformats.org/presentationml/2006/main" xmlns:c="http://schemas.openxmlformats.org/drawingml/2006/chart" xmlns:dgm="http://schemas.openxmlformats.org/drawingml/2006/diagram" xmlns:o="urn:schemas-microsoft-com:office:office" xmlns:v="urn:schemas-microsoft-com:vml" xmlns:pvml="urn:schemas-microsoft-com:office:powerpoint" xmlns:com="http://schemas.openxmlformats.org/drawingml/2006/compatibility" xmlns:p14="http://schemas.microsoft.com/office/powerpoint/2010/main" xmlns:p15="http://schemas.microsoft.com/office/powerpoint/2012/main" xmlns:ahyp="http://schemas.microsoft.com/office/drawing/2018/hyperlinkcolor" showMasterPhAnim="0" showMasterSp="0">
+  <p:cSld>
+    <p:spTree>
+      <p:nvGrpSpPr>
+        <p:cNvPr id="304" name="Shape 304"/>
+        <p:cNvGrpSpPr/>
+        <p:nvPr/>
+      </p:nvGrpSpPr>
+      <p:grpSpPr>
+        <a:xfrm>
+          <a:off x="0" y="0"/>
+          <a:ext cx="0" cy="0"/>
+          <a:chOff x="0" y="0"/>
+          <a:chExt cx="0" cy="0"/>
+        </a:xfrm>
+      </p:grpSpPr>
+      <p:sp>
+        <p:nvSpPr>
+          <p:cNvPr id="305" name="Google Shape;305;g31ac0eed540_0_2641:notes"/>
+          <p:cNvSpPr/>
+          <p:nvPr>
+            <p:ph idx="2" type="sldImg"/>
+          </p:nvPr>
+        </p:nvSpPr>
+        <p:spPr>
+          <a:xfrm>
+            <a:off x="381300" y="685800"/>
+            <a:ext cx="6096000" cy="3429000"/>
+          </a:xfrm>
+          <a:custGeom>
+            <a:rect b="b" l="l" r="r" t="t"/>
+            <a:pathLst>
+              <a:path extrusionOk="0" h="120000" w="120000">
+                <a:moveTo>
+                  <a:pt x="0" y="0"/>
+                </a:moveTo>
+                <a:lnTo>
+                  <a:pt x="120000" y="0"/>
+                </a:lnTo>
+                <a:lnTo>
+                  <a:pt x="120000" y="120000"/>
+                </a:lnTo>
+                <a:lnTo>
+                  <a:pt x="0" y="120000"/>
+                </a:lnTo>
+                <a:close/>
+              </a:path>
+            </a:pathLst>
+          </a:custGeom>
+        </p:spPr>
+      </p:sp>
+      <p:sp>
+        <p:nvSpPr>
+          <p:cNvPr id="306" name="Google Shape;306;g31ac0eed540_0_2641:notes"/>
+          <p:cNvSpPr txBox="1"/>
+          <p:nvPr>
+            <p:ph idx="1" type="body"/>
+          </p:nvPr>
+        </p:nvSpPr>
+        <p:spPr>
+          <a:xfrm>
+            <a:off x="685800" y="4343400"/>
+            <a:ext cx="5486400" cy="4114800"/>
+          </a:xfrm>
+          <a:prstGeom prst="rect">
+            <a:avLst/>
+          </a:prstGeom>
+        </p:spPr>
+        <p:txBody>
+          <a:bodyPr anchorCtr="0" anchor="t" bIns="91425" lIns="91425" spcFirstLastPara="1" rIns="91425" wrap="square" tIns="91425">
+            <a:noAutofit/>
+          </a:bodyPr>
+          <a:lstStyle/>
+          <a:p>
+            <a:pPr indent="0" lvl="0" marL="0" rtl="0" algn="l">
+              <a:spcBef>
+                <a:spcPts val="0"/>
+              </a:spcBef>
+              <a:spcAft>
+                <a:spcPts val="0"/>
+              </a:spcAft>
+              <a:buNone/>
+            </a:pPr>
+            <a:r>
+              <a:t/>
+            </a:r>
+            <a:endParaRPr/>
+          </a:p>
+        </p:txBody>
+      </p:sp>
+    </p:spTree>
+  </p:cSld>
+  <p:clrMapOvr>
+    <a:masterClrMapping/>
+  </p:clrMapOvr>
+</p:notes>
+</file>
+
+<file path=ppt/notesSlides/notesSlide27.xml><?xml version="1.0" encoding="utf-8"?>
+<p:notes xmlns:a="http://schemas.openxmlformats.org/drawingml/2006/main" xmlns:r="http://schemas.openxmlformats.org/officeDocument/2006/relationships" xmlns:mc="http://schemas.openxmlformats.org/markup-compatibility/2006" xmlns:mv="urn:schemas-microsoft-com:mac:vml" xmlns:p="http://schemas.openxmlformats.org/presentationml/2006/main" xmlns:c="http://schemas.openxmlformats.org/drawingml/2006/chart" xmlns:dgm="http://schemas.openxmlformats.org/drawingml/2006/diagram" xmlns:o="urn:schemas-microsoft-com:office:office" xmlns:v="urn:schemas-microsoft-com:vml" xmlns:pvml="urn:schemas-microsoft-com:office:powerpoint" xmlns:com="http://schemas.openxmlformats.org/drawingml/2006/compatibility" xmlns:p14="http://schemas.microsoft.com/office/powerpoint/2010/main" xmlns:p15="http://schemas.microsoft.com/office/powerpoint/2012/main" xmlns:ahyp="http://schemas.microsoft.com/office/drawing/2018/hyperlinkcolor" showMasterPhAnim="0" showMasterSp="0">
+  <p:cSld>
+    <p:spTree>
+      <p:nvGrpSpPr>
+        <p:cNvPr id="312" name="Shape 312"/>
+        <p:cNvGrpSpPr/>
+        <p:nvPr/>
+      </p:nvGrpSpPr>
+      <p:grpSpPr>
+        <a:xfrm>
+          <a:off x="0" y="0"/>
+          <a:ext cx="0" cy="0"/>
+          <a:chOff x="0" y="0"/>
+          <a:chExt cx="0" cy="0"/>
+        </a:xfrm>
+      </p:grpSpPr>
+      <p:sp>
+        <p:nvSpPr>
+          <p:cNvPr id="313" name="Google Shape;313;g31ac0eed540_0_2647:notes"/>
+          <p:cNvSpPr/>
+          <p:nvPr>
+            <p:ph idx="2" type="sldImg"/>
+          </p:nvPr>
+        </p:nvSpPr>
+        <p:spPr>
+          <a:xfrm>
+            <a:off x="381300" y="685800"/>
+            <a:ext cx="6096000" cy="3429000"/>
+          </a:xfrm>
+          <a:custGeom>
+            <a:rect b="b" l="l" r="r" t="t"/>
+            <a:pathLst>
+              <a:path extrusionOk="0" h="120000" w="120000">
+                <a:moveTo>
+                  <a:pt x="0" y="0"/>
+                </a:moveTo>
+                <a:lnTo>
+                  <a:pt x="120000" y="0"/>
+                </a:lnTo>
+                <a:lnTo>
+                  <a:pt x="120000" y="120000"/>
+                </a:lnTo>
+                <a:lnTo>
+                  <a:pt x="0" y="120000"/>
+                </a:lnTo>
+                <a:close/>
+              </a:path>
+            </a:pathLst>
+          </a:custGeom>
+        </p:spPr>
+      </p:sp>
+      <p:sp>
+        <p:nvSpPr>
+          <p:cNvPr id="314" name="Google Shape;314;g31ac0eed540_0_2647:notes"/>
+          <p:cNvSpPr txBox="1"/>
+          <p:nvPr>
+            <p:ph idx="1" type="body"/>
+          </p:nvPr>
+        </p:nvSpPr>
+        <p:spPr>
+          <a:xfrm>
+            <a:off x="685800" y="4343400"/>
+            <a:ext cx="5486400" cy="4114800"/>
+          </a:xfrm>
+          <a:prstGeom prst="rect">
+            <a:avLst/>
+          </a:prstGeom>
+        </p:spPr>
+        <p:txBody>
+          <a:bodyPr anchorCtr="0" anchor="t" bIns="91425" lIns="91425" spcFirstLastPara="1" rIns="91425" wrap="square" tIns="91425">
+            <a:noAutofit/>
+          </a:bodyPr>
+          <a:lstStyle/>
+          <a:p>
+            <a:pPr indent="0" lvl="0" marL="0" rtl="0" algn="l">
+              <a:spcBef>
+                <a:spcPts val="0"/>
+              </a:spcBef>
+              <a:spcAft>
+                <a:spcPts val="0"/>
+              </a:spcAft>
+              <a:buNone/>
+            </a:pPr>
+            <a:r>
+              <a:t/>
+            </a:r>
+            <a:endParaRPr/>
+          </a:p>
+        </p:txBody>
+      </p:sp>
+    </p:spTree>
+  </p:cSld>
+  <p:clrMapOvr>
+    <a:masterClrMapping/>
+  </p:clrMapOvr>
+</p:notes>
+</file>
+
+<file path=ppt/notesSlides/notesSlide28.xml><?xml version="1.0" encoding="utf-8"?>
+<p:notes xmlns:a="http://schemas.openxmlformats.org/drawingml/2006/main" xmlns:r="http://schemas.openxmlformats.org/officeDocument/2006/relationships" xmlns:mc="http://schemas.openxmlformats.org/markup-compatibility/2006" xmlns:mv="urn:schemas-microsoft-com:mac:vml" xmlns:p="http://schemas.openxmlformats.org/presentationml/2006/main" xmlns:c="http://schemas.openxmlformats.org/drawingml/2006/chart" xmlns:dgm="http://schemas.openxmlformats.org/drawingml/2006/diagram" xmlns:o="urn:schemas-microsoft-com:office:office" xmlns:v="urn:schemas-microsoft-com:vml" xmlns:pvml="urn:schemas-microsoft-com:office:powerpoint" xmlns:com="http://schemas.openxmlformats.org/drawingml/2006/compatibility" xmlns:p14="http://schemas.microsoft.com/office/powerpoint/2010/main" xmlns:p15="http://schemas.microsoft.com/office/powerpoint/2012/main" xmlns:ahyp="http://schemas.microsoft.com/office/drawing/2018/hyperlinkcolor" showMasterPhAnim="0" showMasterSp="0">
+  <p:cSld>
+    <p:spTree>
+      <p:nvGrpSpPr>
+        <p:cNvPr id="320" name="Shape 320"/>
+        <p:cNvGrpSpPr/>
+        <p:nvPr/>
+      </p:nvGrpSpPr>
+      <p:grpSpPr>
+        <a:xfrm>
+          <a:off x="0" y="0"/>
+          <a:ext cx="0" cy="0"/>
+          <a:chOff x="0" y="0"/>
+          <a:chExt cx="0" cy="0"/>
+        </a:xfrm>
+      </p:grpSpPr>
+      <p:sp>
+        <p:nvSpPr>
+          <p:cNvPr id="321" name="Google Shape;321;g31ac0eed540_0_2659:notes"/>
+          <p:cNvSpPr/>
+          <p:nvPr>
+            <p:ph idx="2" type="sldImg"/>
+          </p:nvPr>
+        </p:nvSpPr>
+        <p:spPr>
+          <a:xfrm>
+            <a:off x="381300" y="685800"/>
+            <a:ext cx="6096000" cy="3429000"/>
+          </a:xfrm>
+          <a:custGeom>
+            <a:rect b="b" l="l" r="r" t="t"/>
+            <a:pathLst>
+              <a:path extrusionOk="0" h="120000" w="120000">
+                <a:moveTo>
+                  <a:pt x="0" y="0"/>
+                </a:moveTo>
+                <a:lnTo>
+                  <a:pt x="120000" y="0"/>
+                </a:lnTo>
+                <a:lnTo>
+                  <a:pt x="120000" y="120000"/>
+                </a:lnTo>
+                <a:lnTo>
+                  <a:pt x="0" y="120000"/>
+                </a:lnTo>
+                <a:close/>
+              </a:path>
+            </a:pathLst>
+          </a:custGeom>
+        </p:spPr>
+      </p:sp>
+      <p:sp>
+        <p:nvSpPr>
+          <p:cNvPr id="322" name="Google Shape;322;g31ac0eed540_0_2659:notes"/>
+          <p:cNvSpPr txBox="1"/>
+          <p:nvPr>
+            <p:ph idx="1" type="body"/>
+          </p:nvPr>
+        </p:nvSpPr>
+        <p:spPr>
+          <a:xfrm>
+            <a:off x="685800" y="4343400"/>
+            <a:ext cx="5486400" cy="4114800"/>
+          </a:xfrm>
+          <a:prstGeom prst="rect">
+            <a:avLst/>
+          </a:prstGeom>
+        </p:spPr>
+        <p:txBody>
+          <a:bodyPr anchorCtr="0" anchor="t" bIns="91425" lIns="91425" spcFirstLastPara="1" rIns="91425" wrap="square" tIns="91425">
+            <a:noAutofit/>
+          </a:bodyPr>
+          <a:lstStyle/>
+          <a:p>
+            <a:pPr indent="0" lvl="0" marL="0" rtl="0" algn="l">
+              <a:spcBef>
+                <a:spcPts val="0"/>
+              </a:spcBef>
+              <a:spcAft>
+                <a:spcPts val="0"/>
+              </a:spcAft>
+              <a:buNone/>
+            </a:pPr>
+            <a:r>
+              <a:t/>
+            </a:r>
+            <a:endParaRPr/>
+          </a:p>
+        </p:txBody>
+      </p:sp>
+    </p:spTree>
+  </p:cSld>
+  <p:clrMapOvr>
+    <a:masterClrMapping/>
+  </p:clrMapOvr>
+</p:notes>
+</file>
+
+<file path=ppt/notesSlides/notesSlide29.xml><?xml version="1.0" encoding="utf-8"?>
+<p:notes xmlns:a="http://schemas.openxmlformats.org/drawingml/2006/main" xmlns:r="http://schemas.openxmlformats.org/officeDocument/2006/relationships" xmlns:mc="http://schemas.openxmlformats.org/markup-compatibility/2006" xmlns:mv="urn:schemas-microsoft-com:mac:vml" xmlns:p="http://schemas.openxmlformats.org/presentationml/2006/main" xmlns:c="http://schemas.openxmlformats.org/drawingml/2006/chart" xmlns:dgm="http://schemas.openxmlformats.org/drawingml/2006/diagram" xmlns:o="urn:schemas-microsoft-com:office:office" xmlns:v="urn:schemas-microsoft-com:vml" xmlns:pvml="urn:schemas-microsoft-com:office:powerpoint" xmlns:com="http://schemas.openxmlformats.org/drawingml/2006/compatibility" xmlns:p14="http://schemas.microsoft.com/office/powerpoint/2010/main" xmlns:p15="http://schemas.microsoft.com/office/powerpoint/2012/main" xmlns:ahyp="http://schemas.microsoft.com/office/drawing/2018/hyperlinkcolor" showMasterPhAnim="0" showMasterSp="0">
+  <p:cSld>
+    <p:spTree>
+      <p:nvGrpSpPr>
+        <p:cNvPr id="328" name="Shape 328"/>
+        <p:cNvGrpSpPr/>
+        <p:nvPr/>
+      </p:nvGrpSpPr>
+      <p:grpSpPr>
+        <a:xfrm>
+          <a:off x="0" y="0"/>
+          <a:ext cx="0" cy="0"/>
+          <a:chOff x="0" y="0"/>
+          <a:chExt cx="0" cy="0"/>
+        </a:xfrm>
+      </p:grpSpPr>
+      <p:sp>
+        <p:nvSpPr>
+          <p:cNvPr id="329" name="Google Shape;329;g31ac0eed540_0_2665:notes"/>
+          <p:cNvSpPr/>
+          <p:nvPr>
+            <p:ph idx="2" type="sldImg"/>
+          </p:nvPr>
+        </p:nvSpPr>
+        <p:spPr>
+          <a:xfrm>
+            <a:off x="381300" y="685800"/>
+            <a:ext cx="6096000" cy="3429000"/>
+          </a:xfrm>
+          <a:custGeom>
+            <a:rect b="b" l="l" r="r" t="t"/>
+            <a:pathLst>
+              <a:path extrusionOk="0" h="120000" w="120000">
+                <a:moveTo>
+                  <a:pt x="0" y="0"/>
+                </a:moveTo>
+                <a:lnTo>
+                  <a:pt x="120000" y="0"/>
+                </a:lnTo>
+                <a:lnTo>
+                  <a:pt x="120000" y="120000"/>
+                </a:lnTo>
+                <a:lnTo>
+                  <a:pt x="0" y="120000"/>
+                </a:lnTo>
+                <a:close/>
+              </a:path>
+            </a:pathLst>
+          </a:custGeom>
+        </p:spPr>
+      </p:sp>
+      <p:sp>
+        <p:nvSpPr>
+          <p:cNvPr id="330" name="Google Shape;330;g31ac0eed540_0_2665:notes"/>
+          <p:cNvSpPr txBox="1"/>
+          <p:nvPr>
+            <p:ph idx="1" type="body"/>
+          </p:nvPr>
+        </p:nvSpPr>
+        <p:spPr>
+          <a:xfrm>
+            <a:off x="685800" y="4343400"/>
+            <a:ext cx="5486400" cy="4114800"/>
+          </a:xfrm>
+          <a:prstGeom prst="rect">
+            <a:avLst/>
+          </a:prstGeom>
+        </p:spPr>
+        <p:txBody>
+          <a:bodyPr anchorCtr="0" anchor="t" bIns="91425" lIns="91425" spcFirstLastPara="1" rIns="91425" wrap="square" tIns="91425">
+            <a:noAutofit/>
+          </a:bodyPr>
+          <a:lstStyle/>
+          <a:p>
+            <a:pPr indent="0" lvl="0" marL="0" rtl="0" algn="l">
+              <a:spcBef>
+                <a:spcPts val="0"/>
+              </a:spcBef>
+              <a:spcAft>
+                <a:spcPts val="0"/>
+              </a:spcAft>
+              <a:buNone/>
+            </a:pPr>
+            <a:r>
+              <a:t/>
+            </a:r>
+            <a:endParaRPr/>
+          </a:p>
+        </p:txBody>
+      </p:sp>
+    </p:spTree>
+  </p:cSld>
+  <p:clrMapOvr>
+    <a:masterClrMapping/>
+  </p:clrMapOvr>
+</p:notes>
+</file>
+
+<file path=ppt/notesSlides/notesSlide3.xml><?xml version="1.0" encoding="utf-8"?>
+<p:notes xmlns:a="http://schemas.openxmlformats.org/drawingml/2006/main" xmlns:r="http://schemas.openxmlformats.org/officeDocument/2006/relationships" xmlns:mc="http://schemas.openxmlformats.org/markup-compatibility/2006" xmlns:mv="urn:schemas-microsoft-com:mac:vml" xmlns:p="http://schemas.openxmlformats.org/presentationml/2006/main" xmlns:c="http://schemas.openxmlformats.org/drawingml/2006/chart" xmlns:dgm="http://schemas.openxmlformats.org/drawingml/2006/diagram" xmlns:o="urn:schemas-microsoft-com:office:office" xmlns:v="urn:schemas-microsoft-com:vml" xmlns:pvml="urn:schemas-microsoft-com:office:powerpoint" xmlns:com="http://schemas.openxmlformats.org/drawingml/2006/compatibility" xmlns:p14="http://schemas.microsoft.com/office/powerpoint/2010/main" xmlns:p15="http://schemas.microsoft.com/office/powerpoint/2012/main" xmlns:ahyp="http://schemas.microsoft.com/office/drawing/2018/hyperlinkcolor" showMasterPhAnim="0" showMasterSp="0">
+  <p:cSld>
+    <p:spTree>
+      <p:nvGrpSpPr>
+        <p:cNvPr id="95" name="Shape 95"/>
+        <p:cNvGrpSpPr/>
+        <p:nvPr/>
+      </p:nvGrpSpPr>
+      <p:grpSpPr>
+        <a:xfrm>
+          <a:off x="0" y="0"/>
+          <a:ext cx="0" cy="0"/>
+          <a:chOff x="0" y="0"/>
+          <a:chExt cx="0" cy="0"/>
+        </a:xfrm>
+      </p:grpSpPr>
+      <p:sp>
+        <p:nvSpPr>
+          <p:cNvPr id="96" name="Google Shape;96;gc6f9e470d_0_5:notes"/>
+          <p:cNvSpPr/>
+          <p:nvPr>
+            <p:ph idx="2" type="sldImg"/>
+          </p:nvPr>
+        </p:nvSpPr>
+        <p:spPr>
+          <a:xfrm>
+            <a:off x="381188" y="685800"/>
+            <a:ext cx="6096300" cy="3429000"/>
+          </a:xfrm>
+          <a:custGeom>
+            <a:rect b="b" l="l" r="r" t="t"/>
+            <a:pathLst>
+              <a:path extrusionOk="0" h="120000" w="120000">
+                <a:moveTo>
+                  <a:pt x="0" y="0"/>
+                </a:moveTo>
+                <a:lnTo>
+                  <a:pt x="120000" y="0"/>
+                </a:lnTo>
+                <a:lnTo>
+                  <a:pt x="120000" y="120000"/>
+                </a:lnTo>
+                <a:lnTo>
+                  <a:pt x="0" y="120000"/>
+                </a:lnTo>
+                <a:close/>
+              </a:path>
+            </a:pathLst>
+          </a:custGeom>
+        </p:spPr>
+      </p:sp>
+      <p:sp>
+        <p:nvSpPr>
           <p:cNvPr id="97" name="Google Shape;97;gc6f9e470d_0_5:notes"/>
+          <p:cNvSpPr txBox="1"/>
+          <p:nvPr>
+            <p:ph idx="1" type="body"/>
+          </p:nvPr>
+        </p:nvSpPr>
+        <p:spPr>
+          <a:xfrm>
+            <a:off x="685800" y="4343400"/>
+            <a:ext cx="5486400" cy="4114800"/>
+          </a:xfrm>
+          <a:prstGeom prst="rect">
+            <a:avLst/>
+          </a:prstGeom>
+        </p:spPr>
+        <p:txBody>
+          <a:bodyPr anchorCtr="0" anchor="t" bIns="91425" lIns="91425" spcFirstLastPara="1" rIns="91425" wrap="square" tIns="91425">
+            <a:noAutofit/>
+          </a:bodyPr>
+          <a:lstStyle/>
+          <a:p>
+            <a:pPr indent="0" lvl="0" marL="0" rtl="0" algn="l">
+              <a:spcBef>
+                <a:spcPts val="0"/>
+              </a:spcBef>
+              <a:spcAft>
+                <a:spcPts val="0"/>
+              </a:spcAft>
+              <a:buNone/>
+            </a:pPr>
+            <a:r>
+              <a:t/>
+            </a:r>
+            <a:endParaRPr/>
+          </a:p>
+        </p:txBody>
+      </p:sp>
+    </p:spTree>
+  </p:cSld>
+  <p:clrMapOvr>
+    <a:masterClrMapping/>
+  </p:clrMapOvr>
+</p:notes>
+</file>
+
+<file path=ppt/notesSlides/notesSlide30.xml><?xml version="1.0" encoding="utf-8"?>
+<p:notes xmlns:a="http://schemas.openxmlformats.org/drawingml/2006/main" xmlns:r="http://schemas.openxmlformats.org/officeDocument/2006/relationships" xmlns:mc="http://schemas.openxmlformats.org/markup-compatibility/2006" xmlns:mv="urn:schemas-microsoft-com:mac:vml" xmlns:p="http://schemas.openxmlformats.org/presentationml/2006/main" xmlns:c="http://schemas.openxmlformats.org/drawingml/2006/chart" xmlns:dgm="http://schemas.openxmlformats.org/drawingml/2006/diagram" xmlns:o="urn:schemas-microsoft-com:office:office" xmlns:v="urn:schemas-microsoft-com:vml" xmlns:pvml="urn:schemas-microsoft-com:office:powerpoint" xmlns:com="http://schemas.openxmlformats.org/drawingml/2006/compatibility" xmlns:p14="http://schemas.microsoft.com/office/powerpoint/2010/main" xmlns:p15="http://schemas.microsoft.com/office/powerpoint/2012/main" xmlns:ahyp="http://schemas.microsoft.com/office/drawing/2018/hyperlinkcolor" showMasterPhAnim="0" showMasterSp="0">
+  <p:cSld>
+    <p:spTree>
+      <p:nvGrpSpPr>
+        <p:cNvPr id="336" name="Shape 336"/>
+        <p:cNvGrpSpPr/>
+        <p:nvPr/>
+      </p:nvGrpSpPr>
+      <p:grpSpPr>
+        <a:xfrm>
+          <a:off x="0" y="0"/>
+          <a:ext cx="0" cy="0"/>
+          <a:chOff x="0" y="0"/>
+          <a:chExt cx="0" cy="0"/>
+        </a:xfrm>
+      </p:grpSpPr>
+      <p:sp>
+        <p:nvSpPr>
+          <p:cNvPr id="337" name="Google Shape;337;g31ac0eed540_0_2671:notes"/>
+          <p:cNvSpPr/>
+          <p:nvPr>
+            <p:ph idx="2" type="sldImg"/>
+          </p:nvPr>
+        </p:nvSpPr>
+        <p:spPr>
+          <a:xfrm>
+            <a:off x="381300" y="685800"/>
+            <a:ext cx="6096000" cy="3429000"/>
+          </a:xfrm>
+          <a:custGeom>
+            <a:rect b="b" l="l" r="r" t="t"/>
+            <a:pathLst>
+              <a:path extrusionOk="0" h="120000" w="120000">
+                <a:moveTo>
+                  <a:pt x="0" y="0"/>
+                </a:moveTo>
+                <a:lnTo>
+                  <a:pt x="120000" y="0"/>
+                </a:lnTo>
+                <a:lnTo>
+                  <a:pt x="120000" y="120000"/>
+                </a:lnTo>
+                <a:lnTo>
+                  <a:pt x="0" y="120000"/>
+                </a:lnTo>
+                <a:close/>
+              </a:path>
+            </a:pathLst>
+          </a:custGeom>
+        </p:spPr>
+      </p:sp>
+      <p:sp>
+        <p:nvSpPr>
+          <p:cNvPr id="338" name="Google Shape;338;g31ac0eed540_0_2671:notes"/>
+          <p:cNvSpPr txBox="1"/>
+          <p:nvPr>
+            <p:ph idx="1" type="body"/>
+          </p:nvPr>
+        </p:nvSpPr>
+        <p:spPr>
+          <a:xfrm>
+            <a:off x="685800" y="4343400"/>
+            <a:ext cx="5486400" cy="4114800"/>
+          </a:xfrm>
+          <a:prstGeom prst="rect">
+            <a:avLst/>
+          </a:prstGeom>
+        </p:spPr>
+        <p:txBody>
+          <a:bodyPr anchorCtr="0" anchor="t" bIns="91425" lIns="91425" spcFirstLastPara="1" rIns="91425" wrap="square" tIns="91425">
+            <a:noAutofit/>
+          </a:bodyPr>
+          <a:lstStyle/>
+          <a:p>
+            <a:pPr indent="0" lvl="0" marL="0" rtl="0" algn="l">
+              <a:spcBef>
+                <a:spcPts val="0"/>
+              </a:spcBef>
+              <a:spcAft>
+                <a:spcPts val="0"/>
+              </a:spcAft>
+              <a:buNone/>
+            </a:pPr>
+            <a:r>
+              <a:t/>
+            </a:r>
+            <a:endParaRPr/>
+          </a:p>
+        </p:txBody>
+      </p:sp>
+    </p:spTree>
+  </p:cSld>
+  <p:clrMapOvr>
+    <a:masterClrMapping/>
+  </p:clrMapOvr>
+</p:notes>
+</file>
+
+<file path=ppt/notesSlides/notesSlide31.xml><?xml version="1.0" encoding="utf-8"?>
+<p:notes xmlns:a="http://schemas.openxmlformats.org/drawingml/2006/main" xmlns:r="http://schemas.openxmlformats.org/officeDocument/2006/relationships" xmlns:mc="http://schemas.openxmlformats.org/markup-compatibility/2006" xmlns:mv="urn:schemas-microsoft-com:mac:vml" xmlns:p="http://schemas.openxmlformats.org/presentationml/2006/main" xmlns:c="http://schemas.openxmlformats.org/drawingml/2006/chart" xmlns:dgm="http://schemas.openxmlformats.org/drawingml/2006/diagram" xmlns:o="urn:schemas-microsoft-com:office:office" xmlns:v="urn:schemas-microsoft-com:vml" xmlns:pvml="urn:schemas-microsoft-com:office:powerpoint" xmlns:com="http://schemas.openxmlformats.org/drawingml/2006/compatibility" xmlns:p14="http://schemas.microsoft.com/office/powerpoint/2010/main" xmlns:p15="http://schemas.microsoft.com/office/powerpoint/2012/main" xmlns:ahyp="http://schemas.microsoft.com/office/drawing/2018/hyperlinkcolor" showMasterPhAnim="0" showMasterSp="0">
+  <p:cSld>
+    <p:spTree>
+      <p:nvGrpSpPr>
+        <p:cNvPr id="344" name="Shape 344"/>
+        <p:cNvGrpSpPr/>
+        <p:nvPr/>
+      </p:nvGrpSpPr>
+      <p:grpSpPr>
+        <a:xfrm>
+          <a:off x="0" y="0"/>
+          <a:ext cx="0" cy="0"/>
+          <a:chOff x="0" y="0"/>
+          <a:chExt cx="0" cy="0"/>
+        </a:xfrm>
+      </p:grpSpPr>
+      <p:sp>
+        <p:nvSpPr>
+          <p:cNvPr id="345" name="Google Shape;345;g31ac0eed540_0_2678:notes"/>
+          <p:cNvSpPr/>
+          <p:nvPr>
+            <p:ph idx="2" type="sldImg"/>
+          </p:nvPr>
+        </p:nvSpPr>
+        <p:spPr>
+          <a:xfrm>
+            <a:off x="381300" y="685800"/>
+            <a:ext cx="6096000" cy="3429000"/>
+          </a:xfrm>
+          <a:custGeom>
+            <a:rect b="b" l="l" r="r" t="t"/>
+            <a:pathLst>
+              <a:path extrusionOk="0" h="120000" w="120000">
+                <a:moveTo>
+                  <a:pt x="0" y="0"/>
+                </a:moveTo>
+                <a:lnTo>
+                  <a:pt x="120000" y="0"/>
+                </a:lnTo>
+                <a:lnTo>
+                  <a:pt x="120000" y="120000"/>
+                </a:lnTo>
+                <a:lnTo>
+                  <a:pt x="0" y="120000"/>
+                </a:lnTo>
+                <a:close/>
+              </a:path>
+            </a:pathLst>
+          </a:custGeom>
+        </p:spPr>
+      </p:sp>
+      <p:sp>
+        <p:nvSpPr>
+          <p:cNvPr id="346" name="Google Shape;346;g31ac0eed540_0_2678:notes"/>
+          <p:cNvSpPr txBox="1"/>
+          <p:nvPr>
+            <p:ph idx="1" type="body"/>
+          </p:nvPr>
+        </p:nvSpPr>
+        <p:spPr>
+          <a:xfrm>
+            <a:off x="685800" y="4343400"/>
+            <a:ext cx="5486400" cy="4114800"/>
+          </a:xfrm>
+          <a:prstGeom prst="rect">
+            <a:avLst/>
+          </a:prstGeom>
+        </p:spPr>
+        <p:txBody>
+          <a:bodyPr anchorCtr="0" anchor="t" bIns="91425" lIns="91425" spcFirstLastPara="1" rIns="91425" wrap="square" tIns="91425">
+            <a:noAutofit/>
+          </a:bodyPr>
+          <a:lstStyle/>
+          <a:p>
+            <a:pPr indent="0" lvl="0" marL="0" rtl="0" algn="l">
+              <a:spcBef>
+                <a:spcPts val="0"/>
+              </a:spcBef>
+              <a:spcAft>
+                <a:spcPts val="0"/>
+              </a:spcAft>
+              <a:buNone/>
+            </a:pPr>
+            <a:r>
+              <a:t/>
+            </a:r>
+            <a:endParaRPr/>
+          </a:p>
+        </p:txBody>
+      </p:sp>
+    </p:spTree>
+  </p:cSld>
+  <p:clrMapOvr>
+    <a:masterClrMapping/>
+  </p:clrMapOvr>
+</p:notes>
+</file>
+
+<file path=ppt/notesSlides/notesSlide32.xml><?xml version="1.0" encoding="utf-8"?>
+<p:notes xmlns:a="http://schemas.openxmlformats.org/drawingml/2006/main" xmlns:r="http://schemas.openxmlformats.org/officeDocument/2006/relationships" xmlns:mc="http://schemas.openxmlformats.org/markup-compatibility/2006" xmlns:mv="urn:schemas-microsoft-com:mac:vml" xmlns:p="http://schemas.openxmlformats.org/presentationml/2006/main" xmlns:c="http://schemas.openxmlformats.org/drawingml/2006/chart" xmlns:dgm="http://schemas.openxmlformats.org/drawingml/2006/diagram" xmlns:o="urn:schemas-microsoft-com:office:office" xmlns:v="urn:schemas-microsoft-com:vml" xmlns:pvml="urn:schemas-microsoft-com:office:powerpoint" xmlns:com="http://schemas.openxmlformats.org/drawingml/2006/compatibility" xmlns:p14="http://schemas.microsoft.com/office/powerpoint/2010/main" xmlns:p15="http://schemas.microsoft.com/office/powerpoint/2012/main" xmlns:ahyp="http://schemas.microsoft.com/office/drawing/2018/hyperlinkcolor" showMasterPhAnim="0" showMasterSp="0">
+  <p:cSld>
+    <p:spTree>
+      <p:nvGrpSpPr>
+        <p:cNvPr id="352" name="Shape 352"/>
+        <p:cNvGrpSpPr/>
+        <p:nvPr/>
+      </p:nvGrpSpPr>
+      <p:grpSpPr>
+        <a:xfrm>
+          <a:off x="0" y="0"/>
+          <a:ext cx="0" cy="0"/>
+          <a:chOff x="0" y="0"/>
+          <a:chExt cx="0" cy="0"/>
+        </a:xfrm>
+      </p:grpSpPr>
+      <p:sp>
+        <p:nvSpPr>
+          <p:cNvPr id="353" name="Google Shape;353;g31ac0eed540_0_2684:notes"/>
+          <p:cNvSpPr/>
+          <p:nvPr>
+            <p:ph idx="2" type="sldImg"/>
+          </p:nvPr>
+        </p:nvSpPr>
+        <p:spPr>
+          <a:xfrm>
+            <a:off x="381300" y="685800"/>
+            <a:ext cx="6096000" cy="3429000"/>
+          </a:xfrm>
+          <a:custGeom>
+            <a:rect b="b" l="l" r="r" t="t"/>
+            <a:pathLst>
+              <a:path extrusionOk="0" h="120000" w="120000">
+                <a:moveTo>
+                  <a:pt x="0" y="0"/>
+                </a:moveTo>
+                <a:lnTo>
+                  <a:pt x="120000" y="0"/>
+                </a:lnTo>
+                <a:lnTo>
+                  <a:pt x="120000" y="120000"/>
+                </a:lnTo>
+                <a:lnTo>
+                  <a:pt x="0" y="120000"/>
+                </a:lnTo>
+                <a:close/>
+              </a:path>
+            </a:pathLst>
+          </a:custGeom>
+        </p:spPr>
+      </p:sp>
+      <p:sp>
+        <p:nvSpPr>
+          <p:cNvPr id="354" name="Google Shape;354;g31ac0eed540_0_2684:notes"/>
+          <p:cNvSpPr txBox="1"/>
+          <p:nvPr>
+            <p:ph idx="1" type="body"/>
+          </p:nvPr>
+        </p:nvSpPr>
+        <p:spPr>
+          <a:xfrm>
+            <a:off x="685800" y="4343400"/>
+            <a:ext cx="5486400" cy="4114800"/>
+          </a:xfrm>
+          <a:prstGeom prst="rect">
+            <a:avLst/>
+          </a:prstGeom>
+        </p:spPr>
+        <p:txBody>
+          <a:bodyPr anchorCtr="0" anchor="t" bIns="91425" lIns="91425" spcFirstLastPara="1" rIns="91425" wrap="square" tIns="91425">
+            <a:noAutofit/>
+          </a:bodyPr>
+          <a:lstStyle/>
+          <a:p>
+            <a:pPr indent="0" lvl="0" marL="0" rtl="0" algn="l">
+              <a:spcBef>
+                <a:spcPts val="0"/>
+              </a:spcBef>
+              <a:spcAft>
+                <a:spcPts val="0"/>
+              </a:spcAft>
+              <a:buNone/>
+            </a:pPr>
+            <a:r>
+              <a:t/>
+            </a:r>
+            <a:endParaRPr/>
+          </a:p>
+        </p:txBody>
+      </p:sp>
+    </p:spTree>
+  </p:cSld>
+  <p:clrMapOvr>
+    <a:masterClrMapping/>
+  </p:clrMapOvr>
+</p:notes>
+</file>
+
+<file path=ppt/notesSlides/notesSlide33.xml><?xml version="1.0" encoding="utf-8"?>
+<p:notes xmlns:a="http://schemas.openxmlformats.org/drawingml/2006/main" xmlns:r="http://schemas.openxmlformats.org/officeDocument/2006/relationships" xmlns:mc="http://schemas.openxmlformats.org/markup-compatibility/2006" xmlns:mv="urn:schemas-microsoft-com:mac:vml" xmlns:p="http://schemas.openxmlformats.org/presentationml/2006/main" xmlns:c="http://schemas.openxmlformats.org/drawingml/2006/chart" xmlns:dgm="http://schemas.openxmlformats.org/drawingml/2006/diagram" xmlns:o="urn:schemas-microsoft-com:office:office" xmlns:v="urn:schemas-microsoft-com:vml" xmlns:pvml="urn:schemas-microsoft-com:office:powerpoint" xmlns:com="http://schemas.openxmlformats.org/drawingml/2006/compatibility" xmlns:p14="http://schemas.microsoft.com/office/powerpoint/2010/main" xmlns:p15="http://schemas.microsoft.com/office/powerpoint/2012/main" xmlns:ahyp="http://schemas.microsoft.com/office/drawing/2018/hyperlinkcolor" showMasterPhAnim="0" showMasterSp="0">
+  <p:cSld>
+    <p:spTree>
+      <p:nvGrpSpPr>
+        <p:cNvPr id="360" name="Shape 360"/>
+        <p:cNvGrpSpPr/>
+        <p:nvPr/>
+      </p:nvGrpSpPr>
+      <p:grpSpPr>
+        <a:xfrm>
+          <a:off x="0" y="0"/>
+          <a:ext cx="0" cy="0"/>
+          <a:chOff x="0" y="0"/>
+          <a:chExt cx="0" cy="0"/>
+        </a:xfrm>
+      </p:grpSpPr>
+      <p:sp>
+        <p:nvSpPr>
+          <p:cNvPr id="361" name="Google Shape;361;g31ac0eed540_0_2690:notes"/>
+          <p:cNvSpPr/>
+          <p:nvPr>
+            <p:ph idx="2" type="sldImg"/>
+          </p:nvPr>
+        </p:nvSpPr>
+        <p:spPr>
+          <a:xfrm>
+            <a:off x="381300" y="685800"/>
+            <a:ext cx="6096000" cy="3429000"/>
+          </a:xfrm>
+          <a:custGeom>
+            <a:rect b="b" l="l" r="r" t="t"/>
+            <a:pathLst>
+              <a:path extrusionOk="0" h="120000" w="120000">
+                <a:moveTo>
+                  <a:pt x="0" y="0"/>
+                </a:moveTo>
+                <a:lnTo>
+                  <a:pt x="120000" y="0"/>
+                </a:lnTo>
+                <a:lnTo>
+                  <a:pt x="120000" y="120000"/>
+                </a:lnTo>
+                <a:lnTo>
+                  <a:pt x="0" y="120000"/>
+                </a:lnTo>
+                <a:close/>
+              </a:path>
+            </a:pathLst>
+          </a:custGeom>
+        </p:spPr>
+      </p:sp>
+      <p:sp>
+        <p:nvSpPr>
+          <p:cNvPr id="362" name="Google Shape;362;g31ac0eed540_0_2690:notes"/>
+          <p:cNvSpPr txBox="1"/>
+          <p:nvPr>
+            <p:ph idx="1" type="body"/>
+          </p:nvPr>
+        </p:nvSpPr>
+        <p:spPr>
+          <a:xfrm>
+            <a:off x="685800" y="4343400"/>
+            <a:ext cx="5486400" cy="4114800"/>
+          </a:xfrm>
+          <a:prstGeom prst="rect">
+            <a:avLst/>
+          </a:prstGeom>
+        </p:spPr>
+        <p:txBody>
+          <a:bodyPr anchorCtr="0" anchor="t" bIns="91425" lIns="91425" spcFirstLastPara="1" rIns="91425" wrap="square" tIns="91425">
+            <a:noAutofit/>
+          </a:bodyPr>
+          <a:lstStyle/>
+          <a:p>
+            <a:pPr indent="0" lvl="0" marL="0" rtl="0" algn="l">
+              <a:spcBef>
+                <a:spcPts val="0"/>
+              </a:spcBef>
+              <a:spcAft>
+                <a:spcPts val="0"/>
+              </a:spcAft>
+              <a:buNone/>
+            </a:pPr>
+            <a:r>
+              <a:t/>
+            </a:r>
+            <a:endParaRPr/>
+          </a:p>
+        </p:txBody>
+      </p:sp>
+    </p:spTree>
+  </p:cSld>
+  <p:clrMapOvr>
+    <a:masterClrMapping/>
+  </p:clrMapOvr>
+</p:notes>
+</file>
+
+<file path=ppt/notesSlides/notesSlide34.xml><?xml version="1.0" encoding="utf-8"?>
+<p:notes xmlns:a="http://schemas.openxmlformats.org/drawingml/2006/main" xmlns:r="http://schemas.openxmlformats.org/officeDocument/2006/relationships" xmlns:mc="http://schemas.openxmlformats.org/markup-compatibility/2006" xmlns:mv="urn:schemas-microsoft-com:mac:vml" xmlns:p="http://schemas.openxmlformats.org/presentationml/2006/main" xmlns:c="http://schemas.openxmlformats.org/drawingml/2006/chart" xmlns:dgm="http://schemas.openxmlformats.org/drawingml/2006/diagram" xmlns:o="urn:schemas-microsoft-com:office:office" xmlns:v="urn:schemas-microsoft-com:vml" xmlns:pvml="urn:schemas-microsoft-com:office:powerpoint" xmlns:com="http://schemas.openxmlformats.org/drawingml/2006/compatibility" xmlns:p14="http://schemas.microsoft.com/office/powerpoint/2010/main" xmlns:p15="http://schemas.microsoft.com/office/powerpoint/2012/main" xmlns:ahyp="http://schemas.microsoft.com/office/drawing/2018/hyperlinkcolor" showMasterPhAnim="0" showMasterSp="0">
+  <p:cSld>
+    <p:spTree>
+      <p:nvGrpSpPr>
+        <p:cNvPr id="368" name="Shape 368"/>
+        <p:cNvGrpSpPr/>
+        <p:nvPr/>
+      </p:nvGrpSpPr>
+      <p:grpSpPr>
+        <a:xfrm>
+          <a:off x="0" y="0"/>
+          <a:ext cx="0" cy="0"/>
+          <a:chOff x="0" y="0"/>
+          <a:chExt cx="0" cy="0"/>
+        </a:xfrm>
+      </p:grpSpPr>
+      <p:sp>
+        <p:nvSpPr>
+          <p:cNvPr id="369" name="Google Shape;369;g31ac0eed540_0_2703:notes"/>
+          <p:cNvSpPr/>
+          <p:nvPr>
+            <p:ph idx="2" type="sldImg"/>
+          </p:nvPr>
+        </p:nvSpPr>
+        <p:spPr>
+          <a:xfrm>
+            <a:off x="381300" y="685800"/>
+            <a:ext cx="6096000" cy="3429000"/>
+          </a:xfrm>
+          <a:custGeom>
+            <a:rect b="b" l="l" r="r" t="t"/>
+            <a:pathLst>
+              <a:path extrusionOk="0" h="120000" w="120000">
+                <a:moveTo>
+                  <a:pt x="0" y="0"/>
+                </a:moveTo>
+                <a:lnTo>
+                  <a:pt x="120000" y="0"/>
+                </a:lnTo>
+                <a:lnTo>
+                  <a:pt x="120000" y="120000"/>
+                </a:lnTo>
+                <a:lnTo>
+                  <a:pt x="0" y="120000"/>
+                </a:lnTo>
+                <a:close/>
+              </a:path>
+            </a:pathLst>
+          </a:custGeom>
+        </p:spPr>
+      </p:sp>
+      <p:sp>
+        <p:nvSpPr>
+          <p:cNvPr id="370" name="Google Shape;370;g31ac0eed540_0_2703:notes"/>
+          <p:cNvSpPr txBox="1"/>
+          <p:nvPr>
+            <p:ph idx="1" type="body"/>
+          </p:nvPr>
+        </p:nvSpPr>
+        <p:spPr>
+          <a:xfrm>
+            <a:off x="685800" y="4343400"/>
+            <a:ext cx="5486400" cy="4114800"/>
+          </a:xfrm>
+          <a:prstGeom prst="rect">
+            <a:avLst/>
+          </a:prstGeom>
+        </p:spPr>
+        <p:txBody>
+          <a:bodyPr anchorCtr="0" anchor="t" bIns="91425" lIns="91425" spcFirstLastPara="1" rIns="91425" wrap="square" tIns="91425">
+            <a:noAutofit/>
+          </a:bodyPr>
+          <a:lstStyle/>
+          <a:p>
+            <a:pPr indent="0" lvl="0" marL="0" rtl="0" algn="l">
+              <a:spcBef>
+                <a:spcPts val="0"/>
+              </a:spcBef>
+              <a:spcAft>
+                <a:spcPts val="0"/>
+              </a:spcAft>
+              <a:buNone/>
+            </a:pPr>
+            <a:r>
+              <a:t/>
+            </a:r>
+            <a:endParaRPr/>
+          </a:p>
+        </p:txBody>
+      </p:sp>
+    </p:spTree>
+  </p:cSld>
+  <p:clrMapOvr>
+    <a:masterClrMapping/>
+  </p:clrMapOvr>
+</p:notes>
+</file>
+
+<file path=ppt/notesSlides/notesSlide35.xml><?xml version="1.0" encoding="utf-8"?>
+<p:notes xmlns:a="http://schemas.openxmlformats.org/drawingml/2006/main" xmlns:r="http://schemas.openxmlformats.org/officeDocument/2006/relationships" xmlns:mc="http://schemas.openxmlformats.org/markup-compatibility/2006" xmlns:mv="urn:schemas-microsoft-com:mac:vml" xmlns:p="http://schemas.openxmlformats.org/presentationml/2006/main" xmlns:c="http://schemas.openxmlformats.org/drawingml/2006/chart" xmlns:dgm="http://schemas.openxmlformats.org/drawingml/2006/diagram" xmlns:o="urn:schemas-microsoft-com:office:office" xmlns:v="urn:schemas-microsoft-com:vml" xmlns:pvml="urn:schemas-microsoft-com:office:powerpoint" xmlns:com="http://schemas.openxmlformats.org/drawingml/2006/compatibility" xmlns:p14="http://schemas.microsoft.com/office/powerpoint/2010/main" xmlns:p15="http://schemas.microsoft.com/office/powerpoint/2012/main" xmlns:ahyp="http://schemas.microsoft.com/office/drawing/2018/hyperlinkcolor" showMasterPhAnim="0" showMasterSp="0">
+  <p:cSld>
+    <p:spTree>
+      <p:nvGrpSpPr>
+        <p:cNvPr id="376" name="Shape 376"/>
+        <p:cNvGrpSpPr/>
+        <p:nvPr/>
+      </p:nvGrpSpPr>
+      <p:grpSpPr>
+        <a:xfrm>
+          <a:off x="0" y="0"/>
+          <a:ext cx="0" cy="0"/>
+          <a:chOff x="0" y="0"/>
+          <a:chExt cx="0" cy="0"/>
+        </a:xfrm>
+      </p:grpSpPr>
+      <p:sp>
+        <p:nvSpPr>
+          <p:cNvPr id="377" name="Google Shape;377;g31ac0eed540_0_2698:notes"/>
+          <p:cNvSpPr/>
+          <p:nvPr>
+            <p:ph idx="2" type="sldImg"/>
+          </p:nvPr>
+        </p:nvSpPr>
+        <p:spPr>
+          <a:xfrm>
+            <a:off x="381300" y="685800"/>
+            <a:ext cx="6096000" cy="3429000"/>
+          </a:xfrm>
+          <a:custGeom>
+            <a:rect b="b" l="l" r="r" t="t"/>
+            <a:pathLst>
+              <a:path extrusionOk="0" h="120000" w="120000">
+                <a:moveTo>
+                  <a:pt x="0" y="0"/>
+                </a:moveTo>
+                <a:lnTo>
+                  <a:pt x="120000" y="0"/>
+                </a:lnTo>
+                <a:lnTo>
+                  <a:pt x="120000" y="120000"/>
+                </a:lnTo>
+                <a:lnTo>
+                  <a:pt x="0" y="120000"/>
+                </a:lnTo>
+                <a:close/>
+              </a:path>
+            </a:pathLst>
+          </a:custGeom>
+        </p:spPr>
+      </p:sp>
+      <p:sp>
+        <p:nvSpPr>
+          <p:cNvPr id="378" name="Google Shape;378;g31ac0eed540_0_2698:notes"/>
+          <p:cNvSpPr txBox="1"/>
+          <p:nvPr>
+            <p:ph idx="1" type="body"/>
+          </p:nvPr>
+        </p:nvSpPr>
+        <p:spPr>
+          <a:xfrm>
+            <a:off x="685800" y="4343400"/>
+            <a:ext cx="5486400" cy="4114800"/>
+          </a:xfrm>
+          <a:prstGeom prst="rect">
+            <a:avLst/>
+          </a:prstGeom>
+        </p:spPr>
+        <p:txBody>
+          <a:bodyPr anchorCtr="0" anchor="t" bIns="91425" lIns="91425" spcFirstLastPara="1" rIns="91425" wrap="square" tIns="91425">
+            <a:noAutofit/>
+          </a:bodyPr>
+          <a:lstStyle/>
+          <a:p>
+            <a:pPr indent="0" lvl="0" marL="0" rtl="0" algn="l">
+              <a:spcBef>
+                <a:spcPts val="0"/>
+              </a:spcBef>
+              <a:spcAft>
+                <a:spcPts val="0"/>
+              </a:spcAft>
+              <a:buNone/>
+            </a:pPr>
+            <a:r>
+              <a:t/>
+            </a:r>
+            <a:endParaRPr/>
+          </a:p>
+        </p:txBody>
+      </p:sp>
+    </p:spTree>
+  </p:cSld>
+  <p:clrMapOvr>
+    <a:masterClrMapping/>
+  </p:clrMapOvr>
+</p:notes>
+</file>
+
+<file path=ppt/notesSlides/notesSlide36.xml><?xml version="1.0" encoding="utf-8"?>
+<p:notes xmlns:a="http://schemas.openxmlformats.org/drawingml/2006/main" xmlns:r="http://schemas.openxmlformats.org/officeDocument/2006/relationships" xmlns:mc="http://schemas.openxmlformats.org/markup-compatibility/2006" xmlns:mv="urn:schemas-microsoft-com:mac:vml" xmlns:p="http://schemas.openxmlformats.org/presentationml/2006/main" xmlns:c="http://schemas.openxmlformats.org/drawingml/2006/chart" xmlns:dgm="http://schemas.openxmlformats.org/drawingml/2006/diagram" xmlns:o="urn:schemas-microsoft-com:office:office" xmlns:v="urn:schemas-microsoft-com:vml" xmlns:pvml="urn:schemas-microsoft-com:office:powerpoint" xmlns:com="http://schemas.openxmlformats.org/drawingml/2006/compatibility" xmlns:p14="http://schemas.microsoft.com/office/powerpoint/2010/main" xmlns:p15="http://schemas.microsoft.com/office/powerpoint/2012/main" xmlns:ahyp="http://schemas.microsoft.com/office/drawing/2018/hyperlinkcolor" showMasterPhAnim="0" showMasterSp="0">
+  <p:cSld>
+    <p:spTree>
+      <p:nvGrpSpPr>
+        <p:cNvPr id="385" name="Shape 385"/>
+        <p:cNvGrpSpPr/>
+        <p:nvPr/>
+      </p:nvGrpSpPr>
+      <p:grpSpPr>
+        <a:xfrm>
+          <a:off x="0" y="0"/>
+          <a:ext cx="0" cy="0"/>
+          <a:chOff x="0" y="0"/>
+          <a:chExt cx="0" cy="0"/>
+        </a:xfrm>
+      </p:grpSpPr>
+      <p:sp>
+        <p:nvSpPr>
+          <p:cNvPr id="386" name="Google Shape;386;g31ac0eed540_0_2711:notes"/>
+          <p:cNvSpPr/>
+          <p:nvPr>
+            <p:ph idx="2" type="sldImg"/>
+          </p:nvPr>
+        </p:nvSpPr>
+        <p:spPr>
+          <a:xfrm>
+            <a:off x="381300" y="685800"/>
+            <a:ext cx="6096000" cy="3429000"/>
+          </a:xfrm>
+          <a:custGeom>
+            <a:rect b="b" l="l" r="r" t="t"/>
+            <a:pathLst>
+              <a:path extrusionOk="0" h="120000" w="120000">
+                <a:moveTo>
+                  <a:pt x="0" y="0"/>
+                </a:moveTo>
+                <a:lnTo>
+                  <a:pt x="120000" y="0"/>
+                </a:lnTo>
+                <a:lnTo>
+                  <a:pt x="120000" y="120000"/>
+                </a:lnTo>
+                <a:lnTo>
+                  <a:pt x="0" y="120000"/>
+                </a:lnTo>
+                <a:close/>
+              </a:path>
+            </a:pathLst>
+          </a:custGeom>
+        </p:spPr>
+      </p:sp>
+      <p:sp>
+        <p:nvSpPr>
+          <p:cNvPr id="387" name="Google Shape;387;g31ac0eed540_0_2711:notes"/>
+          <p:cNvSpPr txBox="1"/>
+          <p:nvPr>
+            <p:ph idx="1" type="body"/>
+          </p:nvPr>
+        </p:nvSpPr>
+        <p:spPr>
+          <a:xfrm>
+            <a:off x="685800" y="4343400"/>
+            <a:ext cx="5486400" cy="4114800"/>
+          </a:xfrm>
+          <a:prstGeom prst="rect">
+            <a:avLst/>
+          </a:prstGeom>
+        </p:spPr>
+        <p:txBody>
+          <a:bodyPr anchorCtr="0" anchor="t" bIns="91425" lIns="91425" spcFirstLastPara="1" rIns="91425" wrap="square" tIns="91425">
+            <a:noAutofit/>
+          </a:bodyPr>
+          <a:lstStyle/>
+          <a:p>
+            <a:pPr indent="0" lvl="0" marL="0" rtl="0" algn="l">
+              <a:spcBef>
+                <a:spcPts val="0"/>
+              </a:spcBef>
+              <a:spcAft>
+                <a:spcPts val="0"/>
+              </a:spcAft>
+              <a:buNone/>
+            </a:pPr>
+            <a:r>
+              <a:t/>
+            </a:r>
+            <a:endParaRPr/>
+          </a:p>
+        </p:txBody>
+      </p:sp>
+    </p:spTree>
+  </p:cSld>
+  <p:clrMapOvr>
+    <a:masterClrMapping/>
+  </p:clrMapOvr>
+</p:notes>
+</file>
+
+<file path=ppt/notesSlides/notesSlide37.xml><?xml version="1.0" encoding="utf-8"?>
+<p:notes xmlns:a="http://schemas.openxmlformats.org/drawingml/2006/main" xmlns:r="http://schemas.openxmlformats.org/officeDocument/2006/relationships" xmlns:mc="http://schemas.openxmlformats.org/markup-compatibility/2006" xmlns:mv="urn:schemas-microsoft-com:mac:vml" xmlns:p="http://schemas.openxmlformats.org/presentationml/2006/main" xmlns:c="http://schemas.openxmlformats.org/drawingml/2006/chart" xmlns:dgm="http://schemas.openxmlformats.org/drawingml/2006/diagram" xmlns:o="urn:schemas-microsoft-com:office:office" xmlns:v="urn:schemas-microsoft-com:vml" xmlns:pvml="urn:schemas-microsoft-com:office:powerpoint" xmlns:com="http://schemas.openxmlformats.org/drawingml/2006/compatibility" xmlns:p14="http://schemas.microsoft.com/office/powerpoint/2010/main" xmlns:p15="http://schemas.microsoft.com/office/powerpoint/2012/main" xmlns:ahyp="http://schemas.microsoft.com/office/drawing/2018/hyperlinkcolor" showMasterPhAnim="0" showMasterSp="0">
+  <p:cSld>
+    <p:spTree>
+      <p:nvGrpSpPr>
+        <p:cNvPr id="394" name="Shape 394"/>
+        <p:cNvGrpSpPr/>
+        <p:nvPr/>
+      </p:nvGrpSpPr>
+      <p:grpSpPr>
+        <a:xfrm>
+          <a:off x="0" y="0"/>
+          <a:ext cx="0" cy="0"/>
+          <a:chOff x="0" y="0"/>
+          <a:chExt cx="0" cy="0"/>
+        </a:xfrm>
+      </p:grpSpPr>
+      <p:sp>
+        <p:nvSpPr>
+          <p:cNvPr id="395" name="Google Shape;395;g31ac0eed540_0_2720:notes"/>
+          <p:cNvSpPr/>
+          <p:nvPr>
+            <p:ph idx="2" type="sldImg"/>
+          </p:nvPr>
+        </p:nvSpPr>
+        <p:spPr>
+          <a:xfrm>
+            <a:off x="381300" y="685800"/>
+            <a:ext cx="6096000" cy="3429000"/>
+          </a:xfrm>
+          <a:custGeom>
+            <a:rect b="b" l="l" r="r" t="t"/>
+            <a:pathLst>
+              <a:path extrusionOk="0" h="120000" w="120000">
+                <a:moveTo>
+                  <a:pt x="0" y="0"/>
+                </a:moveTo>
+                <a:lnTo>
+                  <a:pt x="120000" y="0"/>
+                </a:lnTo>
+                <a:lnTo>
+                  <a:pt x="120000" y="120000"/>
+                </a:lnTo>
+                <a:lnTo>
+                  <a:pt x="0" y="120000"/>
+                </a:lnTo>
+                <a:close/>
+              </a:path>
+            </a:pathLst>
+          </a:custGeom>
+        </p:spPr>
+      </p:sp>
+      <p:sp>
+        <p:nvSpPr>
+          <p:cNvPr id="396" name="Google Shape;396;g31ac0eed540_0_2720:notes"/>
+          <p:cNvSpPr txBox="1"/>
+          <p:nvPr>
+            <p:ph idx="1" type="body"/>
+          </p:nvPr>
+        </p:nvSpPr>
+        <p:spPr>
+          <a:xfrm>
+            <a:off x="685800" y="4343400"/>
+            <a:ext cx="5486400" cy="4114800"/>
+          </a:xfrm>
+          <a:prstGeom prst="rect">
+            <a:avLst/>
+          </a:prstGeom>
+        </p:spPr>
+        <p:txBody>
+          <a:bodyPr anchorCtr="0" anchor="t" bIns="91425" lIns="91425" spcFirstLastPara="1" rIns="91425" wrap="square" tIns="91425">
+            <a:noAutofit/>
+          </a:bodyPr>
+          <a:lstStyle/>
+          <a:p>
+            <a:pPr indent="0" lvl="0" marL="0" rtl="0" algn="l">
+              <a:spcBef>
+                <a:spcPts val="0"/>
+              </a:spcBef>
+              <a:spcAft>
+                <a:spcPts val="0"/>
+              </a:spcAft>
+              <a:buNone/>
+            </a:pPr>
+            <a:r>
+              <a:t/>
+            </a:r>
+            <a:endParaRPr/>
+          </a:p>
+        </p:txBody>
+      </p:sp>
+    </p:spTree>
+  </p:cSld>
+  <p:clrMapOvr>
+    <a:masterClrMapping/>
+  </p:clrMapOvr>
+</p:notes>
+</file>
+
+<file path=ppt/notesSlides/notesSlide38.xml><?xml version="1.0" encoding="utf-8"?>
+<p:notes xmlns:a="http://schemas.openxmlformats.org/drawingml/2006/main" xmlns:r="http://schemas.openxmlformats.org/officeDocument/2006/relationships" xmlns:mc="http://schemas.openxmlformats.org/markup-compatibility/2006" xmlns:mv="urn:schemas-microsoft-com:mac:vml" xmlns:p="http://schemas.openxmlformats.org/presentationml/2006/main" xmlns:c="http://schemas.openxmlformats.org/drawingml/2006/chart" xmlns:dgm="http://schemas.openxmlformats.org/drawingml/2006/diagram" xmlns:o="urn:schemas-microsoft-com:office:office" xmlns:v="urn:schemas-microsoft-com:vml" xmlns:pvml="urn:schemas-microsoft-com:office:powerpoint" xmlns:com="http://schemas.openxmlformats.org/drawingml/2006/compatibility" xmlns:p14="http://schemas.microsoft.com/office/powerpoint/2010/main" xmlns:p15="http://schemas.microsoft.com/office/powerpoint/2012/main" xmlns:ahyp="http://schemas.microsoft.com/office/drawing/2018/hyperlinkcolor" showMasterPhAnim="0" showMasterSp="0">
+  <p:cSld>
+    <p:spTree>
+      <p:nvGrpSpPr>
+        <p:cNvPr id="403" name="Shape 403"/>
+        <p:cNvGrpSpPr/>
+        <p:nvPr/>
+      </p:nvGrpSpPr>
+      <p:grpSpPr>
+        <a:xfrm>
+          <a:off x="0" y="0"/>
+          <a:ext cx="0" cy="0"/>
+          <a:chOff x="0" y="0"/>
+          <a:chExt cx="0" cy="0"/>
+        </a:xfrm>
+      </p:grpSpPr>
+      <p:sp>
+        <p:nvSpPr>
+          <p:cNvPr id="404" name="Google Shape;404;g31ac0eed540_0_2727:notes"/>
+          <p:cNvSpPr/>
+          <p:nvPr>
+            <p:ph idx="2" type="sldImg"/>
+          </p:nvPr>
+        </p:nvSpPr>
+        <p:spPr>
+          <a:xfrm>
+            <a:off x="381300" y="685800"/>
+            <a:ext cx="6096000" cy="3429000"/>
+          </a:xfrm>
+          <a:custGeom>
+            <a:rect b="b" l="l" r="r" t="t"/>
+            <a:pathLst>
+              <a:path extrusionOk="0" h="120000" w="120000">
+                <a:moveTo>
+                  <a:pt x="0" y="0"/>
+                </a:moveTo>
+                <a:lnTo>
+                  <a:pt x="120000" y="0"/>
+                </a:lnTo>
+                <a:lnTo>
+                  <a:pt x="120000" y="120000"/>
+                </a:lnTo>
+                <a:lnTo>
+                  <a:pt x="0" y="120000"/>
+                </a:lnTo>
+                <a:close/>
+              </a:path>
+            </a:pathLst>
+          </a:custGeom>
+        </p:spPr>
+      </p:sp>
+      <p:sp>
+        <p:nvSpPr>
+          <p:cNvPr id="405" name="Google Shape;405;g31ac0eed540_0_2727:notes"/>
+          <p:cNvSpPr txBox="1"/>
+          <p:nvPr>
+            <p:ph idx="1" type="body"/>
+          </p:nvPr>
+        </p:nvSpPr>
+        <p:spPr>
+          <a:xfrm>
+            <a:off x="685800" y="4343400"/>
+            <a:ext cx="5486400" cy="4114800"/>
+          </a:xfrm>
+          <a:prstGeom prst="rect">
+            <a:avLst/>
+          </a:prstGeom>
+        </p:spPr>
+        <p:txBody>
+          <a:bodyPr anchorCtr="0" anchor="t" bIns="91425" lIns="91425" spcFirstLastPara="1" rIns="91425" wrap="square" tIns="91425">
+            <a:noAutofit/>
+          </a:bodyPr>
+          <a:lstStyle/>
+          <a:p>
+            <a:pPr indent="0" lvl="0" marL="0" rtl="0" algn="l">
+              <a:spcBef>
+                <a:spcPts val="0"/>
+              </a:spcBef>
+              <a:spcAft>
+                <a:spcPts val="0"/>
+              </a:spcAft>
+              <a:buNone/>
+            </a:pPr>
+            <a:r>
+              <a:t/>
+            </a:r>
+            <a:endParaRPr/>
+          </a:p>
+        </p:txBody>
+      </p:sp>
+    </p:spTree>
+  </p:cSld>
+  <p:clrMapOvr>
+    <a:masterClrMapping/>
+  </p:clrMapOvr>
+</p:notes>
+</file>
+
+<file path=ppt/notesSlides/notesSlide39.xml><?xml version="1.0" encoding="utf-8"?>
+<p:notes xmlns:a="http://schemas.openxmlformats.org/drawingml/2006/main" xmlns:r="http://schemas.openxmlformats.org/officeDocument/2006/relationships" xmlns:mc="http://schemas.openxmlformats.org/markup-compatibility/2006" xmlns:mv="urn:schemas-microsoft-com:mac:vml" xmlns:p="http://schemas.openxmlformats.org/presentationml/2006/main" xmlns:c="http://schemas.openxmlformats.org/drawingml/2006/chart" xmlns:dgm="http://schemas.openxmlformats.org/drawingml/2006/diagram" xmlns:o="urn:schemas-microsoft-com:office:office" xmlns:v="urn:schemas-microsoft-com:vml" xmlns:pvml="urn:schemas-microsoft-com:office:powerpoint" xmlns:com="http://schemas.openxmlformats.org/drawingml/2006/compatibility" xmlns:p14="http://schemas.microsoft.com/office/powerpoint/2010/main" xmlns:p15="http://schemas.microsoft.com/office/powerpoint/2012/main" xmlns:ahyp="http://schemas.microsoft.com/office/drawing/2018/hyperlinkcolor" showMasterPhAnim="0" showMasterSp="0">
+  <p:cSld>
+    <p:spTree>
+      <p:nvGrpSpPr>
+        <p:cNvPr id="412" name="Shape 412"/>
+        <p:cNvGrpSpPr/>
+        <p:nvPr/>
+      </p:nvGrpSpPr>
+      <p:grpSpPr>
+        <a:xfrm>
+          <a:off x="0" y="0"/>
+          <a:ext cx="0" cy="0"/>
+          <a:chOff x="0" y="0"/>
+          <a:chExt cx="0" cy="0"/>
+        </a:xfrm>
+      </p:grpSpPr>
+      <p:sp>
+        <p:nvSpPr>
+          <p:cNvPr id="413" name="Google Shape;413;g31ac0eed540_0_2734:notes"/>
+          <p:cNvSpPr/>
+          <p:nvPr>
+            <p:ph idx="2" type="sldImg"/>
+          </p:nvPr>
+        </p:nvSpPr>
+        <p:spPr>
+          <a:xfrm>
+            <a:off x="381300" y="685800"/>
+            <a:ext cx="6096000" cy="3429000"/>
+          </a:xfrm>
+          <a:custGeom>
+            <a:rect b="b" l="l" r="r" t="t"/>
+            <a:pathLst>
+              <a:path extrusionOk="0" h="120000" w="120000">
+                <a:moveTo>
+                  <a:pt x="0" y="0"/>
+                </a:moveTo>
+                <a:lnTo>
+                  <a:pt x="120000" y="0"/>
+                </a:lnTo>
+                <a:lnTo>
+                  <a:pt x="120000" y="120000"/>
+                </a:lnTo>
+                <a:lnTo>
+                  <a:pt x="0" y="120000"/>
+                </a:lnTo>
+                <a:close/>
+              </a:path>
+            </a:pathLst>
+          </a:custGeom>
+        </p:spPr>
+      </p:sp>
+      <p:sp>
+        <p:nvSpPr>
+          <p:cNvPr id="414" name="Google Shape;414;g31ac0eed540_0_2734:notes"/>
           <p:cNvSpPr txBox="1"/>
           <p:nvPr>
             <p:ph idx="1" type="body"/>
@@ -2062,6 +4069,699 @@
       <p:sp>
         <p:nvSpPr>
           <p:cNvPr id="118" name="Google Shape;118;gc6f9e470d_0_24:notes"/>
+          <p:cNvSpPr txBox="1"/>
+          <p:nvPr>
+            <p:ph idx="1" type="body"/>
+          </p:nvPr>
+        </p:nvSpPr>
+        <p:spPr>
+          <a:xfrm>
+            <a:off x="685800" y="4343400"/>
+            <a:ext cx="5486400" cy="4114800"/>
+          </a:xfrm>
+          <a:prstGeom prst="rect">
+            <a:avLst/>
+          </a:prstGeom>
+        </p:spPr>
+        <p:txBody>
+          <a:bodyPr anchorCtr="0" anchor="t" bIns="91425" lIns="91425" spcFirstLastPara="1" rIns="91425" wrap="square" tIns="91425">
+            <a:noAutofit/>
+          </a:bodyPr>
+          <a:lstStyle/>
+          <a:p>
+            <a:pPr indent="0" lvl="0" marL="0" rtl="0" algn="l">
+              <a:spcBef>
+                <a:spcPts val="0"/>
+              </a:spcBef>
+              <a:spcAft>
+                <a:spcPts val="0"/>
+              </a:spcAft>
+              <a:buNone/>
+            </a:pPr>
+            <a:r>
+              <a:t/>
+            </a:r>
+            <a:endParaRPr/>
+          </a:p>
+        </p:txBody>
+      </p:sp>
+    </p:spTree>
+  </p:cSld>
+  <p:clrMapOvr>
+    <a:masterClrMapping/>
+  </p:clrMapOvr>
+</p:notes>
+</file>
+
+<file path=ppt/notesSlides/notesSlide40.xml><?xml version="1.0" encoding="utf-8"?>
+<p:notes xmlns:a="http://schemas.openxmlformats.org/drawingml/2006/main" xmlns:r="http://schemas.openxmlformats.org/officeDocument/2006/relationships" xmlns:mc="http://schemas.openxmlformats.org/markup-compatibility/2006" xmlns:mv="urn:schemas-microsoft-com:mac:vml" xmlns:p="http://schemas.openxmlformats.org/presentationml/2006/main" xmlns:c="http://schemas.openxmlformats.org/drawingml/2006/chart" xmlns:dgm="http://schemas.openxmlformats.org/drawingml/2006/diagram" xmlns:o="urn:schemas-microsoft-com:office:office" xmlns:v="urn:schemas-microsoft-com:vml" xmlns:pvml="urn:schemas-microsoft-com:office:powerpoint" xmlns:com="http://schemas.openxmlformats.org/drawingml/2006/compatibility" xmlns:p14="http://schemas.microsoft.com/office/powerpoint/2010/main" xmlns:p15="http://schemas.microsoft.com/office/powerpoint/2012/main" xmlns:ahyp="http://schemas.microsoft.com/office/drawing/2018/hyperlinkcolor" showMasterPhAnim="0" showMasterSp="0">
+  <p:cSld>
+    <p:spTree>
+      <p:nvGrpSpPr>
+        <p:cNvPr id="421" name="Shape 421"/>
+        <p:cNvGrpSpPr/>
+        <p:nvPr/>
+      </p:nvGrpSpPr>
+      <p:grpSpPr>
+        <a:xfrm>
+          <a:off x="0" y="0"/>
+          <a:ext cx="0" cy="0"/>
+          <a:chOff x="0" y="0"/>
+          <a:chExt cx="0" cy="0"/>
+        </a:xfrm>
+      </p:grpSpPr>
+      <p:sp>
+        <p:nvSpPr>
+          <p:cNvPr id="422" name="Google Shape;422;g31ac0eed540_0_2741:notes"/>
+          <p:cNvSpPr/>
+          <p:nvPr>
+            <p:ph idx="2" type="sldImg"/>
+          </p:nvPr>
+        </p:nvSpPr>
+        <p:spPr>
+          <a:xfrm>
+            <a:off x="381300" y="685800"/>
+            <a:ext cx="6096000" cy="3429000"/>
+          </a:xfrm>
+          <a:custGeom>
+            <a:rect b="b" l="l" r="r" t="t"/>
+            <a:pathLst>
+              <a:path extrusionOk="0" h="120000" w="120000">
+                <a:moveTo>
+                  <a:pt x="0" y="0"/>
+                </a:moveTo>
+                <a:lnTo>
+                  <a:pt x="120000" y="0"/>
+                </a:lnTo>
+                <a:lnTo>
+                  <a:pt x="120000" y="120000"/>
+                </a:lnTo>
+                <a:lnTo>
+                  <a:pt x="0" y="120000"/>
+                </a:lnTo>
+                <a:close/>
+              </a:path>
+            </a:pathLst>
+          </a:custGeom>
+        </p:spPr>
+      </p:sp>
+      <p:sp>
+        <p:nvSpPr>
+          <p:cNvPr id="423" name="Google Shape;423;g31ac0eed540_0_2741:notes"/>
+          <p:cNvSpPr txBox="1"/>
+          <p:nvPr>
+            <p:ph idx="1" type="body"/>
+          </p:nvPr>
+        </p:nvSpPr>
+        <p:spPr>
+          <a:xfrm>
+            <a:off x="685800" y="4343400"/>
+            <a:ext cx="5486400" cy="4114800"/>
+          </a:xfrm>
+          <a:prstGeom prst="rect">
+            <a:avLst/>
+          </a:prstGeom>
+        </p:spPr>
+        <p:txBody>
+          <a:bodyPr anchorCtr="0" anchor="t" bIns="91425" lIns="91425" spcFirstLastPara="1" rIns="91425" wrap="square" tIns="91425">
+            <a:noAutofit/>
+          </a:bodyPr>
+          <a:lstStyle/>
+          <a:p>
+            <a:pPr indent="0" lvl="0" marL="0" rtl="0" algn="l">
+              <a:spcBef>
+                <a:spcPts val="0"/>
+              </a:spcBef>
+              <a:spcAft>
+                <a:spcPts val="0"/>
+              </a:spcAft>
+              <a:buNone/>
+            </a:pPr>
+            <a:r>
+              <a:t/>
+            </a:r>
+            <a:endParaRPr/>
+          </a:p>
+        </p:txBody>
+      </p:sp>
+    </p:spTree>
+  </p:cSld>
+  <p:clrMapOvr>
+    <a:masterClrMapping/>
+  </p:clrMapOvr>
+</p:notes>
+</file>
+
+<file path=ppt/notesSlides/notesSlide41.xml><?xml version="1.0" encoding="utf-8"?>
+<p:notes xmlns:a="http://schemas.openxmlformats.org/drawingml/2006/main" xmlns:r="http://schemas.openxmlformats.org/officeDocument/2006/relationships" xmlns:mc="http://schemas.openxmlformats.org/markup-compatibility/2006" xmlns:mv="urn:schemas-microsoft-com:mac:vml" xmlns:p="http://schemas.openxmlformats.org/presentationml/2006/main" xmlns:c="http://schemas.openxmlformats.org/drawingml/2006/chart" xmlns:dgm="http://schemas.openxmlformats.org/drawingml/2006/diagram" xmlns:o="urn:schemas-microsoft-com:office:office" xmlns:v="urn:schemas-microsoft-com:vml" xmlns:pvml="urn:schemas-microsoft-com:office:powerpoint" xmlns:com="http://schemas.openxmlformats.org/drawingml/2006/compatibility" xmlns:p14="http://schemas.microsoft.com/office/powerpoint/2010/main" xmlns:p15="http://schemas.microsoft.com/office/powerpoint/2012/main" xmlns:ahyp="http://schemas.microsoft.com/office/drawing/2018/hyperlinkcolor" showMasterPhAnim="0" showMasterSp="0">
+  <p:cSld>
+    <p:spTree>
+      <p:nvGrpSpPr>
+        <p:cNvPr id="430" name="Shape 430"/>
+        <p:cNvGrpSpPr/>
+        <p:nvPr/>
+      </p:nvGrpSpPr>
+      <p:grpSpPr>
+        <a:xfrm>
+          <a:off x="0" y="0"/>
+          <a:ext cx="0" cy="0"/>
+          <a:chOff x="0" y="0"/>
+          <a:chExt cx="0" cy="0"/>
+        </a:xfrm>
+      </p:grpSpPr>
+      <p:sp>
+        <p:nvSpPr>
+          <p:cNvPr id="431" name="Google Shape;431;g31ac0eed540_0_2749:notes"/>
+          <p:cNvSpPr/>
+          <p:nvPr>
+            <p:ph idx="2" type="sldImg"/>
+          </p:nvPr>
+        </p:nvSpPr>
+        <p:spPr>
+          <a:xfrm>
+            <a:off x="381300" y="685800"/>
+            <a:ext cx="6096000" cy="3429000"/>
+          </a:xfrm>
+          <a:custGeom>
+            <a:rect b="b" l="l" r="r" t="t"/>
+            <a:pathLst>
+              <a:path extrusionOk="0" h="120000" w="120000">
+                <a:moveTo>
+                  <a:pt x="0" y="0"/>
+                </a:moveTo>
+                <a:lnTo>
+                  <a:pt x="120000" y="0"/>
+                </a:lnTo>
+                <a:lnTo>
+                  <a:pt x="120000" y="120000"/>
+                </a:lnTo>
+                <a:lnTo>
+                  <a:pt x="0" y="120000"/>
+                </a:lnTo>
+                <a:close/>
+              </a:path>
+            </a:pathLst>
+          </a:custGeom>
+        </p:spPr>
+      </p:sp>
+      <p:sp>
+        <p:nvSpPr>
+          <p:cNvPr id="432" name="Google Shape;432;g31ac0eed540_0_2749:notes"/>
+          <p:cNvSpPr txBox="1"/>
+          <p:nvPr>
+            <p:ph idx="1" type="body"/>
+          </p:nvPr>
+        </p:nvSpPr>
+        <p:spPr>
+          <a:xfrm>
+            <a:off x="685800" y="4343400"/>
+            <a:ext cx="5486400" cy="4114800"/>
+          </a:xfrm>
+          <a:prstGeom prst="rect">
+            <a:avLst/>
+          </a:prstGeom>
+        </p:spPr>
+        <p:txBody>
+          <a:bodyPr anchorCtr="0" anchor="t" bIns="91425" lIns="91425" spcFirstLastPara="1" rIns="91425" wrap="square" tIns="91425">
+            <a:noAutofit/>
+          </a:bodyPr>
+          <a:lstStyle/>
+          <a:p>
+            <a:pPr indent="0" lvl="0" marL="0" rtl="0" algn="l">
+              <a:spcBef>
+                <a:spcPts val="0"/>
+              </a:spcBef>
+              <a:spcAft>
+                <a:spcPts val="0"/>
+              </a:spcAft>
+              <a:buNone/>
+            </a:pPr>
+            <a:r>
+              <a:t/>
+            </a:r>
+            <a:endParaRPr/>
+          </a:p>
+        </p:txBody>
+      </p:sp>
+    </p:spTree>
+  </p:cSld>
+  <p:clrMapOvr>
+    <a:masterClrMapping/>
+  </p:clrMapOvr>
+</p:notes>
+</file>
+
+<file path=ppt/notesSlides/notesSlide42.xml><?xml version="1.0" encoding="utf-8"?>
+<p:notes xmlns:a="http://schemas.openxmlformats.org/drawingml/2006/main" xmlns:r="http://schemas.openxmlformats.org/officeDocument/2006/relationships" xmlns:mc="http://schemas.openxmlformats.org/markup-compatibility/2006" xmlns:mv="urn:schemas-microsoft-com:mac:vml" xmlns:p="http://schemas.openxmlformats.org/presentationml/2006/main" xmlns:c="http://schemas.openxmlformats.org/drawingml/2006/chart" xmlns:dgm="http://schemas.openxmlformats.org/drawingml/2006/diagram" xmlns:o="urn:schemas-microsoft-com:office:office" xmlns:v="urn:schemas-microsoft-com:vml" xmlns:pvml="urn:schemas-microsoft-com:office:powerpoint" xmlns:com="http://schemas.openxmlformats.org/drawingml/2006/compatibility" xmlns:p14="http://schemas.microsoft.com/office/powerpoint/2010/main" xmlns:p15="http://schemas.microsoft.com/office/powerpoint/2012/main" xmlns:ahyp="http://schemas.microsoft.com/office/drawing/2018/hyperlinkcolor" showMasterPhAnim="0" showMasterSp="0">
+  <p:cSld>
+    <p:spTree>
+      <p:nvGrpSpPr>
+        <p:cNvPr id="439" name="Shape 439"/>
+        <p:cNvGrpSpPr/>
+        <p:nvPr/>
+      </p:nvGrpSpPr>
+      <p:grpSpPr>
+        <a:xfrm>
+          <a:off x="0" y="0"/>
+          <a:ext cx="0" cy="0"/>
+          <a:chOff x="0" y="0"/>
+          <a:chExt cx="0" cy="0"/>
+        </a:xfrm>
+      </p:grpSpPr>
+      <p:sp>
+        <p:nvSpPr>
+          <p:cNvPr id="440" name="Google Shape;440;g31ac0eed540_0_2756:notes"/>
+          <p:cNvSpPr/>
+          <p:nvPr>
+            <p:ph idx="2" type="sldImg"/>
+          </p:nvPr>
+        </p:nvSpPr>
+        <p:spPr>
+          <a:xfrm>
+            <a:off x="381300" y="685800"/>
+            <a:ext cx="6096000" cy="3429000"/>
+          </a:xfrm>
+          <a:custGeom>
+            <a:rect b="b" l="l" r="r" t="t"/>
+            <a:pathLst>
+              <a:path extrusionOk="0" h="120000" w="120000">
+                <a:moveTo>
+                  <a:pt x="0" y="0"/>
+                </a:moveTo>
+                <a:lnTo>
+                  <a:pt x="120000" y="0"/>
+                </a:lnTo>
+                <a:lnTo>
+                  <a:pt x="120000" y="120000"/>
+                </a:lnTo>
+                <a:lnTo>
+                  <a:pt x="0" y="120000"/>
+                </a:lnTo>
+                <a:close/>
+              </a:path>
+            </a:pathLst>
+          </a:custGeom>
+        </p:spPr>
+      </p:sp>
+      <p:sp>
+        <p:nvSpPr>
+          <p:cNvPr id="441" name="Google Shape;441;g31ac0eed540_0_2756:notes"/>
+          <p:cNvSpPr txBox="1"/>
+          <p:nvPr>
+            <p:ph idx="1" type="body"/>
+          </p:nvPr>
+        </p:nvSpPr>
+        <p:spPr>
+          <a:xfrm>
+            <a:off x="685800" y="4343400"/>
+            <a:ext cx="5486400" cy="4114800"/>
+          </a:xfrm>
+          <a:prstGeom prst="rect">
+            <a:avLst/>
+          </a:prstGeom>
+        </p:spPr>
+        <p:txBody>
+          <a:bodyPr anchorCtr="0" anchor="t" bIns="91425" lIns="91425" spcFirstLastPara="1" rIns="91425" wrap="square" tIns="91425">
+            <a:noAutofit/>
+          </a:bodyPr>
+          <a:lstStyle/>
+          <a:p>
+            <a:pPr indent="0" lvl="0" marL="0" rtl="0" algn="l">
+              <a:spcBef>
+                <a:spcPts val="0"/>
+              </a:spcBef>
+              <a:spcAft>
+                <a:spcPts val="0"/>
+              </a:spcAft>
+              <a:buNone/>
+            </a:pPr>
+            <a:r>
+              <a:t/>
+            </a:r>
+            <a:endParaRPr/>
+          </a:p>
+        </p:txBody>
+      </p:sp>
+    </p:spTree>
+  </p:cSld>
+  <p:clrMapOvr>
+    <a:masterClrMapping/>
+  </p:clrMapOvr>
+</p:notes>
+</file>
+
+<file path=ppt/notesSlides/notesSlide43.xml><?xml version="1.0" encoding="utf-8"?>
+<p:notes xmlns:a="http://schemas.openxmlformats.org/drawingml/2006/main" xmlns:r="http://schemas.openxmlformats.org/officeDocument/2006/relationships" xmlns:mc="http://schemas.openxmlformats.org/markup-compatibility/2006" xmlns:mv="urn:schemas-microsoft-com:mac:vml" xmlns:p="http://schemas.openxmlformats.org/presentationml/2006/main" xmlns:c="http://schemas.openxmlformats.org/drawingml/2006/chart" xmlns:dgm="http://schemas.openxmlformats.org/drawingml/2006/diagram" xmlns:o="urn:schemas-microsoft-com:office:office" xmlns:v="urn:schemas-microsoft-com:vml" xmlns:pvml="urn:schemas-microsoft-com:office:powerpoint" xmlns:com="http://schemas.openxmlformats.org/drawingml/2006/compatibility" xmlns:p14="http://schemas.microsoft.com/office/powerpoint/2010/main" xmlns:p15="http://schemas.microsoft.com/office/powerpoint/2012/main" xmlns:ahyp="http://schemas.microsoft.com/office/drawing/2018/hyperlinkcolor" showMasterPhAnim="0" showMasterSp="0">
+  <p:cSld>
+    <p:spTree>
+      <p:nvGrpSpPr>
+        <p:cNvPr id="448" name="Shape 448"/>
+        <p:cNvGrpSpPr/>
+        <p:nvPr/>
+      </p:nvGrpSpPr>
+      <p:grpSpPr>
+        <a:xfrm>
+          <a:off x="0" y="0"/>
+          <a:ext cx="0" cy="0"/>
+          <a:chOff x="0" y="0"/>
+          <a:chExt cx="0" cy="0"/>
+        </a:xfrm>
+      </p:grpSpPr>
+      <p:sp>
+        <p:nvSpPr>
+          <p:cNvPr id="449" name="Google Shape;449;g31ac0eed540_0_2763:notes"/>
+          <p:cNvSpPr/>
+          <p:nvPr>
+            <p:ph idx="2" type="sldImg"/>
+          </p:nvPr>
+        </p:nvSpPr>
+        <p:spPr>
+          <a:xfrm>
+            <a:off x="381300" y="685800"/>
+            <a:ext cx="6096000" cy="3429000"/>
+          </a:xfrm>
+          <a:custGeom>
+            <a:rect b="b" l="l" r="r" t="t"/>
+            <a:pathLst>
+              <a:path extrusionOk="0" h="120000" w="120000">
+                <a:moveTo>
+                  <a:pt x="0" y="0"/>
+                </a:moveTo>
+                <a:lnTo>
+                  <a:pt x="120000" y="0"/>
+                </a:lnTo>
+                <a:lnTo>
+                  <a:pt x="120000" y="120000"/>
+                </a:lnTo>
+                <a:lnTo>
+                  <a:pt x="0" y="120000"/>
+                </a:lnTo>
+                <a:close/>
+              </a:path>
+            </a:pathLst>
+          </a:custGeom>
+        </p:spPr>
+      </p:sp>
+      <p:sp>
+        <p:nvSpPr>
+          <p:cNvPr id="450" name="Google Shape;450;g31ac0eed540_0_2763:notes"/>
+          <p:cNvSpPr txBox="1"/>
+          <p:nvPr>
+            <p:ph idx="1" type="body"/>
+          </p:nvPr>
+        </p:nvSpPr>
+        <p:spPr>
+          <a:xfrm>
+            <a:off x="685800" y="4343400"/>
+            <a:ext cx="5486400" cy="4114800"/>
+          </a:xfrm>
+          <a:prstGeom prst="rect">
+            <a:avLst/>
+          </a:prstGeom>
+        </p:spPr>
+        <p:txBody>
+          <a:bodyPr anchorCtr="0" anchor="t" bIns="91425" lIns="91425" spcFirstLastPara="1" rIns="91425" wrap="square" tIns="91425">
+            <a:noAutofit/>
+          </a:bodyPr>
+          <a:lstStyle/>
+          <a:p>
+            <a:pPr indent="0" lvl="0" marL="0" rtl="0" algn="l">
+              <a:spcBef>
+                <a:spcPts val="0"/>
+              </a:spcBef>
+              <a:spcAft>
+                <a:spcPts val="0"/>
+              </a:spcAft>
+              <a:buNone/>
+            </a:pPr>
+            <a:r>
+              <a:t/>
+            </a:r>
+            <a:endParaRPr/>
+          </a:p>
+        </p:txBody>
+      </p:sp>
+    </p:spTree>
+  </p:cSld>
+  <p:clrMapOvr>
+    <a:masterClrMapping/>
+  </p:clrMapOvr>
+</p:notes>
+</file>
+
+<file path=ppt/notesSlides/notesSlide44.xml><?xml version="1.0" encoding="utf-8"?>
+<p:notes xmlns:a="http://schemas.openxmlformats.org/drawingml/2006/main" xmlns:r="http://schemas.openxmlformats.org/officeDocument/2006/relationships" xmlns:mc="http://schemas.openxmlformats.org/markup-compatibility/2006" xmlns:mv="urn:schemas-microsoft-com:mac:vml" xmlns:p="http://schemas.openxmlformats.org/presentationml/2006/main" xmlns:c="http://schemas.openxmlformats.org/drawingml/2006/chart" xmlns:dgm="http://schemas.openxmlformats.org/drawingml/2006/diagram" xmlns:o="urn:schemas-microsoft-com:office:office" xmlns:v="urn:schemas-microsoft-com:vml" xmlns:pvml="urn:schemas-microsoft-com:office:powerpoint" xmlns:com="http://schemas.openxmlformats.org/drawingml/2006/compatibility" xmlns:p14="http://schemas.microsoft.com/office/powerpoint/2010/main" xmlns:p15="http://schemas.microsoft.com/office/powerpoint/2012/main" xmlns:ahyp="http://schemas.microsoft.com/office/drawing/2018/hyperlinkcolor" showMasterPhAnim="0" showMasterSp="0">
+  <p:cSld>
+    <p:spTree>
+      <p:nvGrpSpPr>
+        <p:cNvPr id="457" name="Shape 457"/>
+        <p:cNvGrpSpPr/>
+        <p:nvPr/>
+      </p:nvGrpSpPr>
+      <p:grpSpPr>
+        <a:xfrm>
+          <a:off x="0" y="0"/>
+          <a:ext cx="0" cy="0"/>
+          <a:chOff x="0" y="0"/>
+          <a:chExt cx="0" cy="0"/>
+        </a:xfrm>
+      </p:grpSpPr>
+      <p:sp>
+        <p:nvSpPr>
+          <p:cNvPr id="458" name="Google Shape;458;g31ac0eed540_0_2770:notes"/>
+          <p:cNvSpPr/>
+          <p:nvPr>
+            <p:ph idx="2" type="sldImg"/>
+          </p:nvPr>
+        </p:nvSpPr>
+        <p:spPr>
+          <a:xfrm>
+            <a:off x="381300" y="685800"/>
+            <a:ext cx="6096000" cy="3429000"/>
+          </a:xfrm>
+          <a:custGeom>
+            <a:rect b="b" l="l" r="r" t="t"/>
+            <a:pathLst>
+              <a:path extrusionOk="0" h="120000" w="120000">
+                <a:moveTo>
+                  <a:pt x="0" y="0"/>
+                </a:moveTo>
+                <a:lnTo>
+                  <a:pt x="120000" y="0"/>
+                </a:lnTo>
+                <a:lnTo>
+                  <a:pt x="120000" y="120000"/>
+                </a:lnTo>
+                <a:lnTo>
+                  <a:pt x="0" y="120000"/>
+                </a:lnTo>
+                <a:close/>
+              </a:path>
+            </a:pathLst>
+          </a:custGeom>
+        </p:spPr>
+      </p:sp>
+      <p:sp>
+        <p:nvSpPr>
+          <p:cNvPr id="459" name="Google Shape;459;g31ac0eed540_0_2770:notes"/>
+          <p:cNvSpPr txBox="1"/>
+          <p:nvPr>
+            <p:ph idx="1" type="body"/>
+          </p:nvPr>
+        </p:nvSpPr>
+        <p:spPr>
+          <a:xfrm>
+            <a:off x="685800" y="4343400"/>
+            <a:ext cx="5486400" cy="4114800"/>
+          </a:xfrm>
+          <a:prstGeom prst="rect">
+            <a:avLst/>
+          </a:prstGeom>
+        </p:spPr>
+        <p:txBody>
+          <a:bodyPr anchorCtr="0" anchor="t" bIns="91425" lIns="91425" spcFirstLastPara="1" rIns="91425" wrap="square" tIns="91425">
+            <a:noAutofit/>
+          </a:bodyPr>
+          <a:lstStyle/>
+          <a:p>
+            <a:pPr indent="0" lvl="0" marL="0" rtl="0" algn="l">
+              <a:spcBef>
+                <a:spcPts val="0"/>
+              </a:spcBef>
+              <a:spcAft>
+                <a:spcPts val="0"/>
+              </a:spcAft>
+              <a:buNone/>
+            </a:pPr>
+            <a:r>
+              <a:t/>
+            </a:r>
+            <a:endParaRPr/>
+          </a:p>
+        </p:txBody>
+      </p:sp>
+    </p:spTree>
+  </p:cSld>
+  <p:clrMapOvr>
+    <a:masterClrMapping/>
+  </p:clrMapOvr>
+</p:notes>
+</file>
+
+<file path=ppt/notesSlides/notesSlide45.xml><?xml version="1.0" encoding="utf-8"?>
+<p:notes xmlns:a="http://schemas.openxmlformats.org/drawingml/2006/main" xmlns:r="http://schemas.openxmlformats.org/officeDocument/2006/relationships" xmlns:mc="http://schemas.openxmlformats.org/markup-compatibility/2006" xmlns:mv="urn:schemas-microsoft-com:mac:vml" xmlns:p="http://schemas.openxmlformats.org/presentationml/2006/main" xmlns:c="http://schemas.openxmlformats.org/drawingml/2006/chart" xmlns:dgm="http://schemas.openxmlformats.org/drawingml/2006/diagram" xmlns:o="urn:schemas-microsoft-com:office:office" xmlns:v="urn:schemas-microsoft-com:vml" xmlns:pvml="urn:schemas-microsoft-com:office:powerpoint" xmlns:com="http://schemas.openxmlformats.org/drawingml/2006/compatibility" xmlns:p14="http://schemas.microsoft.com/office/powerpoint/2010/main" xmlns:p15="http://schemas.microsoft.com/office/powerpoint/2012/main" xmlns:ahyp="http://schemas.microsoft.com/office/drawing/2018/hyperlinkcolor" showMasterPhAnim="0" showMasterSp="0">
+  <p:cSld>
+    <p:spTree>
+      <p:nvGrpSpPr>
+        <p:cNvPr id="466" name="Shape 466"/>
+        <p:cNvGrpSpPr/>
+        <p:nvPr/>
+      </p:nvGrpSpPr>
+      <p:grpSpPr>
+        <a:xfrm>
+          <a:off x="0" y="0"/>
+          <a:ext cx="0" cy="0"/>
+          <a:chOff x="0" y="0"/>
+          <a:chExt cx="0" cy="0"/>
+        </a:xfrm>
+      </p:grpSpPr>
+      <p:sp>
+        <p:nvSpPr>
+          <p:cNvPr id="467" name="Google Shape;467;g31ac0eed540_0_2777:notes"/>
+          <p:cNvSpPr/>
+          <p:nvPr>
+            <p:ph idx="2" type="sldImg"/>
+          </p:nvPr>
+        </p:nvSpPr>
+        <p:spPr>
+          <a:xfrm>
+            <a:off x="381300" y="685800"/>
+            <a:ext cx="6096000" cy="3429000"/>
+          </a:xfrm>
+          <a:custGeom>
+            <a:rect b="b" l="l" r="r" t="t"/>
+            <a:pathLst>
+              <a:path extrusionOk="0" h="120000" w="120000">
+                <a:moveTo>
+                  <a:pt x="0" y="0"/>
+                </a:moveTo>
+                <a:lnTo>
+                  <a:pt x="120000" y="0"/>
+                </a:lnTo>
+                <a:lnTo>
+                  <a:pt x="120000" y="120000"/>
+                </a:lnTo>
+                <a:lnTo>
+                  <a:pt x="0" y="120000"/>
+                </a:lnTo>
+                <a:close/>
+              </a:path>
+            </a:pathLst>
+          </a:custGeom>
+        </p:spPr>
+      </p:sp>
+      <p:sp>
+        <p:nvSpPr>
+          <p:cNvPr id="468" name="Google Shape;468;g31ac0eed540_0_2777:notes"/>
+          <p:cNvSpPr txBox="1"/>
+          <p:nvPr>
+            <p:ph idx="1" type="body"/>
+          </p:nvPr>
+        </p:nvSpPr>
+        <p:spPr>
+          <a:xfrm>
+            <a:off x="685800" y="4343400"/>
+            <a:ext cx="5486400" cy="4114800"/>
+          </a:xfrm>
+          <a:prstGeom prst="rect">
+            <a:avLst/>
+          </a:prstGeom>
+        </p:spPr>
+        <p:txBody>
+          <a:bodyPr anchorCtr="0" anchor="t" bIns="91425" lIns="91425" spcFirstLastPara="1" rIns="91425" wrap="square" tIns="91425">
+            <a:noAutofit/>
+          </a:bodyPr>
+          <a:lstStyle/>
+          <a:p>
+            <a:pPr indent="0" lvl="0" marL="0" rtl="0" algn="l">
+              <a:spcBef>
+                <a:spcPts val="0"/>
+              </a:spcBef>
+              <a:spcAft>
+                <a:spcPts val="0"/>
+              </a:spcAft>
+              <a:buNone/>
+            </a:pPr>
+            <a:r>
+              <a:t/>
+            </a:r>
+            <a:endParaRPr/>
+          </a:p>
+        </p:txBody>
+      </p:sp>
+    </p:spTree>
+  </p:cSld>
+  <p:clrMapOvr>
+    <a:masterClrMapping/>
+  </p:clrMapOvr>
+</p:notes>
+</file>
+
+<file path=ppt/notesSlides/notesSlide46.xml><?xml version="1.0" encoding="utf-8"?>
+<p:notes xmlns:a="http://schemas.openxmlformats.org/drawingml/2006/main" xmlns:r="http://schemas.openxmlformats.org/officeDocument/2006/relationships" xmlns:mc="http://schemas.openxmlformats.org/markup-compatibility/2006" xmlns:mv="urn:schemas-microsoft-com:mac:vml" xmlns:p="http://schemas.openxmlformats.org/presentationml/2006/main" xmlns:c="http://schemas.openxmlformats.org/drawingml/2006/chart" xmlns:dgm="http://schemas.openxmlformats.org/drawingml/2006/diagram" xmlns:o="urn:schemas-microsoft-com:office:office" xmlns:v="urn:schemas-microsoft-com:vml" xmlns:pvml="urn:schemas-microsoft-com:office:powerpoint" xmlns:com="http://schemas.openxmlformats.org/drawingml/2006/compatibility" xmlns:p14="http://schemas.microsoft.com/office/powerpoint/2010/main" xmlns:p15="http://schemas.microsoft.com/office/powerpoint/2012/main" xmlns:ahyp="http://schemas.microsoft.com/office/drawing/2018/hyperlinkcolor" showMasterPhAnim="0" showMasterSp="0">
+  <p:cSld>
+    <p:spTree>
+      <p:nvGrpSpPr>
+        <p:cNvPr id="475" name="Shape 475"/>
+        <p:cNvGrpSpPr/>
+        <p:nvPr/>
+      </p:nvGrpSpPr>
+      <p:grpSpPr>
+        <a:xfrm>
+          <a:off x="0" y="0"/>
+          <a:ext cx="0" cy="0"/>
+          <a:chOff x="0" y="0"/>
+          <a:chExt cx="0" cy="0"/>
+        </a:xfrm>
+      </p:grpSpPr>
+      <p:sp>
+        <p:nvSpPr>
+          <p:cNvPr id="476" name="Google Shape;476;g31ac0eed540_0_2784:notes"/>
+          <p:cNvSpPr/>
+          <p:nvPr>
+            <p:ph idx="2" type="sldImg"/>
+          </p:nvPr>
+        </p:nvSpPr>
+        <p:spPr>
+          <a:xfrm>
+            <a:off x="381300" y="685800"/>
+            <a:ext cx="6096000" cy="3429000"/>
+          </a:xfrm>
+          <a:custGeom>
+            <a:rect b="b" l="l" r="r" t="t"/>
+            <a:pathLst>
+              <a:path extrusionOk="0" h="120000" w="120000">
+                <a:moveTo>
+                  <a:pt x="0" y="0"/>
+                </a:moveTo>
+                <a:lnTo>
+                  <a:pt x="120000" y="0"/>
+                </a:lnTo>
+                <a:lnTo>
+                  <a:pt x="120000" y="120000"/>
+                </a:lnTo>
+                <a:lnTo>
+                  <a:pt x="0" y="120000"/>
+                </a:lnTo>
+                <a:close/>
+              </a:path>
+            </a:pathLst>
+          </a:custGeom>
+        </p:spPr>
+      </p:sp>
+      <p:sp>
+        <p:nvSpPr>
+          <p:cNvPr id="477" name="Google Shape;477;g31ac0eed540_0_2784:notes"/>
           <p:cNvSpPr txBox="1"/>
           <p:nvPr>
             <p:ph idx="1" type="body"/>
@@ -9483,8 +12183,8 @@
         </p:nvSpPr>
         <p:spPr>
           <a:xfrm>
-            <a:off x="311700" y="1229875"/>
-            <a:ext cx="6801900" cy="1413900"/>
+            <a:off x="353300" y="1229875"/>
+            <a:ext cx="7308000" cy="1413900"/>
           </a:xfrm>
           <a:prstGeom prst="rect">
             <a:avLst/>
@@ -9552,7 +12252,7 @@
                 <a:cs typeface="Arial"/>
                 <a:sym typeface="Arial"/>
               </a:rPr>
-              <a:t>Loans with a 60-month term have a significantly higher default percentage.</a:t>
+              <a:t>Loans with a 60-month term have a significantly higher default percentage. [Term]</a:t>
             </a:r>
             <a:endParaRPr sz="1100">
               <a:solidFill>
@@ -9589,7 +12289,7 @@
                 <a:cs typeface="Arial"/>
                 <a:sym typeface="Arial"/>
               </a:rPr>
-              <a:t>As grade value increasing, default percentages increase, indicating a strong correlation with risk.</a:t>
+              <a:t>As grade value increasing, default percentages increase, indicating a strong correlation with risk. [Grade]</a:t>
             </a:r>
             <a:endParaRPr/>
           </a:p>
@@ -9855,7 +12555,7 @@
                 <a:cs typeface="Arial"/>
                 <a:sym typeface="Arial"/>
               </a:rPr>
-              <a:t>Higher inquiries in the last 6 months correlate with increased default percentages.</a:t>
+              <a:t>Higher inquiries in the last 6 months correlate with increased default percentages. [Inq last 6mths]</a:t>
             </a:r>
             <a:endParaRPr sz="1100">
               <a:solidFill>
@@ -9892,7 +12592,7 @@
                 <a:cs typeface="Arial"/>
                 <a:sym typeface="Arial"/>
               </a:rPr>
-              <a:t>Higher number of open accounts is associated with increased default risk.</a:t>
+              <a:t>Higher number of open accounts is associated with increased default risk. [Open acc]</a:t>
             </a:r>
             <a:endParaRPr sz="1100">
               <a:solidFill>
@@ -10181,7 +12881,7 @@
                 <a:cs typeface="Arial"/>
                 <a:sym typeface="Arial"/>
               </a:rPr>
-              <a:t>Generally insignificant, but higher 30+days past due incidences of delinquency counts may indicate potential risk.</a:t>
+              <a:t>Generally insignificant, but higher 30+days past due incidences of delinquency counts may indicate potential risk. [Delinq 2yrs]</a:t>
             </a:r>
             <a:endParaRPr sz="1100">
               <a:solidFill>
@@ -10218,7 +12918,7 @@
                 <a:cs typeface="Arial"/>
                 <a:sym typeface="Arial"/>
               </a:rPr>
-              <a:t>Public records have minimal impact on loan status.</a:t>
+              <a:t>Public records have minimal impact on loan status. [Pub rec]</a:t>
             </a:r>
             <a:endParaRPr sz="1100">
               <a:solidFill>
@@ -10438,8 +13138,8 @@
         </p:nvSpPr>
         <p:spPr>
           <a:xfrm>
-            <a:off x="311700" y="1229875"/>
-            <a:ext cx="4847100" cy="1247700"/>
+            <a:off x="145450" y="1229875"/>
+            <a:ext cx="5138100" cy="1254600"/>
           </a:xfrm>
           <a:prstGeom prst="rect">
             <a:avLst/>
@@ -10447,7 +13147,7 @@
         </p:spPr>
         <p:txBody>
           <a:bodyPr anchorCtr="0" anchor="t" bIns="91425" lIns="91425" spcFirstLastPara="1" rIns="91425" wrap="square" tIns="91425">
-            <a:normAutofit fontScale="92500"/>
+            <a:normAutofit fontScale="85000" lnSpcReduction="10000"/>
           </a:bodyPr>
           <a:lstStyle/>
           <a:p>
@@ -10483,7 +13183,7 @@
             </a:endParaRPr>
           </a:p>
           <a:p>
-            <a:pPr indent="-293211" lvl="0" marL="457200" rtl="0" algn="l">
+            <a:pPr indent="-287972" lvl="0" marL="457200" rtl="0" algn="l">
               <a:spcBef>
                 <a:spcPts val="1200"/>
               </a:spcBef>
@@ -10507,7 +13207,7 @@
                 <a:cs typeface="Arial"/>
                 <a:sym typeface="Arial"/>
               </a:rPr>
-              <a:t>No significant impact of Employment length, though missing data shows a slight increase in default percentage.</a:t>
+              <a:t>No significant impact of Employment length, though missing data shows a slight increase in default percentage. Also, missing data has highest default percentage. [Emp length]</a:t>
             </a:r>
             <a:endParaRPr sz="1100">
               <a:solidFill>
@@ -10520,7 +13220,7 @@
             </a:endParaRPr>
           </a:p>
           <a:p>
-            <a:pPr indent="-293211" lvl="0" marL="457200" rtl="0" algn="l">
+            <a:pPr indent="-287972" lvl="0" marL="457200" rtl="0" algn="l">
               <a:spcBef>
                 <a:spcPts val="0"/>
               </a:spcBef>
@@ -10557,7 +13257,7 @@
             </a:endParaRPr>
           </a:p>
           <a:p>
-            <a:pPr indent="-293211" lvl="0" marL="457200" rtl="0" algn="l">
+            <a:pPr indent="-287972" lvl="0" marL="457200" rtl="0" algn="l">
               <a:spcBef>
                 <a:spcPts val="0"/>
               </a:spcBef>
@@ -10581,7 +13281,7 @@
                 <a:cs typeface="Arial"/>
                 <a:sym typeface="Arial"/>
               </a:rPr>
-              <a:t>Profession names show no strong relationship with default risk.</a:t>
+              <a:t>Profession names show no strong relationship with default risk. [Emp prof name]</a:t>
             </a:r>
             <a:endParaRPr/>
           </a:p>
@@ -10643,8 +13343,8 @@
         </p:blipFill>
         <p:spPr>
           <a:xfrm>
-            <a:off x="145450" y="2571750"/>
-            <a:ext cx="4426551" cy="2079076"/>
+            <a:off x="145450" y="2419620"/>
+            <a:ext cx="4750450" cy="2231206"/>
           </a:xfrm>
           <a:prstGeom prst="rect">
             <a:avLst/>
@@ -10671,8 +13371,8 @@
         </p:blipFill>
         <p:spPr>
           <a:xfrm>
-            <a:off x="5325372" y="968750"/>
-            <a:ext cx="3583553" cy="1554475"/>
+            <a:off x="5238300" y="1008274"/>
+            <a:ext cx="3770827" cy="1635712"/>
           </a:xfrm>
           <a:prstGeom prst="rect">
             <a:avLst/>
@@ -10699,7 +13399,7 @@
         </p:blipFill>
         <p:spPr>
           <a:xfrm>
-            <a:off x="4795700" y="2571750"/>
+            <a:off x="4972150" y="2790675"/>
             <a:ext cx="4113225" cy="1784275"/>
           </a:xfrm>
           <a:prstGeom prst="rect">
@@ -11358,43 +14058,6 @@
             </a:pPr>
             <a:r>
               <a:rPr lang="en"/>
-              <a:t>Strengthen Data collection like,</a:t>
-            </a:r>
-            <a:r>
-              <a:rPr lang="en"/>
-              <a:t> Employee length (</a:t>
-            </a:r>
-            <a:r>
-              <a:rPr lang="en" sz="1700"/>
-              <a:t>Employment </a:t>
-            </a:r>
-            <a:r>
-              <a:rPr lang="en" sz="1700"/>
-              <a:t>experience</a:t>
-            </a:r>
-            <a:r>
-              <a:rPr lang="en" sz="1700"/>
-              <a:t> year</a:t>
-            </a:r>
-            <a:r>
-              <a:rPr lang="en"/>
-              <a:t>)</a:t>
-            </a:r>
-            <a:endParaRPr/>
-          </a:p>
-          <a:p>
-            <a:pPr indent="-342900" lvl="0" marL="457200" rtl="0" algn="l">
-              <a:spcBef>
-                <a:spcPts val="0"/>
-              </a:spcBef>
-              <a:spcAft>
-                <a:spcPts val="0"/>
-              </a:spcAft>
-              <a:buSzPts val="1800"/>
-              <a:buChar char="❖"/>
-            </a:pPr>
-            <a:r>
-              <a:rPr lang="en"/>
               <a:t>Implement stricter checks for:</a:t>
             </a:r>
             <a:endParaRPr/>
@@ -11432,6 +14095,27 @@
               <a:t>High-risk states like Nebraska.</a:t>
             </a:r>
             <a:endParaRPr/>
+          </a:p>
+          <a:p>
+            <a:pPr indent="-317500" lvl="1" marL="914400" rtl="0" algn="l">
+              <a:spcBef>
+                <a:spcPts val="0"/>
+              </a:spcBef>
+              <a:spcAft>
+                <a:spcPts val="0"/>
+              </a:spcAft>
+              <a:buSzPts val="1400"/>
+              <a:buChar char="➢"/>
+            </a:pPr>
+            <a:r>
+              <a:rPr lang="en"/>
+              <a:t>Precise data gathering such as </a:t>
+            </a:r>
+            <a:r>
+              <a:rPr lang="en" sz="1100"/>
+              <a:t>Employee length (Employment experience year)</a:t>
+            </a:r>
+            <a:endParaRPr sz="1100"/>
           </a:p>
         </p:txBody>
       </p:sp>
@@ -11559,7 +14243,7 @@
         </p:spPr>
         <p:txBody>
           <a:bodyPr anchorCtr="0" anchor="t" bIns="91425" lIns="91425" spcFirstLastPara="1" rIns="91425" wrap="square" tIns="91425">
-            <a:noAutofit/>
+            <a:normAutofit fontScale="77500" lnSpcReduction="20000"/>
           </a:bodyPr>
           <a:lstStyle/>
           <a:p>
@@ -11579,7 +14263,7 @@
             <a:endParaRPr/>
           </a:p>
           <a:p>
-            <a:pPr indent="-298450" lvl="0" marL="457200" rtl="0" algn="l">
+            <a:pPr indent="-282733" lvl="0" marL="457200" rtl="0" algn="l">
               <a:spcBef>
                 <a:spcPts val="1600"/>
               </a:spcBef>
@@ -11589,18 +14273,18 @@
               <a:buClr>
                 <a:srgbClr val="000000"/>
               </a:buClr>
-              <a:buSzPts val="1100"/>
+              <a:buSzPct val="61111"/>
               <a:buFont typeface="Arial"/>
               <a:buChar char="●"/>
             </a:pPr>
             <a:r>
               <a:rPr lang="en"/>
-              <a:t>Balancing outliers vs. noise.</a:t>
+              <a:t>Skewed numerical variables persist post-transformation.</a:t>
             </a:r>
             <a:endParaRPr/>
           </a:p>
           <a:p>
-            <a:pPr indent="-298450" lvl="0" marL="457200" rtl="0" algn="l">
+            <a:pPr indent="-282733" lvl="0" marL="457200" rtl="0" algn="l">
               <a:spcBef>
                 <a:spcPts val="0"/>
               </a:spcBef>
@@ -11610,36 +14294,20 @@
               <a:buClr>
                 <a:srgbClr val="000000"/>
               </a:buClr>
-              <a:buSzPts val="1100"/>
+              <a:buSzPct val="61111"/>
               <a:buFont typeface="Arial"/>
               <a:buChar char="●"/>
             </a:pPr>
             <a:r>
               <a:rPr lang="en"/>
-              <a:t>Interpreting categorical variables effectively.</a:t>
+              <a:t>High granularity in categorical variables (e.g., addr_state, purpose).</a:t>
             </a:r>
             <a:endParaRPr/>
           </a:p>
           <a:p>
-            <a:pPr indent="0" lvl="0" marL="0" rtl="0" algn="l">
-              <a:spcBef>
-                <a:spcPts val="1200"/>
-              </a:spcBef>
-              <a:spcAft>
-                <a:spcPts val="0"/>
-              </a:spcAft>
-              <a:buNone/>
-            </a:pPr>
-            <a:r>
-              <a:rPr lang="en"/>
-              <a:t>💡Assumptions:</a:t>
-            </a:r>
-            <a:endParaRPr/>
-          </a:p>
-          <a:p>
-            <a:pPr indent="-298450" lvl="0" marL="457200" rtl="0" algn="l">
-              <a:spcBef>
-                <a:spcPts val="1200"/>
+            <a:pPr indent="-282733" lvl="0" marL="457200" rtl="0" algn="l">
+              <a:spcBef>
+                <a:spcPts val="0"/>
               </a:spcBef>
               <a:spcAft>
                 <a:spcPts val="0"/>
@@ -11647,18 +14315,18 @@
               <a:buClr>
                 <a:srgbClr val="000000"/>
               </a:buClr>
-              <a:buSzPts val="1100"/>
+              <a:buSzPct val="61111"/>
               <a:buFont typeface="Arial"/>
               <a:buChar char="●"/>
             </a:pPr>
             <a:r>
               <a:rPr lang="en"/>
-              <a:t>Data accurately represents past trends.</a:t>
+              <a:t>Balancing outliers vs noise.</a:t>
             </a:r>
             <a:endParaRPr/>
           </a:p>
           <a:p>
-            <a:pPr indent="-298450" lvl="0" marL="457200" rtl="0" algn="l">
+            <a:pPr indent="-282733" lvl="0" marL="457200" rtl="0" algn="l">
               <a:spcBef>
                 <a:spcPts val="0"/>
               </a:spcBef>
@@ -11668,7 +14336,128 @@
               <a:buClr>
                 <a:srgbClr val="000000"/>
               </a:buClr>
-              <a:buSzPts val="1100"/>
+              <a:buSzPct val="61111"/>
+              <a:buFont typeface="Arial"/>
+              <a:buChar char="●"/>
+            </a:pPr>
+            <a:r>
+              <a:rPr lang="en"/>
+              <a:t>Interpreting categorical variables effectively.</a:t>
+            </a:r>
+            <a:endParaRPr/>
+          </a:p>
+          <a:p>
+            <a:pPr indent="0" lvl="0" marL="0" rtl="0" algn="l">
+              <a:spcBef>
+                <a:spcPts val="1200"/>
+              </a:spcBef>
+              <a:spcAft>
+                <a:spcPts val="0"/>
+              </a:spcAft>
+              <a:buNone/>
+            </a:pPr>
+            <a:r>
+              <a:rPr lang="en"/>
+              <a:t>💡Assumptions:</a:t>
+            </a:r>
+            <a:endParaRPr/>
+          </a:p>
+          <a:p>
+            <a:pPr indent="-282733" lvl="0" marL="457200" rtl="0" algn="l">
+              <a:spcBef>
+                <a:spcPts val="1200"/>
+              </a:spcBef>
+              <a:spcAft>
+                <a:spcPts val="0"/>
+              </a:spcAft>
+              <a:buClr>
+                <a:srgbClr val="000000"/>
+              </a:buClr>
+              <a:buSzPct val="61111"/>
+              <a:buFont typeface="Arial"/>
+              <a:buChar char="●"/>
+            </a:pPr>
+            <a:r>
+              <a:rPr lang="en"/>
+              <a:t>loan_status reliably represents borrower risk.</a:t>
+            </a:r>
+            <a:endParaRPr/>
+          </a:p>
+          <a:p>
+            <a:pPr indent="-282733" lvl="0" marL="457200" rtl="0" algn="l">
+              <a:spcBef>
+                <a:spcPts val="0"/>
+              </a:spcBef>
+              <a:spcAft>
+                <a:spcPts val="0"/>
+              </a:spcAft>
+              <a:buClr>
+                <a:srgbClr val="000000"/>
+              </a:buClr>
+              <a:buSzPct val="61111"/>
+              <a:buFont typeface="Arial"/>
+              <a:buChar char="●"/>
+            </a:pPr>
+            <a:r>
+              <a:rPr lang="en"/>
+              <a:t>Economic conditions during the dataset period are stable.</a:t>
+            </a:r>
+            <a:endParaRPr/>
+          </a:p>
+          <a:p>
+            <a:pPr indent="-282733" lvl="0" marL="457200" rtl="0" algn="l">
+              <a:spcBef>
+                <a:spcPts val="0"/>
+              </a:spcBef>
+              <a:spcAft>
+                <a:spcPts val="0"/>
+              </a:spcAft>
+              <a:buClr>
+                <a:srgbClr val="000000"/>
+              </a:buClr>
+              <a:buSzPct val="61111"/>
+              <a:buFont typeface="Arial"/>
+              <a:buChar char="●"/>
+            </a:pPr>
+            <a:r>
+              <a:rPr lang="en"/>
+              <a:t>Data accurately represents past trends.</a:t>
+            </a:r>
+            <a:endParaRPr/>
+          </a:p>
+          <a:p>
+            <a:pPr indent="-282733" lvl="0" marL="457200" rtl="0" algn="l">
+              <a:spcBef>
+                <a:spcPts val="0"/>
+              </a:spcBef>
+              <a:spcAft>
+                <a:spcPts val="0"/>
+              </a:spcAft>
+              <a:buClr>
+                <a:srgbClr val="000000"/>
+              </a:buClr>
+              <a:buSzPct val="61111"/>
+              <a:buFont typeface="Arial"/>
+              <a:buChar char="●"/>
+            </a:pPr>
+            <a:r>
+              <a:rPr lang="en"/>
+              <a:t>Missing data is random and unbiased.</a:t>
+            </a:r>
+            <a:endParaRPr/>
+          </a:p>
+          <a:p>
+            <a:pPr indent="-282733" lvl="0" marL="457200" rtl="0" algn="l">
+              <a:spcBef>
+                <a:spcPts val="0"/>
+              </a:spcBef>
+              <a:spcAft>
+                <a:spcPts val="0"/>
+              </a:spcAft>
+              <a:buClr>
+                <a:srgbClr val="000000"/>
+              </a:buClr>
+              <a:buSzPct val="61111"/>
               <a:buFont typeface="Arial"/>
               <a:buChar char="●"/>
             </a:pPr>
@@ -12332,7 +15121,7 @@
         </p:spPr>
         <p:txBody>
           <a:bodyPr anchorCtr="0" anchor="t" bIns="91425" lIns="91425" spcFirstLastPara="1" rIns="91425" wrap="square" tIns="91425">
-            <a:normAutofit fontScale="70000" lnSpcReduction="10000"/>
+            <a:normAutofit fontScale="70000" lnSpcReduction="20000"/>
           </a:bodyPr>
           <a:lstStyle/>
           <a:p>
@@ -12709,6 +15498,36 @@
             </a:r>
             <a:endParaRPr/>
           </a:p>
+          <a:p>
+            <a:pPr indent="-308610" lvl="0" marL="457200" rtl="0" algn="l">
+              <a:spcBef>
+                <a:spcPts val="0"/>
+              </a:spcBef>
+              <a:spcAft>
+                <a:spcPts val="0"/>
+              </a:spcAft>
+              <a:buSzPct val="100000"/>
+              <a:buChar char="❖"/>
+            </a:pPr>
+            <a:r>
+              <a:rPr lang="en" u="sng">
+                <a:solidFill>
+                  <a:schemeClr val="hlink"/>
+                </a:solidFill>
+                <a:hlinkClick action="ppaction://hlinksldjump" r:id="rId20"/>
+              </a:rPr>
+              <a:t>Visualizations Overview</a:t>
+            </a:r>
+            <a:r>
+              <a:rPr lang="en"/>
+              <a:t> </a:t>
+            </a:r>
+            <a:r>
+              <a:rPr i="1" lang="en"/>
+              <a:t>(Archive)</a:t>
+            </a:r>
+            <a:endParaRPr i="1"/>
+          </a:p>
         </p:txBody>
       </p:sp>
       <p:sp>
@@ -12751,6 +15570,1539 @@
           </a:p>
         </p:txBody>
       </p:sp>
+    </p:spTree>
+  </p:cSld>
+  <p:clrMapOvr>
+    <a:masterClrMapping/>
+  </p:clrMapOvr>
+</p:sld>
+</file>
+
+<file path=ppt/slides/slide20.xml><?xml version="1.0" encoding="utf-8"?>
+<p:sld xmlns:a="http://schemas.openxmlformats.org/drawingml/2006/main" xmlns:r="http://schemas.openxmlformats.org/officeDocument/2006/relationships" xmlns:mc="http://schemas.openxmlformats.org/markup-compatibility/2006" xmlns:mv="urn:schemas-microsoft-com:mac:vml" xmlns:p="http://schemas.openxmlformats.org/presentationml/2006/main" xmlns:c="http://schemas.openxmlformats.org/drawingml/2006/chart" xmlns:dgm="http://schemas.openxmlformats.org/drawingml/2006/diagram" xmlns:o="urn:schemas-microsoft-com:office:office" xmlns:v="urn:schemas-microsoft-com:vml" xmlns:pvml="urn:schemas-microsoft-com:office:powerpoint" xmlns:com="http://schemas.openxmlformats.org/drawingml/2006/compatibility" xmlns:p14="http://schemas.microsoft.com/office/powerpoint/2010/main" xmlns:p15="http://schemas.microsoft.com/office/powerpoint/2012/main" xmlns:ahyp="http://schemas.microsoft.com/office/drawing/2018/hyperlinkcolor">
+  <p:cSld>
+    <p:spTree>
+      <p:nvGrpSpPr>
+        <p:cNvPr id="262" name="Shape 262"/>
+        <p:cNvGrpSpPr/>
+        <p:nvPr/>
+      </p:nvGrpSpPr>
+      <p:grpSpPr>
+        <a:xfrm>
+          <a:off x="0" y="0"/>
+          <a:ext cx="0" cy="0"/>
+          <a:chOff x="0" y="0"/>
+          <a:chExt cx="0" cy="0"/>
+        </a:xfrm>
+      </p:grpSpPr>
+      <p:sp>
+        <p:nvSpPr>
+          <p:cNvPr id="263" name="Google Shape;263;p32"/>
+          <p:cNvSpPr txBox="1"/>
+          <p:nvPr>
+            <p:ph type="title"/>
+          </p:nvPr>
+        </p:nvSpPr>
+        <p:spPr>
+          <a:xfrm>
+            <a:off x="490250" y="526350"/>
+            <a:ext cx="5618700" cy="4090800"/>
+          </a:xfrm>
+          <a:prstGeom prst="rect">
+            <a:avLst/>
+          </a:prstGeom>
+        </p:spPr>
+        <p:txBody>
+          <a:bodyPr anchorCtr="0" anchor="ctr" bIns="91425" lIns="91425" spcFirstLastPara="1" rIns="91425" wrap="square" tIns="91425">
+            <a:noAutofit/>
+          </a:bodyPr>
+          <a:lstStyle/>
+          <a:p>
+            <a:pPr indent="0" lvl="0" marL="0" rtl="0" algn="l">
+              <a:spcBef>
+                <a:spcPts val="0"/>
+              </a:spcBef>
+              <a:spcAft>
+                <a:spcPts val="0"/>
+              </a:spcAft>
+              <a:buNone/>
+            </a:pPr>
+            <a:r>
+              <a:rPr lang="en"/>
+              <a:t> Visualizations Overview</a:t>
+            </a:r>
+            <a:endParaRPr/>
+          </a:p>
+        </p:txBody>
+      </p:sp>
+      <p:sp>
+        <p:nvSpPr>
+          <p:cNvPr id="264" name="Google Shape;264;p32"/>
+          <p:cNvSpPr txBox="1"/>
+          <p:nvPr>
+            <p:ph idx="12" type="sldNum"/>
+          </p:nvPr>
+        </p:nvSpPr>
+        <p:spPr>
+          <a:xfrm>
+            <a:off x="8460431" y="4651190"/>
+            <a:ext cx="548700" cy="393600"/>
+          </a:xfrm>
+          <a:prstGeom prst="rect">
+            <a:avLst/>
+          </a:prstGeom>
+        </p:spPr>
+        <p:txBody>
+          <a:bodyPr anchorCtr="0" anchor="ctr" bIns="91425" lIns="91425" spcFirstLastPara="1" rIns="91425" wrap="square" tIns="91425">
+            <a:noAutofit/>
+          </a:bodyPr>
+          <a:lstStyle/>
+          <a:p>
+            <a:pPr indent="0" lvl="0" marL="0" rtl="0" algn="r">
+              <a:spcBef>
+                <a:spcPts val="0"/>
+              </a:spcBef>
+              <a:spcAft>
+                <a:spcPts val="0"/>
+              </a:spcAft>
+              <a:buNone/>
+            </a:pPr>
+            <a:fld id="{00000000-1234-1234-1234-123412341234}" type="slidenum">
+              <a:rPr lang="en"/>
+              <a:t>‹#›</a:t>
+            </a:fld>
+            <a:endParaRPr/>
+          </a:p>
+        </p:txBody>
+      </p:sp>
+    </p:spTree>
+  </p:cSld>
+  <p:clrMapOvr>
+    <a:masterClrMapping/>
+  </p:clrMapOvr>
+</p:sld>
+</file>
+
+<file path=ppt/slides/slide21.xml><?xml version="1.0" encoding="utf-8"?>
+<p:sld xmlns:a="http://schemas.openxmlformats.org/drawingml/2006/main" xmlns:r="http://schemas.openxmlformats.org/officeDocument/2006/relationships" xmlns:mc="http://schemas.openxmlformats.org/markup-compatibility/2006" xmlns:mv="urn:schemas-microsoft-com:mac:vml" xmlns:p="http://schemas.openxmlformats.org/presentationml/2006/main" xmlns:c="http://schemas.openxmlformats.org/drawingml/2006/chart" xmlns:dgm="http://schemas.openxmlformats.org/drawingml/2006/diagram" xmlns:o="urn:schemas-microsoft-com:office:office" xmlns:v="urn:schemas-microsoft-com:vml" xmlns:pvml="urn:schemas-microsoft-com:office:powerpoint" xmlns:com="http://schemas.openxmlformats.org/drawingml/2006/compatibility" xmlns:p14="http://schemas.microsoft.com/office/powerpoint/2010/main" xmlns:p15="http://schemas.microsoft.com/office/powerpoint/2012/main" xmlns:ahyp="http://schemas.microsoft.com/office/drawing/2018/hyperlinkcolor">
+  <p:cSld>
+    <p:spTree>
+      <p:nvGrpSpPr>
+        <p:cNvPr id="268" name="Shape 268"/>
+        <p:cNvGrpSpPr/>
+        <p:nvPr/>
+      </p:nvGrpSpPr>
+      <p:grpSpPr>
+        <a:xfrm>
+          <a:off x="0" y="0"/>
+          <a:ext cx="0" cy="0"/>
+          <a:chOff x="0" y="0"/>
+          <a:chExt cx="0" cy="0"/>
+        </a:xfrm>
+      </p:grpSpPr>
+      <p:sp>
+        <p:nvSpPr>
+          <p:cNvPr id="269" name="Google Shape;269;p33"/>
+          <p:cNvSpPr txBox="1"/>
+          <p:nvPr>
+            <p:ph type="title"/>
+          </p:nvPr>
+        </p:nvSpPr>
+        <p:spPr>
+          <a:xfrm>
+            <a:off x="311700" y="410000"/>
+            <a:ext cx="8520600" cy="607800"/>
+          </a:xfrm>
+          <a:prstGeom prst="rect">
+            <a:avLst/>
+          </a:prstGeom>
+        </p:spPr>
+        <p:txBody>
+          <a:bodyPr anchorCtr="0" anchor="t" bIns="91425" lIns="91425" spcFirstLastPara="1" rIns="91425" wrap="square" tIns="91425">
+            <a:noAutofit/>
+          </a:bodyPr>
+          <a:lstStyle/>
+          <a:p>
+            <a:pPr indent="0" lvl="0" marL="0" rtl="0" algn="l">
+              <a:spcBef>
+                <a:spcPts val="0"/>
+              </a:spcBef>
+              <a:spcAft>
+                <a:spcPts val="0"/>
+              </a:spcAft>
+              <a:buNone/>
+            </a:pPr>
+            <a:r>
+              <a:rPr lang="en"/>
+              <a:t>Loan Status</a:t>
+            </a:r>
+            <a:endParaRPr/>
+          </a:p>
+        </p:txBody>
+      </p:sp>
+      <p:sp>
+        <p:nvSpPr>
+          <p:cNvPr id="270" name="Google Shape;270;p33"/>
+          <p:cNvSpPr txBox="1"/>
+          <p:nvPr>
+            <p:ph idx="12" type="sldNum"/>
+          </p:nvPr>
+        </p:nvSpPr>
+        <p:spPr>
+          <a:xfrm>
+            <a:off x="8460431" y="4651190"/>
+            <a:ext cx="548700" cy="393600"/>
+          </a:xfrm>
+          <a:prstGeom prst="rect">
+            <a:avLst/>
+          </a:prstGeom>
+        </p:spPr>
+        <p:txBody>
+          <a:bodyPr anchorCtr="0" anchor="ctr" bIns="91425" lIns="91425" spcFirstLastPara="1" rIns="91425" wrap="square" tIns="91425">
+            <a:noAutofit/>
+          </a:bodyPr>
+          <a:lstStyle/>
+          <a:p>
+            <a:pPr indent="0" lvl="0" marL="0" rtl="0" algn="r">
+              <a:spcBef>
+                <a:spcPts val="0"/>
+              </a:spcBef>
+              <a:spcAft>
+                <a:spcPts val="0"/>
+              </a:spcAft>
+              <a:buNone/>
+            </a:pPr>
+            <a:fld id="{00000000-1234-1234-1234-123412341234}" type="slidenum">
+              <a:rPr lang="en"/>
+              <a:t>‹#›</a:t>
+            </a:fld>
+            <a:endParaRPr/>
+          </a:p>
+        </p:txBody>
+      </p:sp>
+      <p:pic>
+        <p:nvPicPr>
+          <p:cNvPr id="271" name="Google Shape;271;p33"/>
+          <p:cNvPicPr preferRelativeResize="0"/>
+          <p:nvPr/>
+        </p:nvPicPr>
+        <p:blipFill>
+          <a:blip r:embed="rId3">
+            <a:alphaModFix/>
+          </a:blip>
+          <a:stretch>
+            <a:fillRect/>
+          </a:stretch>
+        </p:blipFill>
+        <p:spPr>
+          <a:xfrm>
+            <a:off x="1809613" y="1059400"/>
+            <a:ext cx="5524774" cy="3944725"/>
+          </a:xfrm>
+          <a:prstGeom prst="rect">
+            <a:avLst/>
+          </a:prstGeom>
+          <a:noFill/>
+          <a:ln>
+            <a:noFill/>
+          </a:ln>
+        </p:spPr>
+      </p:pic>
+    </p:spTree>
+  </p:cSld>
+  <p:clrMapOvr>
+    <a:masterClrMapping/>
+  </p:clrMapOvr>
+</p:sld>
+</file>
+
+<file path=ppt/slides/slide22.xml><?xml version="1.0" encoding="utf-8"?>
+<p:sld xmlns:a="http://schemas.openxmlformats.org/drawingml/2006/main" xmlns:r="http://schemas.openxmlformats.org/officeDocument/2006/relationships" xmlns:mc="http://schemas.openxmlformats.org/markup-compatibility/2006" xmlns:mv="urn:schemas-microsoft-com:mac:vml" xmlns:p="http://schemas.openxmlformats.org/presentationml/2006/main" xmlns:c="http://schemas.openxmlformats.org/drawingml/2006/chart" xmlns:dgm="http://schemas.openxmlformats.org/drawingml/2006/diagram" xmlns:o="urn:schemas-microsoft-com:office:office" xmlns:v="urn:schemas-microsoft-com:vml" xmlns:pvml="urn:schemas-microsoft-com:office:powerpoint" xmlns:com="http://schemas.openxmlformats.org/drawingml/2006/compatibility" xmlns:p14="http://schemas.microsoft.com/office/powerpoint/2010/main" xmlns:p15="http://schemas.microsoft.com/office/powerpoint/2012/main" xmlns:ahyp="http://schemas.microsoft.com/office/drawing/2018/hyperlinkcolor">
+  <p:cSld>
+    <p:spTree>
+      <p:nvGrpSpPr>
+        <p:cNvPr id="275" name="Shape 275"/>
+        <p:cNvGrpSpPr/>
+        <p:nvPr/>
+      </p:nvGrpSpPr>
+      <p:grpSpPr>
+        <a:xfrm>
+          <a:off x="0" y="0"/>
+          <a:ext cx="0" cy="0"/>
+          <a:chOff x="0" y="0"/>
+          <a:chExt cx="0" cy="0"/>
+        </a:xfrm>
+      </p:grpSpPr>
+      <p:sp>
+        <p:nvSpPr>
+          <p:cNvPr id="276" name="Google Shape;276;p34"/>
+          <p:cNvSpPr txBox="1"/>
+          <p:nvPr>
+            <p:ph type="title"/>
+          </p:nvPr>
+        </p:nvSpPr>
+        <p:spPr>
+          <a:xfrm>
+            <a:off x="311700" y="410000"/>
+            <a:ext cx="8520600" cy="607800"/>
+          </a:xfrm>
+          <a:prstGeom prst="rect">
+            <a:avLst/>
+          </a:prstGeom>
+        </p:spPr>
+        <p:txBody>
+          <a:bodyPr anchorCtr="0" anchor="t" bIns="91425" lIns="91425" spcFirstLastPara="1" rIns="91425" wrap="square" tIns="91425">
+            <a:noAutofit/>
+          </a:bodyPr>
+          <a:lstStyle/>
+          <a:p>
+            <a:pPr indent="0" lvl="0" marL="0" rtl="0" algn="l">
+              <a:spcBef>
+                <a:spcPts val="0"/>
+              </a:spcBef>
+              <a:spcAft>
+                <a:spcPts val="0"/>
+              </a:spcAft>
+              <a:buNone/>
+            </a:pPr>
+            <a:r>
+              <a:rPr lang="en"/>
+              <a:t>Term</a:t>
+            </a:r>
+            <a:endParaRPr/>
+          </a:p>
+        </p:txBody>
+      </p:sp>
+      <p:sp>
+        <p:nvSpPr>
+          <p:cNvPr id="277" name="Google Shape;277;p34"/>
+          <p:cNvSpPr txBox="1"/>
+          <p:nvPr>
+            <p:ph idx="12" type="sldNum"/>
+          </p:nvPr>
+        </p:nvSpPr>
+        <p:spPr>
+          <a:xfrm>
+            <a:off x="8460431" y="4651190"/>
+            <a:ext cx="548700" cy="393600"/>
+          </a:xfrm>
+          <a:prstGeom prst="rect">
+            <a:avLst/>
+          </a:prstGeom>
+        </p:spPr>
+        <p:txBody>
+          <a:bodyPr anchorCtr="0" anchor="ctr" bIns="91425" lIns="91425" spcFirstLastPara="1" rIns="91425" wrap="square" tIns="91425">
+            <a:noAutofit/>
+          </a:bodyPr>
+          <a:lstStyle/>
+          <a:p>
+            <a:pPr indent="0" lvl="0" marL="0" rtl="0" algn="r">
+              <a:spcBef>
+                <a:spcPts val="0"/>
+              </a:spcBef>
+              <a:spcAft>
+                <a:spcPts val="0"/>
+              </a:spcAft>
+              <a:buNone/>
+            </a:pPr>
+            <a:fld id="{00000000-1234-1234-1234-123412341234}" type="slidenum">
+              <a:rPr lang="en">
+                <a:solidFill>
+                  <a:schemeClr val="dk2"/>
+                </a:solidFill>
+              </a:rPr>
+              <a:t>‹#›</a:t>
+            </a:fld>
+            <a:endParaRPr>
+              <a:solidFill>
+                <a:schemeClr val="dk2"/>
+              </a:solidFill>
+            </a:endParaRPr>
+          </a:p>
+        </p:txBody>
+      </p:sp>
+      <p:pic>
+        <p:nvPicPr>
+          <p:cNvPr id="278" name="Google Shape;278;p34"/>
+          <p:cNvPicPr preferRelativeResize="0"/>
+          <p:nvPr/>
+        </p:nvPicPr>
+        <p:blipFill>
+          <a:blip r:embed="rId3">
+            <a:alphaModFix/>
+          </a:blip>
+          <a:stretch>
+            <a:fillRect/>
+          </a:stretch>
+        </p:blipFill>
+        <p:spPr>
+          <a:xfrm>
+            <a:off x="83050" y="2735450"/>
+            <a:ext cx="3925000" cy="2341501"/>
+          </a:xfrm>
+          <a:prstGeom prst="rect">
+            <a:avLst/>
+          </a:prstGeom>
+          <a:noFill/>
+          <a:ln>
+            <a:noFill/>
+          </a:ln>
+        </p:spPr>
+      </p:pic>
+      <p:pic>
+        <p:nvPicPr>
+          <p:cNvPr id="279" name="Google Shape;279;p34"/>
+          <p:cNvPicPr preferRelativeResize="0"/>
+          <p:nvPr/>
+        </p:nvPicPr>
+        <p:blipFill>
+          <a:blip r:embed="rId4">
+            <a:alphaModFix/>
+          </a:blip>
+          <a:stretch>
+            <a:fillRect/>
+          </a:stretch>
+        </p:blipFill>
+        <p:spPr>
+          <a:xfrm>
+            <a:off x="4081550" y="127550"/>
+            <a:ext cx="5014549" cy="3098574"/>
+          </a:xfrm>
+          <a:prstGeom prst="rect">
+            <a:avLst/>
+          </a:prstGeom>
+          <a:noFill/>
+          <a:ln>
+            <a:noFill/>
+          </a:ln>
+        </p:spPr>
+      </p:pic>
+    </p:spTree>
+  </p:cSld>
+  <p:clrMapOvr>
+    <a:masterClrMapping/>
+  </p:clrMapOvr>
+</p:sld>
+</file>
+
+<file path=ppt/slides/slide23.xml><?xml version="1.0" encoding="utf-8"?>
+<p:sld xmlns:a="http://schemas.openxmlformats.org/drawingml/2006/main" xmlns:r="http://schemas.openxmlformats.org/officeDocument/2006/relationships" xmlns:mc="http://schemas.openxmlformats.org/markup-compatibility/2006" xmlns:mv="urn:schemas-microsoft-com:mac:vml" xmlns:p="http://schemas.openxmlformats.org/presentationml/2006/main" xmlns:c="http://schemas.openxmlformats.org/drawingml/2006/chart" xmlns:dgm="http://schemas.openxmlformats.org/drawingml/2006/diagram" xmlns:o="urn:schemas-microsoft-com:office:office" xmlns:v="urn:schemas-microsoft-com:vml" xmlns:pvml="urn:schemas-microsoft-com:office:powerpoint" xmlns:com="http://schemas.openxmlformats.org/drawingml/2006/compatibility" xmlns:p14="http://schemas.microsoft.com/office/powerpoint/2010/main" xmlns:p15="http://schemas.microsoft.com/office/powerpoint/2012/main" xmlns:ahyp="http://schemas.microsoft.com/office/drawing/2018/hyperlinkcolor">
+  <p:cSld>
+    <p:spTree>
+      <p:nvGrpSpPr>
+        <p:cNvPr id="283" name="Shape 283"/>
+        <p:cNvGrpSpPr/>
+        <p:nvPr/>
+      </p:nvGrpSpPr>
+      <p:grpSpPr>
+        <a:xfrm>
+          <a:off x="0" y="0"/>
+          <a:ext cx="0" cy="0"/>
+          <a:chOff x="0" y="0"/>
+          <a:chExt cx="0" cy="0"/>
+        </a:xfrm>
+      </p:grpSpPr>
+      <p:sp>
+        <p:nvSpPr>
+          <p:cNvPr id="284" name="Google Shape;284;p35"/>
+          <p:cNvSpPr txBox="1"/>
+          <p:nvPr>
+            <p:ph type="title"/>
+          </p:nvPr>
+        </p:nvSpPr>
+        <p:spPr>
+          <a:xfrm>
+            <a:off x="311700" y="410000"/>
+            <a:ext cx="8520600" cy="607800"/>
+          </a:xfrm>
+          <a:prstGeom prst="rect">
+            <a:avLst/>
+          </a:prstGeom>
+        </p:spPr>
+        <p:txBody>
+          <a:bodyPr anchorCtr="0" anchor="t" bIns="91425" lIns="91425" spcFirstLastPara="1" rIns="91425" wrap="square" tIns="91425">
+            <a:noAutofit/>
+          </a:bodyPr>
+          <a:lstStyle/>
+          <a:p>
+            <a:pPr indent="0" lvl="0" marL="0" rtl="0" algn="l">
+              <a:spcBef>
+                <a:spcPts val="0"/>
+              </a:spcBef>
+              <a:spcAft>
+                <a:spcPts val="0"/>
+              </a:spcAft>
+              <a:buNone/>
+            </a:pPr>
+            <a:r>
+              <a:rPr lang="en"/>
+              <a:t>Grade</a:t>
+            </a:r>
+            <a:endParaRPr/>
+          </a:p>
+        </p:txBody>
+      </p:sp>
+      <p:sp>
+        <p:nvSpPr>
+          <p:cNvPr id="285" name="Google Shape;285;p35"/>
+          <p:cNvSpPr txBox="1"/>
+          <p:nvPr>
+            <p:ph idx="12" type="sldNum"/>
+          </p:nvPr>
+        </p:nvSpPr>
+        <p:spPr>
+          <a:xfrm>
+            <a:off x="8460431" y="4651190"/>
+            <a:ext cx="548700" cy="393600"/>
+          </a:xfrm>
+          <a:prstGeom prst="rect">
+            <a:avLst/>
+          </a:prstGeom>
+        </p:spPr>
+        <p:txBody>
+          <a:bodyPr anchorCtr="0" anchor="ctr" bIns="91425" lIns="91425" spcFirstLastPara="1" rIns="91425" wrap="square" tIns="91425">
+            <a:noAutofit/>
+          </a:bodyPr>
+          <a:lstStyle/>
+          <a:p>
+            <a:pPr indent="0" lvl="0" marL="0" rtl="0" algn="r">
+              <a:spcBef>
+                <a:spcPts val="0"/>
+              </a:spcBef>
+              <a:spcAft>
+                <a:spcPts val="0"/>
+              </a:spcAft>
+              <a:buNone/>
+            </a:pPr>
+            <a:fld id="{00000000-1234-1234-1234-123412341234}" type="slidenum">
+              <a:rPr lang="en"/>
+              <a:t>‹#›</a:t>
+            </a:fld>
+            <a:endParaRPr/>
+          </a:p>
+        </p:txBody>
+      </p:sp>
+      <p:pic>
+        <p:nvPicPr>
+          <p:cNvPr id="286" name="Google Shape;286;p35"/>
+          <p:cNvPicPr preferRelativeResize="0"/>
+          <p:nvPr/>
+        </p:nvPicPr>
+        <p:blipFill>
+          <a:blip r:embed="rId3">
+            <a:alphaModFix/>
+          </a:blip>
+          <a:stretch>
+            <a:fillRect/>
+          </a:stretch>
+        </p:blipFill>
+        <p:spPr>
+          <a:xfrm>
+            <a:off x="34525" y="2719975"/>
+            <a:ext cx="3606124" cy="2423524"/>
+          </a:xfrm>
+          <a:prstGeom prst="rect">
+            <a:avLst/>
+          </a:prstGeom>
+          <a:noFill/>
+          <a:ln>
+            <a:noFill/>
+          </a:ln>
+        </p:spPr>
+      </p:pic>
+      <p:pic>
+        <p:nvPicPr>
+          <p:cNvPr id="287" name="Google Shape;287;p35"/>
+          <p:cNvPicPr preferRelativeResize="0"/>
+          <p:nvPr/>
+        </p:nvPicPr>
+        <p:blipFill>
+          <a:blip r:embed="rId4">
+            <a:alphaModFix/>
+          </a:blip>
+          <a:stretch>
+            <a:fillRect/>
+          </a:stretch>
+        </p:blipFill>
+        <p:spPr>
+          <a:xfrm>
+            <a:off x="3718025" y="268325"/>
+            <a:ext cx="5374275" cy="2770650"/>
+          </a:xfrm>
+          <a:prstGeom prst="rect">
+            <a:avLst/>
+          </a:prstGeom>
+          <a:noFill/>
+          <a:ln>
+            <a:noFill/>
+          </a:ln>
+        </p:spPr>
+      </p:pic>
+    </p:spTree>
+  </p:cSld>
+  <p:clrMapOvr>
+    <a:masterClrMapping/>
+  </p:clrMapOvr>
+</p:sld>
+</file>
+
+<file path=ppt/slides/slide24.xml><?xml version="1.0" encoding="utf-8"?>
+<p:sld xmlns:a="http://schemas.openxmlformats.org/drawingml/2006/main" xmlns:r="http://schemas.openxmlformats.org/officeDocument/2006/relationships" xmlns:mc="http://schemas.openxmlformats.org/markup-compatibility/2006" xmlns:mv="urn:schemas-microsoft-com:mac:vml" xmlns:p="http://schemas.openxmlformats.org/presentationml/2006/main" xmlns:c="http://schemas.openxmlformats.org/drawingml/2006/chart" xmlns:dgm="http://schemas.openxmlformats.org/drawingml/2006/diagram" xmlns:o="urn:schemas-microsoft-com:office:office" xmlns:v="urn:schemas-microsoft-com:vml" xmlns:pvml="urn:schemas-microsoft-com:office:powerpoint" xmlns:com="http://schemas.openxmlformats.org/drawingml/2006/compatibility" xmlns:p14="http://schemas.microsoft.com/office/powerpoint/2010/main" xmlns:p15="http://schemas.microsoft.com/office/powerpoint/2012/main" xmlns:ahyp="http://schemas.microsoft.com/office/drawing/2018/hyperlinkcolor">
+  <p:cSld>
+    <p:spTree>
+      <p:nvGrpSpPr>
+        <p:cNvPr id="291" name="Shape 291"/>
+        <p:cNvGrpSpPr/>
+        <p:nvPr/>
+      </p:nvGrpSpPr>
+      <p:grpSpPr>
+        <a:xfrm>
+          <a:off x="0" y="0"/>
+          <a:ext cx="0" cy="0"/>
+          <a:chOff x="0" y="0"/>
+          <a:chExt cx="0" cy="0"/>
+        </a:xfrm>
+      </p:grpSpPr>
+      <p:sp>
+        <p:nvSpPr>
+          <p:cNvPr id="292" name="Google Shape;292;p36"/>
+          <p:cNvSpPr txBox="1"/>
+          <p:nvPr>
+            <p:ph type="title"/>
+          </p:nvPr>
+        </p:nvSpPr>
+        <p:spPr>
+          <a:xfrm>
+            <a:off x="311700" y="410000"/>
+            <a:ext cx="8520600" cy="607800"/>
+          </a:xfrm>
+          <a:prstGeom prst="rect">
+            <a:avLst/>
+          </a:prstGeom>
+        </p:spPr>
+        <p:txBody>
+          <a:bodyPr anchorCtr="0" anchor="t" bIns="91425" lIns="91425" spcFirstLastPara="1" rIns="91425" wrap="square" tIns="91425">
+            <a:noAutofit/>
+          </a:bodyPr>
+          <a:lstStyle/>
+          <a:p>
+            <a:pPr indent="0" lvl="0" marL="0" rtl="0" algn="l">
+              <a:spcBef>
+                <a:spcPts val="0"/>
+              </a:spcBef>
+              <a:spcAft>
+                <a:spcPts val="0"/>
+              </a:spcAft>
+              <a:buNone/>
+            </a:pPr>
+            <a:r>
+              <a:rPr lang="en"/>
+              <a:t>Sub Grade</a:t>
+            </a:r>
+            <a:endParaRPr/>
+          </a:p>
+        </p:txBody>
+      </p:sp>
+      <p:sp>
+        <p:nvSpPr>
+          <p:cNvPr id="293" name="Google Shape;293;p36"/>
+          <p:cNvSpPr txBox="1"/>
+          <p:nvPr>
+            <p:ph idx="12" type="sldNum"/>
+          </p:nvPr>
+        </p:nvSpPr>
+        <p:spPr>
+          <a:xfrm>
+            <a:off x="8460431" y="4651190"/>
+            <a:ext cx="548700" cy="393600"/>
+          </a:xfrm>
+          <a:prstGeom prst="rect">
+            <a:avLst/>
+          </a:prstGeom>
+        </p:spPr>
+        <p:txBody>
+          <a:bodyPr anchorCtr="0" anchor="ctr" bIns="91425" lIns="91425" spcFirstLastPara="1" rIns="91425" wrap="square" tIns="91425">
+            <a:noAutofit/>
+          </a:bodyPr>
+          <a:lstStyle/>
+          <a:p>
+            <a:pPr indent="0" lvl="0" marL="0" rtl="0" algn="r">
+              <a:spcBef>
+                <a:spcPts val="0"/>
+              </a:spcBef>
+              <a:spcAft>
+                <a:spcPts val="0"/>
+              </a:spcAft>
+              <a:buNone/>
+            </a:pPr>
+            <a:fld id="{00000000-1234-1234-1234-123412341234}" type="slidenum">
+              <a:rPr lang="en"/>
+              <a:t>‹#›</a:t>
+            </a:fld>
+            <a:endParaRPr/>
+          </a:p>
+        </p:txBody>
+      </p:sp>
+      <p:pic>
+        <p:nvPicPr>
+          <p:cNvPr id="294" name="Google Shape;294;p36"/>
+          <p:cNvPicPr preferRelativeResize="0"/>
+          <p:nvPr/>
+        </p:nvPicPr>
+        <p:blipFill>
+          <a:blip r:embed="rId3">
+            <a:alphaModFix/>
+          </a:blip>
+          <a:stretch>
+            <a:fillRect/>
+          </a:stretch>
+        </p:blipFill>
+        <p:spPr>
+          <a:xfrm>
+            <a:off x="0" y="2791750"/>
+            <a:ext cx="4527951" cy="2318600"/>
+          </a:xfrm>
+          <a:prstGeom prst="rect">
+            <a:avLst/>
+          </a:prstGeom>
+          <a:noFill/>
+          <a:ln>
+            <a:noFill/>
+          </a:ln>
+        </p:spPr>
+      </p:pic>
+      <p:pic>
+        <p:nvPicPr>
+          <p:cNvPr id="295" name="Google Shape;295;p36"/>
+          <p:cNvPicPr preferRelativeResize="0"/>
+          <p:nvPr/>
+        </p:nvPicPr>
+        <p:blipFill rotWithShape="1">
+          <a:blip r:embed="rId4">
+            <a:alphaModFix/>
+          </a:blip>
+          <a:srcRect b="0" l="0" r="-2827" t="0"/>
+          <a:stretch/>
+        </p:blipFill>
+        <p:spPr>
+          <a:xfrm>
+            <a:off x="2355825" y="0"/>
+            <a:ext cx="6715000" cy="2643849"/>
+          </a:xfrm>
+          <a:prstGeom prst="rect">
+            <a:avLst/>
+          </a:prstGeom>
+          <a:noFill/>
+          <a:ln>
+            <a:noFill/>
+          </a:ln>
+        </p:spPr>
+      </p:pic>
+    </p:spTree>
+  </p:cSld>
+  <p:clrMapOvr>
+    <a:masterClrMapping/>
+  </p:clrMapOvr>
+</p:sld>
+</file>
+
+<file path=ppt/slides/slide25.xml><?xml version="1.0" encoding="utf-8"?>
+<p:sld xmlns:a="http://schemas.openxmlformats.org/drawingml/2006/main" xmlns:r="http://schemas.openxmlformats.org/officeDocument/2006/relationships" xmlns:mc="http://schemas.openxmlformats.org/markup-compatibility/2006" xmlns:mv="urn:schemas-microsoft-com:mac:vml" xmlns:p="http://schemas.openxmlformats.org/presentationml/2006/main" xmlns:c="http://schemas.openxmlformats.org/drawingml/2006/chart" xmlns:dgm="http://schemas.openxmlformats.org/drawingml/2006/diagram" xmlns:o="urn:schemas-microsoft-com:office:office" xmlns:v="urn:schemas-microsoft-com:vml" xmlns:pvml="urn:schemas-microsoft-com:office:powerpoint" xmlns:com="http://schemas.openxmlformats.org/drawingml/2006/compatibility" xmlns:p14="http://schemas.microsoft.com/office/powerpoint/2010/main" xmlns:p15="http://schemas.microsoft.com/office/powerpoint/2012/main" xmlns:ahyp="http://schemas.microsoft.com/office/drawing/2018/hyperlinkcolor">
+  <p:cSld>
+    <p:spTree>
+      <p:nvGrpSpPr>
+        <p:cNvPr id="299" name="Shape 299"/>
+        <p:cNvGrpSpPr/>
+        <p:nvPr/>
+      </p:nvGrpSpPr>
+      <p:grpSpPr>
+        <a:xfrm>
+          <a:off x="0" y="0"/>
+          <a:ext cx="0" cy="0"/>
+          <a:chOff x="0" y="0"/>
+          <a:chExt cx="0" cy="0"/>
+        </a:xfrm>
+      </p:grpSpPr>
+      <p:sp>
+        <p:nvSpPr>
+          <p:cNvPr id="300" name="Google Shape;300;p37"/>
+          <p:cNvSpPr txBox="1"/>
+          <p:nvPr>
+            <p:ph type="title"/>
+          </p:nvPr>
+        </p:nvSpPr>
+        <p:spPr>
+          <a:xfrm>
+            <a:off x="311700" y="410000"/>
+            <a:ext cx="8520600" cy="607800"/>
+          </a:xfrm>
+          <a:prstGeom prst="rect">
+            <a:avLst/>
+          </a:prstGeom>
+        </p:spPr>
+        <p:txBody>
+          <a:bodyPr anchorCtr="0" anchor="t" bIns="91425" lIns="91425" spcFirstLastPara="1" rIns="91425" wrap="square" tIns="91425">
+            <a:noAutofit/>
+          </a:bodyPr>
+          <a:lstStyle/>
+          <a:p>
+            <a:pPr indent="0" lvl="0" marL="0" rtl="0" algn="l">
+              <a:spcBef>
+                <a:spcPts val="0"/>
+              </a:spcBef>
+              <a:spcAft>
+                <a:spcPts val="0"/>
+              </a:spcAft>
+              <a:buNone/>
+            </a:pPr>
+            <a:r>
+              <a:rPr lang="en"/>
+              <a:t>Employee Length</a:t>
+            </a:r>
+            <a:endParaRPr/>
+          </a:p>
+        </p:txBody>
+      </p:sp>
+      <p:sp>
+        <p:nvSpPr>
+          <p:cNvPr id="301" name="Google Shape;301;p37"/>
+          <p:cNvSpPr txBox="1"/>
+          <p:nvPr>
+            <p:ph idx="12" type="sldNum"/>
+          </p:nvPr>
+        </p:nvSpPr>
+        <p:spPr>
+          <a:xfrm>
+            <a:off x="8460431" y="4651190"/>
+            <a:ext cx="548700" cy="393600"/>
+          </a:xfrm>
+          <a:prstGeom prst="rect">
+            <a:avLst/>
+          </a:prstGeom>
+        </p:spPr>
+        <p:txBody>
+          <a:bodyPr anchorCtr="0" anchor="ctr" bIns="91425" lIns="91425" spcFirstLastPara="1" rIns="91425" wrap="square" tIns="91425">
+            <a:noAutofit/>
+          </a:bodyPr>
+          <a:lstStyle/>
+          <a:p>
+            <a:pPr indent="0" lvl="0" marL="0" rtl="0" algn="r">
+              <a:spcBef>
+                <a:spcPts val="0"/>
+              </a:spcBef>
+              <a:spcAft>
+                <a:spcPts val="0"/>
+              </a:spcAft>
+              <a:buNone/>
+            </a:pPr>
+            <a:fld id="{00000000-1234-1234-1234-123412341234}" type="slidenum">
+              <a:rPr lang="en"/>
+              <a:t>‹#›</a:t>
+            </a:fld>
+            <a:endParaRPr/>
+          </a:p>
+        </p:txBody>
+      </p:sp>
+      <p:pic>
+        <p:nvPicPr>
+          <p:cNvPr id="302" name="Google Shape;302;p37"/>
+          <p:cNvPicPr preferRelativeResize="0"/>
+          <p:nvPr/>
+        </p:nvPicPr>
+        <p:blipFill>
+          <a:blip r:embed="rId3">
+            <a:alphaModFix/>
+          </a:blip>
+          <a:stretch>
+            <a:fillRect/>
+          </a:stretch>
+        </p:blipFill>
+        <p:spPr>
+          <a:xfrm>
+            <a:off x="62300" y="2804425"/>
+            <a:ext cx="3654600" cy="2183875"/>
+          </a:xfrm>
+          <a:prstGeom prst="rect">
+            <a:avLst/>
+          </a:prstGeom>
+          <a:noFill/>
+          <a:ln>
+            <a:noFill/>
+          </a:ln>
+        </p:spPr>
+      </p:pic>
+      <p:pic>
+        <p:nvPicPr>
+          <p:cNvPr id="303" name="Google Shape;303;p37"/>
+          <p:cNvPicPr preferRelativeResize="0"/>
+          <p:nvPr/>
+        </p:nvPicPr>
+        <p:blipFill>
+          <a:blip r:embed="rId4">
+            <a:alphaModFix/>
+          </a:blip>
+          <a:stretch>
+            <a:fillRect/>
+          </a:stretch>
+        </p:blipFill>
+        <p:spPr>
+          <a:xfrm>
+            <a:off x="3626251" y="48125"/>
+            <a:ext cx="5476273" cy="2756301"/>
+          </a:xfrm>
+          <a:prstGeom prst="rect">
+            <a:avLst/>
+          </a:prstGeom>
+          <a:noFill/>
+          <a:ln>
+            <a:noFill/>
+          </a:ln>
+        </p:spPr>
+      </p:pic>
+    </p:spTree>
+  </p:cSld>
+  <p:clrMapOvr>
+    <a:masterClrMapping/>
+  </p:clrMapOvr>
+</p:sld>
+</file>
+
+<file path=ppt/slides/slide26.xml><?xml version="1.0" encoding="utf-8"?>
+<p:sld xmlns:a="http://schemas.openxmlformats.org/drawingml/2006/main" xmlns:r="http://schemas.openxmlformats.org/officeDocument/2006/relationships" xmlns:mc="http://schemas.openxmlformats.org/markup-compatibility/2006" xmlns:mv="urn:schemas-microsoft-com:mac:vml" xmlns:p="http://schemas.openxmlformats.org/presentationml/2006/main" xmlns:c="http://schemas.openxmlformats.org/drawingml/2006/chart" xmlns:dgm="http://schemas.openxmlformats.org/drawingml/2006/diagram" xmlns:o="urn:schemas-microsoft-com:office:office" xmlns:v="urn:schemas-microsoft-com:vml" xmlns:pvml="urn:schemas-microsoft-com:office:powerpoint" xmlns:com="http://schemas.openxmlformats.org/drawingml/2006/compatibility" xmlns:p14="http://schemas.microsoft.com/office/powerpoint/2010/main" xmlns:p15="http://schemas.microsoft.com/office/powerpoint/2012/main" xmlns:ahyp="http://schemas.microsoft.com/office/drawing/2018/hyperlinkcolor">
+  <p:cSld>
+    <p:spTree>
+      <p:nvGrpSpPr>
+        <p:cNvPr id="307" name="Shape 307"/>
+        <p:cNvGrpSpPr/>
+        <p:nvPr/>
+      </p:nvGrpSpPr>
+      <p:grpSpPr>
+        <a:xfrm>
+          <a:off x="0" y="0"/>
+          <a:ext cx="0" cy="0"/>
+          <a:chOff x="0" y="0"/>
+          <a:chExt cx="0" cy="0"/>
+        </a:xfrm>
+      </p:grpSpPr>
+      <p:sp>
+        <p:nvSpPr>
+          <p:cNvPr id="308" name="Google Shape;308;p38"/>
+          <p:cNvSpPr txBox="1"/>
+          <p:nvPr>
+            <p:ph type="title"/>
+          </p:nvPr>
+        </p:nvSpPr>
+        <p:spPr>
+          <a:xfrm>
+            <a:off x="311700" y="410000"/>
+            <a:ext cx="8520600" cy="607800"/>
+          </a:xfrm>
+          <a:prstGeom prst="rect">
+            <a:avLst/>
+          </a:prstGeom>
+        </p:spPr>
+        <p:txBody>
+          <a:bodyPr anchorCtr="0" anchor="t" bIns="91425" lIns="91425" spcFirstLastPara="1" rIns="91425" wrap="square" tIns="91425">
+            <a:noAutofit/>
+          </a:bodyPr>
+          <a:lstStyle/>
+          <a:p>
+            <a:pPr indent="0" lvl="0" marL="0" rtl="0" algn="l">
+              <a:spcBef>
+                <a:spcPts val="0"/>
+              </a:spcBef>
+              <a:spcAft>
+                <a:spcPts val="0"/>
+              </a:spcAft>
+              <a:buNone/>
+            </a:pPr>
+            <a:r>
+              <a:rPr lang="en"/>
+              <a:t>Home Ownership</a:t>
+            </a:r>
+            <a:endParaRPr/>
+          </a:p>
+        </p:txBody>
+      </p:sp>
+      <p:sp>
+        <p:nvSpPr>
+          <p:cNvPr id="309" name="Google Shape;309;p38"/>
+          <p:cNvSpPr txBox="1"/>
+          <p:nvPr>
+            <p:ph idx="12" type="sldNum"/>
+          </p:nvPr>
+        </p:nvSpPr>
+        <p:spPr>
+          <a:xfrm>
+            <a:off x="8460431" y="4651190"/>
+            <a:ext cx="548700" cy="393600"/>
+          </a:xfrm>
+          <a:prstGeom prst="rect">
+            <a:avLst/>
+          </a:prstGeom>
+        </p:spPr>
+        <p:txBody>
+          <a:bodyPr anchorCtr="0" anchor="ctr" bIns="91425" lIns="91425" spcFirstLastPara="1" rIns="91425" wrap="square" tIns="91425">
+            <a:noAutofit/>
+          </a:bodyPr>
+          <a:lstStyle/>
+          <a:p>
+            <a:pPr indent="0" lvl="0" marL="0" rtl="0" algn="r">
+              <a:spcBef>
+                <a:spcPts val="0"/>
+              </a:spcBef>
+              <a:spcAft>
+                <a:spcPts val="0"/>
+              </a:spcAft>
+              <a:buNone/>
+            </a:pPr>
+            <a:fld id="{00000000-1234-1234-1234-123412341234}" type="slidenum">
+              <a:rPr lang="en"/>
+              <a:t>‹#›</a:t>
+            </a:fld>
+            <a:endParaRPr/>
+          </a:p>
+        </p:txBody>
+      </p:sp>
+      <p:pic>
+        <p:nvPicPr>
+          <p:cNvPr id="310" name="Google Shape;310;p38"/>
+          <p:cNvPicPr preferRelativeResize="0"/>
+          <p:nvPr/>
+        </p:nvPicPr>
+        <p:blipFill>
+          <a:blip r:embed="rId3">
+            <a:alphaModFix/>
+          </a:blip>
+          <a:stretch>
+            <a:fillRect/>
+          </a:stretch>
+        </p:blipFill>
+        <p:spPr>
+          <a:xfrm>
+            <a:off x="76175" y="2802644"/>
+            <a:ext cx="3696175" cy="2205006"/>
+          </a:xfrm>
+          <a:prstGeom prst="rect">
+            <a:avLst/>
+          </a:prstGeom>
+          <a:noFill/>
+          <a:ln>
+            <a:noFill/>
+          </a:ln>
+        </p:spPr>
+      </p:pic>
+      <p:pic>
+        <p:nvPicPr>
+          <p:cNvPr id="311" name="Google Shape;311;p38"/>
+          <p:cNvPicPr preferRelativeResize="0"/>
+          <p:nvPr/>
+        </p:nvPicPr>
+        <p:blipFill>
+          <a:blip r:embed="rId4">
+            <a:alphaModFix/>
+          </a:blip>
+          <a:stretch>
+            <a:fillRect/>
+          </a:stretch>
+        </p:blipFill>
+        <p:spPr>
+          <a:xfrm>
+            <a:off x="3510477" y="228000"/>
+            <a:ext cx="5430774" cy="2574650"/>
+          </a:xfrm>
+          <a:prstGeom prst="rect">
+            <a:avLst/>
+          </a:prstGeom>
+          <a:noFill/>
+          <a:ln>
+            <a:noFill/>
+          </a:ln>
+        </p:spPr>
+      </p:pic>
+    </p:spTree>
+  </p:cSld>
+  <p:clrMapOvr>
+    <a:masterClrMapping/>
+  </p:clrMapOvr>
+</p:sld>
+</file>
+
+<file path=ppt/slides/slide27.xml><?xml version="1.0" encoding="utf-8"?>
+<p:sld xmlns:a="http://schemas.openxmlformats.org/drawingml/2006/main" xmlns:r="http://schemas.openxmlformats.org/officeDocument/2006/relationships" xmlns:mc="http://schemas.openxmlformats.org/markup-compatibility/2006" xmlns:mv="urn:schemas-microsoft-com:mac:vml" xmlns:p="http://schemas.openxmlformats.org/presentationml/2006/main" xmlns:c="http://schemas.openxmlformats.org/drawingml/2006/chart" xmlns:dgm="http://schemas.openxmlformats.org/drawingml/2006/diagram" xmlns:o="urn:schemas-microsoft-com:office:office" xmlns:v="urn:schemas-microsoft-com:vml" xmlns:pvml="urn:schemas-microsoft-com:office:powerpoint" xmlns:com="http://schemas.openxmlformats.org/drawingml/2006/compatibility" xmlns:p14="http://schemas.microsoft.com/office/powerpoint/2010/main" xmlns:p15="http://schemas.microsoft.com/office/powerpoint/2012/main" xmlns:ahyp="http://schemas.microsoft.com/office/drawing/2018/hyperlinkcolor">
+  <p:cSld>
+    <p:spTree>
+      <p:nvGrpSpPr>
+        <p:cNvPr id="315" name="Shape 315"/>
+        <p:cNvGrpSpPr/>
+        <p:nvPr/>
+      </p:nvGrpSpPr>
+      <p:grpSpPr>
+        <a:xfrm>
+          <a:off x="0" y="0"/>
+          <a:ext cx="0" cy="0"/>
+          <a:chOff x="0" y="0"/>
+          <a:chExt cx="0" cy="0"/>
+        </a:xfrm>
+      </p:grpSpPr>
+      <p:sp>
+        <p:nvSpPr>
+          <p:cNvPr id="316" name="Google Shape;316;p39"/>
+          <p:cNvSpPr txBox="1"/>
+          <p:nvPr>
+            <p:ph type="title"/>
+          </p:nvPr>
+        </p:nvSpPr>
+        <p:spPr>
+          <a:xfrm>
+            <a:off x="311700" y="410000"/>
+            <a:ext cx="8520600" cy="607800"/>
+          </a:xfrm>
+          <a:prstGeom prst="rect">
+            <a:avLst/>
+          </a:prstGeom>
+        </p:spPr>
+        <p:txBody>
+          <a:bodyPr anchorCtr="0" anchor="t" bIns="91425" lIns="91425" spcFirstLastPara="1" rIns="91425" wrap="square" tIns="91425">
+            <a:noAutofit/>
+          </a:bodyPr>
+          <a:lstStyle/>
+          <a:p>
+            <a:pPr indent="0" lvl="0" marL="0" rtl="0" algn="l">
+              <a:spcBef>
+                <a:spcPts val="0"/>
+              </a:spcBef>
+              <a:spcAft>
+                <a:spcPts val="0"/>
+              </a:spcAft>
+              <a:buNone/>
+            </a:pPr>
+            <a:r>
+              <a:rPr lang="en"/>
+              <a:t>Verification Status</a:t>
+            </a:r>
+            <a:endParaRPr/>
+          </a:p>
+        </p:txBody>
+      </p:sp>
+      <p:sp>
+        <p:nvSpPr>
+          <p:cNvPr id="317" name="Google Shape;317;p39"/>
+          <p:cNvSpPr txBox="1"/>
+          <p:nvPr>
+            <p:ph idx="12" type="sldNum"/>
+          </p:nvPr>
+        </p:nvSpPr>
+        <p:spPr>
+          <a:xfrm>
+            <a:off x="8460431" y="4651190"/>
+            <a:ext cx="548700" cy="393600"/>
+          </a:xfrm>
+          <a:prstGeom prst="rect">
+            <a:avLst/>
+          </a:prstGeom>
+        </p:spPr>
+        <p:txBody>
+          <a:bodyPr anchorCtr="0" anchor="ctr" bIns="91425" lIns="91425" spcFirstLastPara="1" rIns="91425" wrap="square" tIns="91425">
+            <a:noAutofit/>
+          </a:bodyPr>
+          <a:lstStyle/>
+          <a:p>
+            <a:pPr indent="0" lvl="0" marL="0" rtl="0" algn="r">
+              <a:spcBef>
+                <a:spcPts val="0"/>
+              </a:spcBef>
+              <a:spcAft>
+                <a:spcPts val="0"/>
+              </a:spcAft>
+              <a:buNone/>
+            </a:pPr>
+            <a:fld id="{00000000-1234-1234-1234-123412341234}" type="slidenum">
+              <a:rPr lang="en"/>
+              <a:t>‹#›</a:t>
+            </a:fld>
+            <a:endParaRPr/>
+          </a:p>
+        </p:txBody>
+      </p:sp>
+      <p:pic>
+        <p:nvPicPr>
+          <p:cNvPr id="318" name="Google Shape;318;p39"/>
+          <p:cNvPicPr preferRelativeResize="0"/>
+          <p:nvPr/>
+        </p:nvPicPr>
+        <p:blipFill>
+          <a:blip r:embed="rId3">
+            <a:alphaModFix/>
+          </a:blip>
+          <a:stretch>
+            <a:fillRect/>
+          </a:stretch>
+        </p:blipFill>
+        <p:spPr>
+          <a:xfrm>
+            <a:off x="34550" y="2730350"/>
+            <a:ext cx="4216124" cy="2364749"/>
+          </a:xfrm>
+          <a:prstGeom prst="rect">
+            <a:avLst/>
+          </a:prstGeom>
+          <a:noFill/>
+          <a:ln>
+            <a:noFill/>
+          </a:ln>
+        </p:spPr>
+      </p:pic>
+      <p:pic>
+        <p:nvPicPr>
+          <p:cNvPr id="319" name="Google Shape;319;p39"/>
+          <p:cNvPicPr preferRelativeResize="0"/>
+          <p:nvPr/>
+        </p:nvPicPr>
+        <p:blipFill>
+          <a:blip r:embed="rId4">
+            <a:alphaModFix/>
+          </a:blip>
+          <a:stretch>
+            <a:fillRect/>
+          </a:stretch>
+        </p:blipFill>
+        <p:spPr>
+          <a:xfrm>
+            <a:off x="3525500" y="203600"/>
+            <a:ext cx="5537224" cy="2526749"/>
+          </a:xfrm>
+          <a:prstGeom prst="rect">
+            <a:avLst/>
+          </a:prstGeom>
+          <a:noFill/>
+          <a:ln>
+            <a:noFill/>
+          </a:ln>
+        </p:spPr>
+      </p:pic>
+    </p:spTree>
+  </p:cSld>
+  <p:clrMapOvr>
+    <a:masterClrMapping/>
+  </p:clrMapOvr>
+</p:sld>
+</file>
+
+<file path=ppt/slides/slide28.xml><?xml version="1.0" encoding="utf-8"?>
+<p:sld xmlns:a="http://schemas.openxmlformats.org/drawingml/2006/main" xmlns:r="http://schemas.openxmlformats.org/officeDocument/2006/relationships" xmlns:mc="http://schemas.openxmlformats.org/markup-compatibility/2006" xmlns:mv="urn:schemas-microsoft-com:mac:vml" xmlns:p="http://schemas.openxmlformats.org/presentationml/2006/main" xmlns:c="http://schemas.openxmlformats.org/drawingml/2006/chart" xmlns:dgm="http://schemas.openxmlformats.org/drawingml/2006/diagram" xmlns:o="urn:schemas-microsoft-com:office:office" xmlns:v="urn:schemas-microsoft-com:vml" xmlns:pvml="urn:schemas-microsoft-com:office:powerpoint" xmlns:com="http://schemas.openxmlformats.org/drawingml/2006/compatibility" xmlns:p14="http://schemas.microsoft.com/office/powerpoint/2010/main" xmlns:p15="http://schemas.microsoft.com/office/powerpoint/2012/main" xmlns:ahyp="http://schemas.microsoft.com/office/drawing/2018/hyperlinkcolor">
+  <p:cSld>
+    <p:spTree>
+      <p:nvGrpSpPr>
+        <p:cNvPr id="323" name="Shape 323"/>
+        <p:cNvGrpSpPr/>
+        <p:nvPr/>
+      </p:nvGrpSpPr>
+      <p:grpSpPr>
+        <a:xfrm>
+          <a:off x="0" y="0"/>
+          <a:ext cx="0" cy="0"/>
+          <a:chOff x="0" y="0"/>
+          <a:chExt cx="0" cy="0"/>
+        </a:xfrm>
+      </p:grpSpPr>
+      <p:sp>
+        <p:nvSpPr>
+          <p:cNvPr id="324" name="Google Shape;324;p40"/>
+          <p:cNvSpPr txBox="1"/>
+          <p:nvPr>
+            <p:ph type="title"/>
+          </p:nvPr>
+        </p:nvSpPr>
+        <p:spPr>
+          <a:xfrm>
+            <a:off x="311700" y="410000"/>
+            <a:ext cx="8520600" cy="607800"/>
+          </a:xfrm>
+          <a:prstGeom prst="rect">
+            <a:avLst/>
+          </a:prstGeom>
+        </p:spPr>
+        <p:txBody>
+          <a:bodyPr anchorCtr="0" anchor="t" bIns="91425" lIns="91425" spcFirstLastPara="1" rIns="91425" wrap="square" tIns="91425">
+            <a:noAutofit/>
+          </a:bodyPr>
+          <a:lstStyle/>
+          <a:p>
+            <a:pPr indent="0" lvl="0" marL="0" rtl="0" algn="l">
+              <a:spcBef>
+                <a:spcPts val="0"/>
+              </a:spcBef>
+              <a:spcAft>
+                <a:spcPts val="0"/>
+              </a:spcAft>
+              <a:buNone/>
+            </a:pPr>
+            <a:r>
+              <a:rPr lang="en"/>
+              <a:t>Purpose</a:t>
+            </a:r>
+            <a:endParaRPr/>
+          </a:p>
+        </p:txBody>
+      </p:sp>
+      <p:sp>
+        <p:nvSpPr>
+          <p:cNvPr id="325" name="Google Shape;325;p40"/>
+          <p:cNvSpPr txBox="1"/>
+          <p:nvPr>
+            <p:ph idx="12" type="sldNum"/>
+          </p:nvPr>
+        </p:nvSpPr>
+        <p:spPr>
+          <a:xfrm>
+            <a:off x="8460431" y="4651190"/>
+            <a:ext cx="548700" cy="393600"/>
+          </a:xfrm>
+          <a:prstGeom prst="rect">
+            <a:avLst/>
+          </a:prstGeom>
+        </p:spPr>
+        <p:txBody>
+          <a:bodyPr anchorCtr="0" anchor="ctr" bIns="91425" lIns="91425" spcFirstLastPara="1" rIns="91425" wrap="square" tIns="91425">
+            <a:noAutofit/>
+          </a:bodyPr>
+          <a:lstStyle/>
+          <a:p>
+            <a:pPr indent="0" lvl="0" marL="0" rtl="0" algn="r">
+              <a:spcBef>
+                <a:spcPts val="0"/>
+              </a:spcBef>
+              <a:spcAft>
+                <a:spcPts val="0"/>
+              </a:spcAft>
+              <a:buNone/>
+            </a:pPr>
+            <a:fld id="{00000000-1234-1234-1234-123412341234}" type="slidenum">
+              <a:rPr lang="en"/>
+              <a:t>‹#›</a:t>
+            </a:fld>
+            <a:endParaRPr/>
+          </a:p>
+        </p:txBody>
+      </p:sp>
+      <p:pic>
+        <p:nvPicPr>
+          <p:cNvPr id="326" name="Google Shape;326;p40"/>
+          <p:cNvPicPr preferRelativeResize="0"/>
+          <p:nvPr/>
+        </p:nvPicPr>
+        <p:blipFill>
+          <a:blip r:embed="rId3">
+            <a:alphaModFix/>
+          </a:blip>
+          <a:stretch>
+            <a:fillRect/>
+          </a:stretch>
+        </p:blipFill>
+        <p:spPr>
+          <a:xfrm>
+            <a:off x="138525" y="2620850"/>
+            <a:ext cx="3966575" cy="2382350"/>
+          </a:xfrm>
+          <a:prstGeom prst="rect">
+            <a:avLst/>
+          </a:prstGeom>
+          <a:noFill/>
+          <a:ln>
+            <a:noFill/>
+          </a:ln>
+        </p:spPr>
+      </p:pic>
+      <p:pic>
+        <p:nvPicPr>
+          <p:cNvPr id="327" name="Google Shape;327;p40"/>
+          <p:cNvPicPr preferRelativeResize="0"/>
+          <p:nvPr/>
+        </p:nvPicPr>
+        <p:blipFill>
+          <a:blip r:embed="rId4">
+            <a:alphaModFix/>
+          </a:blip>
+          <a:stretch>
+            <a:fillRect/>
+          </a:stretch>
+        </p:blipFill>
+        <p:spPr>
+          <a:xfrm>
+            <a:off x="2254275" y="61100"/>
+            <a:ext cx="6723473" cy="2619849"/>
+          </a:xfrm>
+          <a:prstGeom prst="rect">
+            <a:avLst/>
+          </a:prstGeom>
+          <a:noFill/>
+          <a:ln>
+            <a:noFill/>
+          </a:ln>
+        </p:spPr>
+      </p:pic>
+    </p:spTree>
+  </p:cSld>
+  <p:clrMapOvr>
+    <a:masterClrMapping/>
+  </p:clrMapOvr>
+</p:sld>
+</file>
+
+<file path=ppt/slides/slide29.xml><?xml version="1.0" encoding="utf-8"?>
+<p:sld xmlns:a="http://schemas.openxmlformats.org/drawingml/2006/main" xmlns:r="http://schemas.openxmlformats.org/officeDocument/2006/relationships" xmlns:mc="http://schemas.openxmlformats.org/markup-compatibility/2006" xmlns:mv="urn:schemas-microsoft-com:mac:vml" xmlns:p="http://schemas.openxmlformats.org/presentationml/2006/main" xmlns:c="http://schemas.openxmlformats.org/drawingml/2006/chart" xmlns:dgm="http://schemas.openxmlformats.org/drawingml/2006/diagram" xmlns:o="urn:schemas-microsoft-com:office:office" xmlns:v="urn:schemas-microsoft-com:vml" xmlns:pvml="urn:schemas-microsoft-com:office:powerpoint" xmlns:com="http://schemas.openxmlformats.org/drawingml/2006/compatibility" xmlns:p14="http://schemas.microsoft.com/office/powerpoint/2010/main" xmlns:p15="http://schemas.microsoft.com/office/powerpoint/2012/main" xmlns:ahyp="http://schemas.microsoft.com/office/drawing/2018/hyperlinkcolor">
+  <p:cSld>
+    <p:spTree>
+      <p:nvGrpSpPr>
+        <p:cNvPr id="331" name="Shape 331"/>
+        <p:cNvGrpSpPr/>
+        <p:nvPr/>
+      </p:nvGrpSpPr>
+      <p:grpSpPr>
+        <a:xfrm>
+          <a:off x="0" y="0"/>
+          <a:ext cx="0" cy="0"/>
+          <a:chOff x="0" y="0"/>
+          <a:chExt cx="0" cy="0"/>
+        </a:xfrm>
+      </p:grpSpPr>
+      <p:sp>
+        <p:nvSpPr>
+          <p:cNvPr id="332" name="Google Shape;332;p41"/>
+          <p:cNvSpPr txBox="1"/>
+          <p:nvPr>
+            <p:ph type="title"/>
+          </p:nvPr>
+        </p:nvSpPr>
+        <p:spPr>
+          <a:xfrm>
+            <a:off x="311700" y="410000"/>
+            <a:ext cx="8520600" cy="607800"/>
+          </a:xfrm>
+          <a:prstGeom prst="rect">
+            <a:avLst/>
+          </a:prstGeom>
+        </p:spPr>
+        <p:txBody>
+          <a:bodyPr anchorCtr="0" anchor="t" bIns="91425" lIns="91425" spcFirstLastPara="1" rIns="91425" wrap="square" tIns="91425">
+            <a:noAutofit/>
+          </a:bodyPr>
+          <a:lstStyle/>
+          <a:p>
+            <a:pPr indent="0" lvl="0" marL="0" rtl="0" algn="l">
+              <a:spcBef>
+                <a:spcPts val="0"/>
+              </a:spcBef>
+              <a:spcAft>
+                <a:spcPts val="0"/>
+              </a:spcAft>
+              <a:buNone/>
+            </a:pPr>
+            <a:r>
+              <a:rPr lang="en"/>
+              <a:t>Address State</a:t>
+            </a:r>
+            <a:endParaRPr/>
+          </a:p>
+        </p:txBody>
+      </p:sp>
+      <p:sp>
+        <p:nvSpPr>
+          <p:cNvPr id="333" name="Google Shape;333;p41"/>
+          <p:cNvSpPr txBox="1"/>
+          <p:nvPr>
+            <p:ph idx="12" type="sldNum"/>
+          </p:nvPr>
+        </p:nvSpPr>
+        <p:spPr>
+          <a:xfrm>
+            <a:off x="8460431" y="4651190"/>
+            <a:ext cx="548700" cy="393600"/>
+          </a:xfrm>
+          <a:prstGeom prst="rect">
+            <a:avLst/>
+          </a:prstGeom>
+        </p:spPr>
+        <p:txBody>
+          <a:bodyPr anchorCtr="0" anchor="ctr" bIns="91425" lIns="91425" spcFirstLastPara="1" rIns="91425" wrap="square" tIns="91425">
+            <a:noAutofit/>
+          </a:bodyPr>
+          <a:lstStyle/>
+          <a:p>
+            <a:pPr indent="0" lvl="0" marL="0" rtl="0" algn="r">
+              <a:spcBef>
+                <a:spcPts val="0"/>
+              </a:spcBef>
+              <a:spcAft>
+                <a:spcPts val="0"/>
+              </a:spcAft>
+              <a:buNone/>
+            </a:pPr>
+            <a:fld id="{00000000-1234-1234-1234-123412341234}" type="slidenum">
+              <a:rPr lang="en"/>
+              <a:t>‹#›</a:t>
+            </a:fld>
+            <a:endParaRPr/>
+          </a:p>
+        </p:txBody>
+      </p:sp>
+      <p:pic>
+        <p:nvPicPr>
+          <p:cNvPr id="334" name="Google Shape;334;p41"/>
+          <p:cNvPicPr preferRelativeResize="0"/>
+          <p:nvPr/>
+        </p:nvPicPr>
+        <p:blipFill>
+          <a:blip r:embed="rId3">
+            <a:alphaModFix/>
+          </a:blip>
+          <a:stretch>
+            <a:fillRect/>
+          </a:stretch>
+        </p:blipFill>
+        <p:spPr>
+          <a:xfrm>
+            <a:off x="62275" y="2824775"/>
+            <a:ext cx="4132925" cy="2220025"/>
+          </a:xfrm>
+          <a:prstGeom prst="rect">
+            <a:avLst/>
+          </a:prstGeom>
+          <a:noFill/>
+          <a:ln>
+            <a:noFill/>
+          </a:ln>
+        </p:spPr>
+      </p:pic>
+      <p:pic>
+        <p:nvPicPr>
+          <p:cNvPr id="335" name="Google Shape;335;p41"/>
+          <p:cNvPicPr preferRelativeResize="0"/>
+          <p:nvPr/>
+        </p:nvPicPr>
+        <p:blipFill>
+          <a:blip r:embed="rId4">
+            <a:alphaModFix/>
+          </a:blip>
+          <a:stretch>
+            <a:fillRect/>
+          </a:stretch>
+        </p:blipFill>
+        <p:spPr>
+          <a:xfrm>
+            <a:off x="2836550" y="44500"/>
+            <a:ext cx="6254300" cy="2828100"/>
+          </a:xfrm>
+          <a:prstGeom prst="rect">
+            <a:avLst/>
+          </a:prstGeom>
+          <a:noFill/>
+          <a:ln>
+            <a:noFill/>
+          </a:ln>
+        </p:spPr>
+      </p:pic>
     </p:spTree>
   </p:cSld>
   <p:clrMapOvr>
@@ -13443,6 +17795,1795 @@
 </p:sld>
 </file>
 
+<file path=ppt/slides/slide30.xml><?xml version="1.0" encoding="utf-8"?>
+<p:sld xmlns:a="http://schemas.openxmlformats.org/drawingml/2006/main" xmlns:r="http://schemas.openxmlformats.org/officeDocument/2006/relationships" xmlns:mc="http://schemas.openxmlformats.org/markup-compatibility/2006" xmlns:mv="urn:schemas-microsoft-com:mac:vml" xmlns:p="http://schemas.openxmlformats.org/presentationml/2006/main" xmlns:c="http://schemas.openxmlformats.org/drawingml/2006/chart" xmlns:dgm="http://schemas.openxmlformats.org/drawingml/2006/diagram" xmlns:o="urn:schemas-microsoft-com:office:office" xmlns:v="urn:schemas-microsoft-com:vml" xmlns:pvml="urn:schemas-microsoft-com:office:powerpoint" xmlns:com="http://schemas.openxmlformats.org/drawingml/2006/compatibility" xmlns:p14="http://schemas.microsoft.com/office/powerpoint/2010/main" xmlns:p15="http://schemas.microsoft.com/office/powerpoint/2012/main" xmlns:ahyp="http://schemas.microsoft.com/office/drawing/2018/hyperlinkcolor">
+  <p:cSld>
+    <p:spTree>
+      <p:nvGrpSpPr>
+        <p:cNvPr id="339" name="Shape 339"/>
+        <p:cNvGrpSpPr/>
+        <p:nvPr/>
+      </p:nvGrpSpPr>
+      <p:grpSpPr>
+        <a:xfrm>
+          <a:off x="0" y="0"/>
+          <a:ext cx="0" cy="0"/>
+          <a:chOff x="0" y="0"/>
+          <a:chExt cx="0" cy="0"/>
+        </a:xfrm>
+      </p:grpSpPr>
+      <p:sp>
+        <p:nvSpPr>
+          <p:cNvPr id="340" name="Google Shape;340;p42"/>
+          <p:cNvSpPr txBox="1"/>
+          <p:nvPr>
+            <p:ph type="title"/>
+          </p:nvPr>
+        </p:nvSpPr>
+        <p:spPr>
+          <a:xfrm>
+            <a:off x="311700" y="410000"/>
+            <a:ext cx="8520600" cy="607800"/>
+          </a:xfrm>
+          <a:prstGeom prst="rect">
+            <a:avLst/>
+          </a:prstGeom>
+        </p:spPr>
+        <p:txBody>
+          <a:bodyPr anchorCtr="0" anchor="t" bIns="91425" lIns="91425" spcFirstLastPara="1" rIns="91425" wrap="square" tIns="91425">
+            <a:noAutofit/>
+          </a:bodyPr>
+          <a:lstStyle/>
+          <a:p>
+            <a:pPr indent="0" lvl="0" marL="0" rtl="0" algn="l">
+              <a:spcBef>
+                <a:spcPts val="0"/>
+              </a:spcBef>
+              <a:spcAft>
+                <a:spcPts val="0"/>
+              </a:spcAft>
+              <a:buNone/>
+            </a:pPr>
+            <a:r>
+              <a:rPr lang="en"/>
+              <a:t>D</a:t>
+            </a:r>
+            <a:r>
+              <a:rPr lang="en"/>
+              <a:t>elinquency</a:t>
+            </a:r>
+            <a:endParaRPr/>
+          </a:p>
+        </p:txBody>
+      </p:sp>
+      <p:sp>
+        <p:nvSpPr>
+          <p:cNvPr id="341" name="Google Shape;341;p42"/>
+          <p:cNvSpPr txBox="1"/>
+          <p:nvPr>
+            <p:ph idx="12" type="sldNum"/>
+          </p:nvPr>
+        </p:nvSpPr>
+        <p:spPr>
+          <a:xfrm>
+            <a:off x="8460431" y="4651190"/>
+            <a:ext cx="548700" cy="393600"/>
+          </a:xfrm>
+          <a:prstGeom prst="rect">
+            <a:avLst/>
+          </a:prstGeom>
+        </p:spPr>
+        <p:txBody>
+          <a:bodyPr anchorCtr="0" anchor="ctr" bIns="91425" lIns="91425" spcFirstLastPara="1" rIns="91425" wrap="square" tIns="91425">
+            <a:noAutofit/>
+          </a:bodyPr>
+          <a:lstStyle/>
+          <a:p>
+            <a:pPr indent="0" lvl="0" marL="0" rtl="0" algn="r">
+              <a:spcBef>
+                <a:spcPts val="0"/>
+              </a:spcBef>
+              <a:spcAft>
+                <a:spcPts val="0"/>
+              </a:spcAft>
+              <a:buNone/>
+            </a:pPr>
+            <a:fld id="{00000000-1234-1234-1234-123412341234}" type="slidenum">
+              <a:rPr lang="en"/>
+              <a:t>‹#›</a:t>
+            </a:fld>
+            <a:endParaRPr/>
+          </a:p>
+        </p:txBody>
+      </p:sp>
+      <p:pic>
+        <p:nvPicPr>
+          <p:cNvPr id="342" name="Google Shape;342;p42"/>
+          <p:cNvPicPr preferRelativeResize="0"/>
+          <p:nvPr/>
+        </p:nvPicPr>
+        <p:blipFill>
+          <a:blip r:embed="rId3">
+            <a:alphaModFix/>
+          </a:blip>
+          <a:stretch>
+            <a:fillRect/>
+          </a:stretch>
+        </p:blipFill>
+        <p:spPr>
+          <a:xfrm>
+            <a:off x="152400" y="2631450"/>
+            <a:ext cx="3952701" cy="2359650"/>
+          </a:xfrm>
+          <a:prstGeom prst="rect">
+            <a:avLst/>
+          </a:prstGeom>
+          <a:noFill/>
+          <a:ln>
+            <a:noFill/>
+          </a:ln>
+        </p:spPr>
+      </p:pic>
+      <p:pic>
+        <p:nvPicPr>
+          <p:cNvPr id="343" name="Google Shape;343;p42"/>
+          <p:cNvPicPr preferRelativeResize="0"/>
+          <p:nvPr/>
+        </p:nvPicPr>
+        <p:blipFill>
+          <a:blip r:embed="rId4">
+            <a:alphaModFix/>
+          </a:blip>
+          <a:stretch>
+            <a:fillRect/>
+          </a:stretch>
+        </p:blipFill>
+        <p:spPr>
+          <a:xfrm>
+            <a:off x="2577275" y="63650"/>
+            <a:ext cx="6476823" cy="2607924"/>
+          </a:xfrm>
+          <a:prstGeom prst="rect">
+            <a:avLst/>
+          </a:prstGeom>
+          <a:noFill/>
+          <a:ln>
+            <a:noFill/>
+          </a:ln>
+        </p:spPr>
+      </p:pic>
+    </p:spTree>
+  </p:cSld>
+  <p:clrMapOvr>
+    <a:masterClrMapping/>
+  </p:clrMapOvr>
+</p:sld>
+</file>
+
+<file path=ppt/slides/slide31.xml><?xml version="1.0" encoding="utf-8"?>
+<p:sld xmlns:a="http://schemas.openxmlformats.org/drawingml/2006/main" xmlns:r="http://schemas.openxmlformats.org/officeDocument/2006/relationships" xmlns:mc="http://schemas.openxmlformats.org/markup-compatibility/2006" xmlns:mv="urn:schemas-microsoft-com:mac:vml" xmlns:p="http://schemas.openxmlformats.org/presentationml/2006/main" xmlns:c="http://schemas.openxmlformats.org/drawingml/2006/chart" xmlns:dgm="http://schemas.openxmlformats.org/drawingml/2006/diagram" xmlns:o="urn:schemas-microsoft-com:office:office" xmlns:v="urn:schemas-microsoft-com:vml" xmlns:pvml="urn:schemas-microsoft-com:office:powerpoint" xmlns:com="http://schemas.openxmlformats.org/drawingml/2006/compatibility" xmlns:p14="http://schemas.microsoft.com/office/powerpoint/2010/main" xmlns:p15="http://schemas.microsoft.com/office/powerpoint/2012/main" xmlns:ahyp="http://schemas.microsoft.com/office/drawing/2018/hyperlinkcolor">
+  <p:cSld>
+    <p:spTree>
+      <p:nvGrpSpPr>
+        <p:cNvPr id="347" name="Shape 347"/>
+        <p:cNvGrpSpPr/>
+        <p:nvPr/>
+      </p:nvGrpSpPr>
+      <p:grpSpPr>
+        <a:xfrm>
+          <a:off x="0" y="0"/>
+          <a:ext cx="0" cy="0"/>
+          <a:chOff x="0" y="0"/>
+          <a:chExt cx="0" cy="0"/>
+        </a:xfrm>
+      </p:grpSpPr>
+      <p:sp>
+        <p:nvSpPr>
+          <p:cNvPr id="348" name="Google Shape;348;p43"/>
+          <p:cNvSpPr txBox="1"/>
+          <p:nvPr>
+            <p:ph type="title"/>
+          </p:nvPr>
+        </p:nvSpPr>
+        <p:spPr>
+          <a:xfrm>
+            <a:off x="242375" y="195125"/>
+            <a:ext cx="8520600" cy="607800"/>
+          </a:xfrm>
+          <a:prstGeom prst="rect">
+            <a:avLst/>
+          </a:prstGeom>
+        </p:spPr>
+        <p:txBody>
+          <a:bodyPr anchorCtr="0" anchor="t" bIns="91425" lIns="91425" spcFirstLastPara="1" rIns="91425" wrap="square" tIns="91425">
+            <a:noAutofit/>
+          </a:bodyPr>
+          <a:lstStyle/>
+          <a:p>
+            <a:pPr indent="0" lvl="0" marL="0" rtl="0" algn="l">
+              <a:spcBef>
+                <a:spcPts val="0"/>
+              </a:spcBef>
+              <a:spcAft>
+                <a:spcPts val="0"/>
+              </a:spcAft>
+              <a:buNone/>
+            </a:pPr>
+            <a:r>
+              <a:rPr lang="en"/>
+              <a:t>Inquiry Last 6 months</a:t>
+            </a:r>
+            <a:r>
+              <a:rPr lang="en"/>
+              <a:t> </a:t>
+            </a:r>
+            <a:endParaRPr/>
+          </a:p>
+        </p:txBody>
+      </p:sp>
+      <p:sp>
+        <p:nvSpPr>
+          <p:cNvPr id="349" name="Google Shape;349;p43"/>
+          <p:cNvSpPr txBox="1"/>
+          <p:nvPr>
+            <p:ph idx="12" type="sldNum"/>
+          </p:nvPr>
+        </p:nvSpPr>
+        <p:spPr>
+          <a:xfrm>
+            <a:off x="8460431" y="4651190"/>
+            <a:ext cx="548700" cy="393600"/>
+          </a:xfrm>
+          <a:prstGeom prst="rect">
+            <a:avLst/>
+          </a:prstGeom>
+        </p:spPr>
+        <p:txBody>
+          <a:bodyPr anchorCtr="0" anchor="ctr" bIns="91425" lIns="91425" spcFirstLastPara="1" rIns="91425" wrap="square" tIns="91425">
+            <a:noAutofit/>
+          </a:bodyPr>
+          <a:lstStyle/>
+          <a:p>
+            <a:pPr indent="0" lvl="0" marL="0" rtl="0" algn="r">
+              <a:spcBef>
+                <a:spcPts val="0"/>
+              </a:spcBef>
+              <a:spcAft>
+                <a:spcPts val="0"/>
+              </a:spcAft>
+              <a:buNone/>
+            </a:pPr>
+            <a:fld id="{00000000-1234-1234-1234-123412341234}" type="slidenum">
+              <a:rPr lang="en"/>
+              <a:t>‹#›</a:t>
+            </a:fld>
+            <a:endParaRPr/>
+          </a:p>
+        </p:txBody>
+      </p:sp>
+      <p:pic>
+        <p:nvPicPr>
+          <p:cNvPr id="350" name="Google Shape;350;p43"/>
+          <p:cNvPicPr preferRelativeResize="0"/>
+          <p:nvPr/>
+        </p:nvPicPr>
+        <p:blipFill>
+          <a:blip r:embed="rId3">
+            <a:alphaModFix/>
+          </a:blip>
+          <a:stretch>
+            <a:fillRect/>
+          </a:stretch>
+        </p:blipFill>
+        <p:spPr>
+          <a:xfrm>
+            <a:off x="110825" y="2895225"/>
+            <a:ext cx="3654600" cy="2047375"/>
+          </a:xfrm>
+          <a:prstGeom prst="rect">
+            <a:avLst/>
+          </a:prstGeom>
+          <a:noFill/>
+          <a:ln>
+            <a:noFill/>
+          </a:ln>
+        </p:spPr>
+      </p:pic>
+      <p:pic>
+        <p:nvPicPr>
+          <p:cNvPr id="351" name="Google Shape;351;p43"/>
+          <p:cNvPicPr preferRelativeResize="0"/>
+          <p:nvPr/>
+        </p:nvPicPr>
+        <p:blipFill>
+          <a:blip r:embed="rId4">
+            <a:alphaModFix/>
+          </a:blip>
+          <a:stretch>
+            <a:fillRect/>
+          </a:stretch>
+        </p:blipFill>
+        <p:spPr>
+          <a:xfrm>
+            <a:off x="3838975" y="720200"/>
+            <a:ext cx="5339700" cy="2478201"/>
+          </a:xfrm>
+          <a:prstGeom prst="rect">
+            <a:avLst/>
+          </a:prstGeom>
+          <a:noFill/>
+          <a:ln>
+            <a:noFill/>
+          </a:ln>
+        </p:spPr>
+      </p:pic>
+    </p:spTree>
+  </p:cSld>
+  <p:clrMapOvr>
+    <a:masterClrMapping/>
+  </p:clrMapOvr>
+</p:sld>
+</file>
+
+<file path=ppt/slides/slide32.xml><?xml version="1.0" encoding="utf-8"?>
+<p:sld xmlns:a="http://schemas.openxmlformats.org/drawingml/2006/main" xmlns:r="http://schemas.openxmlformats.org/officeDocument/2006/relationships" xmlns:mc="http://schemas.openxmlformats.org/markup-compatibility/2006" xmlns:mv="urn:schemas-microsoft-com:mac:vml" xmlns:p="http://schemas.openxmlformats.org/presentationml/2006/main" xmlns:c="http://schemas.openxmlformats.org/drawingml/2006/chart" xmlns:dgm="http://schemas.openxmlformats.org/drawingml/2006/diagram" xmlns:o="urn:schemas-microsoft-com:office:office" xmlns:v="urn:schemas-microsoft-com:vml" xmlns:pvml="urn:schemas-microsoft-com:office:powerpoint" xmlns:com="http://schemas.openxmlformats.org/drawingml/2006/compatibility" xmlns:p14="http://schemas.microsoft.com/office/powerpoint/2010/main" xmlns:p15="http://schemas.microsoft.com/office/powerpoint/2012/main" xmlns:ahyp="http://schemas.microsoft.com/office/drawing/2018/hyperlinkcolor">
+  <p:cSld>
+    <p:spTree>
+      <p:nvGrpSpPr>
+        <p:cNvPr id="355" name="Shape 355"/>
+        <p:cNvGrpSpPr/>
+        <p:nvPr/>
+      </p:nvGrpSpPr>
+      <p:grpSpPr>
+        <a:xfrm>
+          <a:off x="0" y="0"/>
+          <a:ext cx="0" cy="0"/>
+          <a:chOff x="0" y="0"/>
+          <a:chExt cx="0" cy="0"/>
+        </a:xfrm>
+      </p:grpSpPr>
+      <p:sp>
+        <p:nvSpPr>
+          <p:cNvPr id="356" name="Google Shape;356;p44"/>
+          <p:cNvSpPr txBox="1"/>
+          <p:nvPr>
+            <p:ph type="title"/>
+          </p:nvPr>
+        </p:nvSpPr>
+        <p:spPr>
+          <a:xfrm>
+            <a:off x="311700" y="410000"/>
+            <a:ext cx="8520600" cy="607800"/>
+          </a:xfrm>
+          <a:prstGeom prst="rect">
+            <a:avLst/>
+          </a:prstGeom>
+        </p:spPr>
+        <p:txBody>
+          <a:bodyPr anchorCtr="0" anchor="t" bIns="91425" lIns="91425" spcFirstLastPara="1" rIns="91425" wrap="square" tIns="91425">
+            <a:noAutofit/>
+          </a:bodyPr>
+          <a:lstStyle/>
+          <a:p>
+            <a:pPr indent="0" lvl="0" marL="0" rtl="0" algn="l">
+              <a:spcBef>
+                <a:spcPts val="0"/>
+              </a:spcBef>
+              <a:spcAft>
+                <a:spcPts val="0"/>
+              </a:spcAft>
+              <a:buNone/>
+            </a:pPr>
+            <a:r>
+              <a:rPr lang="en"/>
+              <a:t>Open Account</a:t>
+            </a:r>
+            <a:endParaRPr/>
+          </a:p>
+        </p:txBody>
+      </p:sp>
+      <p:sp>
+        <p:nvSpPr>
+          <p:cNvPr id="357" name="Google Shape;357;p44"/>
+          <p:cNvSpPr txBox="1"/>
+          <p:nvPr>
+            <p:ph idx="12" type="sldNum"/>
+          </p:nvPr>
+        </p:nvSpPr>
+        <p:spPr>
+          <a:xfrm>
+            <a:off x="8460431" y="4651190"/>
+            <a:ext cx="548700" cy="393600"/>
+          </a:xfrm>
+          <a:prstGeom prst="rect">
+            <a:avLst/>
+          </a:prstGeom>
+        </p:spPr>
+        <p:txBody>
+          <a:bodyPr anchorCtr="0" anchor="ctr" bIns="91425" lIns="91425" spcFirstLastPara="1" rIns="91425" wrap="square" tIns="91425">
+            <a:noAutofit/>
+          </a:bodyPr>
+          <a:lstStyle/>
+          <a:p>
+            <a:pPr indent="0" lvl="0" marL="0" rtl="0" algn="r">
+              <a:spcBef>
+                <a:spcPts val="0"/>
+              </a:spcBef>
+              <a:spcAft>
+                <a:spcPts val="0"/>
+              </a:spcAft>
+              <a:buNone/>
+            </a:pPr>
+            <a:fld id="{00000000-1234-1234-1234-123412341234}" type="slidenum">
+              <a:rPr lang="en"/>
+              <a:t>‹#›</a:t>
+            </a:fld>
+            <a:endParaRPr/>
+          </a:p>
+        </p:txBody>
+      </p:sp>
+      <p:pic>
+        <p:nvPicPr>
+          <p:cNvPr id="358" name="Google Shape;358;p44"/>
+          <p:cNvPicPr preferRelativeResize="0"/>
+          <p:nvPr/>
+        </p:nvPicPr>
+        <p:blipFill>
+          <a:blip r:embed="rId3">
+            <a:alphaModFix/>
+          </a:blip>
+          <a:stretch>
+            <a:fillRect/>
+          </a:stretch>
+        </p:blipFill>
+        <p:spPr>
+          <a:xfrm>
+            <a:off x="117750" y="2741475"/>
+            <a:ext cx="4361675" cy="2332800"/>
+          </a:xfrm>
+          <a:prstGeom prst="rect">
+            <a:avLst/>
+          </a:prstGeom>
+          <a:noFill/>
+          <a:ln>
+            <a:noFill/>
+          </a:ln>
+        </p:spPr>
+      </p:pic>
+      <p:pic>
+        <p:nvPicPr>
+          <p:cNvPr id="359" name="Google Shape;359;p44"/>
+          <p:cNvPicPr preferRelativeResize="0"/>
+          <p:nvPr/>
+        </p:nvPicPr>
+        <p:blipFill>
+          <a:blip r:embed="rId4">
+            <a:alphaModFix/>
+          </a:blip>
+          <a:stretch>
+            <a:fillRect/>
+          </a:stretch>
+        </p:blipFill>
+        <p:spPr>
+          <a:xfrm>
+            <a:off x="2893275" y="213375"/>
+            <a:ext cx="6250725" cy="2610699"/>
+          </a:xfrm>
+          <a:prstGeom prst="rect">
+            <a:avLst/>
+          </a:prstGeom>
+          <a:noFill/>
+          <a:ln>
+            <a:noFill/>
+          </a:ln>
+        </p:spPr>
+      </p:pic>
+    </p:spTree>
+  </p:cSld>
+  <p:clrMapOvr>
+    <a:masterClrMapping/>
+  </p:clrMapOvr>
+</p:sld>
+</file>
+
+<file path=ppt/slides/slide33.xml><?xml version="1.0" encoding="utf-8"?>
+<p:sld xmlns:a="http://schemas.openxmlformats.org/drawingml/2006/main" xmlns:r="http://schemas.openxmlformats.org/officeDocument/2006/relationships" xmlns:mc="http://schemas.openxmlformats.org/markup-compatibility/2006" xmlns:mv="urn:schemas-microsoft-com:mac:vml" xmlns:p="http://schemas.openxmlformats.org/presentationml/2006/main" xmlns:c="http://schemas.openxmlformats.org/drawingml/2006/chart" xmlns:dgm="http://schemas.openxmlformats.org/drawingml/2006/diagram" xmlns:o="urn:schemas-microsoft-com:office:office" xmlns:v="urn:schemas-microsoft-com:vml" xmlns:pvml="urn:schemas-microsoft-com:office:powerpoint" xmlns:com="http://schemas.openxmlformats.org/drawingml/2006/compatibility" xmlns:p14="http://schemas.microsoft.com/office/powerpoint/2010/main" xmlns:p15="http://schemas.microsoft.com/office/powerpoint/2012/main" xmlns:ahyp="http://schemas.microsoft.com/office/drawing/2018/hyperlinkcolor">
+  <p:cSld>
+    <p:spTree>
+      <p:nvGrpSpPr>
+        <p:cNvPr id="363" name="Shape 363"/>
+        <p:cNvGrpSpPr/>
+        <p:nvPr/>
+      </p:nvGrpSpPr>
+      <p:grpSpPr>
+        <a:xfrm>
+          <a:off x="0" y="0"/>
+          <a:ext cx="0" cy="0"/>
+          <a:chOff x="0" y="0"/>
+          <a:chExt cx="0" cy="0"/>
+        </a:xfrm>
+      </p:grpSpPr>
+      <p:sp>
+        <p:nvSpPr>
+          <p:cNvPr id="364" name="Google Shape;364;p45"/>
+          <p:cNvSpPr txBox="1"/>
+          <p:nvPr>
+            <p:ph type="title"/>
+          </p:nvPr>
+        </p:nvSpPr>
+        <p:spPr>
+          <a:xfrm>
+            <a:off x="290925" y="215900"/>
+            <a:ext cx="8118900" cy="570300"/>
+          </a:xfrm>
+          <a:prstGeom prst="rect">
+            <a:avLst/>
+          </a:prstGeom>
+        </p:spPr>
+        <p:txBody>
+          <a:bodyPr anchorCtr="0" anchor="t" bIns="91425" lIns="91425" spcFirstLastPara="1" rIns="91425" wrap="square" tIns="91425">
+            <a:noAutofit/>
+          </a:bodyPr>
+          <a:lstStyle/>
+          <a:p>
+            <a:pPr indent="0" lvl="0" marL="0" rtl="0" algn="l">
+              <a:spcBef>
+                <a:spcPts val="0"/>
+              </a:spcBef>
+              <a:spcAft>
+                <a:spcPts val="0"/>
+              </a:spcAft>
+              <a:buNone/>
+            </a:pPr>
+            <a:r>
+              <a:rPr lang="en"/>
+              <a:t>Number of derogatory </a:t>
+            </a:r>
+            <a:endParaRPr/>
+          </a:p>
+          <a:p>
+            <a:pPr indent="0" lvl="0" marL="0" rtl="0" algn="l">
+              <a:spcBef>
+                <a:spcPts val="0"/>
+              </a:spcBef>
+              <a:spcAft>
+                <a:spcPts val="0"/>
+              </a:spcAft>
+              <a:buNone/>
+            </a:pPr>
+            <a:r>
+              <a:rPr lang="en"/>
+              <a:t>public records</a:t>
+            </a:r>
+            <a:endParaRPr/>
+          </a:p>
+        </p:txBody>
+      </p:sp>
+      <p:sp>
+        <p:nvSpPr>
+          <p:cNvPr id="365" name="Google Shape;365;p45"/>
+          <p:cNvSpPr txBox="1"/>
+          <p:nvPr>
+            <p:ph idx="12" type="sldNum"/>
+          </p:nvPr>
+        </p:nvSpPr>
+        <p:spPr>
+          <a:xfrm>
+            <a:off x="8460431" y="4651190"/>
+            <a:ext cx="548700" cy="393600"/>
+          </a:xfrm>
+          <a:prstGeom prst="rect">
+            <a:avLst/>
+          </a:prstGeom>
+        </p:spPr>
+        <p:txBody>
+          <a:bodyPr anchorCtr="0" anchor="ctr" bIns="91425" lIns="91425" spcFirstLastPara="1" rIns="91425" wrap="square" tIns="91425">
+            <a:noAutofit/>
+          </a:bodyPr>
+          <a:lstStyle/>
+          <a:p>
+            <a:pPr indent="0" lvl="0" marL="0" rtl="0" algn="r">
+              <a:spcBef>
+                <a:spcPts val="0"/>
+              </a:spcBef>
+              <a:spcAft>
+                <a:spcPts val="0"/>
+              </a:spcAft>
+              <a:buNone/>
+            </a:pPr>
+            <a:fld id="{00000000-1234-1234-1234-123412341234}" type="slidenum">
+              <a:rPr lang="en"/>
+              <a:t>‹#›</a:t>
+            </a:fld>
+            <a:endParaRPr/>
+          </a:p>
+        </p:txBody>
+      </p:sp>
+      <p:pic>
+        <p:nvPicPr>
+          <p:cNvPr id="366" name="Google Shape;366;p45"/>
+          <p:cNvPicPr preferRelativeResize="0"/>
+          <p:nvPr/>
+        </p:nvPicPr>
+        <p:blipFill>
+          <a:blip r:embed="rId3">
+            <a:alphaModFix/>
+          </a:blip>
+          <a:stretch>
+            <a:fillRect/>
+          </a:stretch>
+        </p:blipFill>
+        <p:spPr>
+          <a:xfrm>
+            <a:off x="76150" y="2860475"/>
+            <a:ext cx="3661550" cy="2184325"/>
+          </a:xfrm>
+          <a:prstGeom prst="rect">
+            <a:avLst/>
+          </a:prstGeom>
+          <a:noFill/>
+          <a:ln>
+            <a:noFill/>
+          </a:ln>
+        </p:spPr>
+      </p:pic>
+      <p:pic>
+        <p:nvPicPr>
+          <p:cNvPr id="367" name="Google Shape;367;p45"/>
+          <p:cNvPicPr preferRelativeResize="0"/>
+          <p:nvPr/>
+        </p:nvPicPr>
+        <p:blipFill>
+          <a:blip r:embed="rId4">
+            <a:alphaModFix/>
+          </a:blip>
+          <a:stretch>
+            <a:fillRect/>
+          </a:stretch>
+        </p:blipFill>
+        <p:spPr>
+          <a:xfrm>
+            <a:off x="3737700" y="786200"/>
+            <a:ext cx="5393152" cy="2326524"/>
+          </a:xfrm>
+          <a:prstGeom prst="rect">
+            <a:avLst/>
+          </a:prstGeom>
+          <a:noFill/>
+          <a:ln>
+            <a:noFill/>
+          </a:ln>
+        </p:spPr>
+      </p:pic>
+    </p:spTree>
+  </p:cSld>
+  <p:clrMapOvr>
+    <a:masterClrMapping/>
+  </p:clrMapOvr>
+</p:sld>
+</file>
+
+<file path=ppt/slides/slide34.xml><?xml version="1.0" encoding="utf-8"?>
+<p:sld xmlns:a="http://schemas.openxmlformats.org/drawingml/2006/main" xmlns:r="http://schemas.openxmlformats.org/officeDocument/2006/relationships" xmlns:mc="http://schemas.openxmlformats.org/markup-compatibility/2006" xmlns:mv="urn:schemas-microsoft-com:mac:vml" xmlns:p="http://schemas.openxmlformats.org/presentationml/2006/main" xmlns:c="http://schemas.openxmlformats.org/drawingml/2006/chart" xmlns:dgm="http://schemas.openxmlformats.org/drawingml/2006/diagram" xmlns:o="urn:schemas-microsoft-com:office:office" xmlns:v="urn:schemas-microsoft-com:vml" xmlns:pvml="urn:schemas-microsoft-com:office:powerpoint" xmlns:com="http://schemas.openxmlformats.org/drawingml/2006/compatibility" xmlns:p14="http://schemas.microsoft.com/office/powerpoint/2010/main" xmlns:p15="http://schemas.microsoft.com/office/powerpoint/2012/main" xmlns:ahyp="http://schemas.microsoft.com/office/drawing/2018/hyperlinkcolor">
+  <p:cSld>
+    <p:spTree>
+      <p:nvGrpSpPr>
+        <p:cNvPr id="371" name="Shape 371"/>
+        <p:cNvGrpSpPr/>
+        <p:nvPr/>
+      </p:nvGrpSpPr>
+      <p:grpSpPr>
+        <a:xfrm>
+          <a:off x="0" y="0"/>
+          <a:ext cx="0" cy="0"/>
+          <a:chOff x="0" y="0"/>
+          <a:chExt cx="0" cy="0"/>
+        </a:xfrm>
+      </p:grpSpPr>
+      <p:sp>
+        <p:nvSpPr>
+          <p:cNvPr id="372" name="Google Shape;372;p46"/>
+          <p:cNvSpPr txBox="1"/>
+          <p:nvPr>
+            <p:ph type="title"/>
+          </p:nvPr>
+        </p:nvSpPr>
+        <p:spPr>
+          <a:xfrm>
+            <a:off x="96950" y="148350"/>
+            <a:ext cx="8520600" cy="637800"/>
+          </a:xfrm>
+          <a:prstGeom prst="rect">
+            <a:avLst/>
+          </a:prstGeom>
+        </p:spPr>
+        <p:txBody>
+          <a:bodyPr anchorCtr="0" anchor="t" bIns="91425" lIns="91425" spcFirstLastPara="1" rIns="91425" wrap="square" tIns="91425">
+            <a:noAutofit/>
+          </a:bodyPr>
+          <a:lstStyle/>
+          <a:p>
+            <a:pPr indent="0" lvl="0" marL="0" rtl="0" algn="l">
+              <a:spcBef>
+                <a:spcPts val="0"/>
+              </a:spcBef>
+              <a:spcAft>
+                <a:spcPts val="0"/>
+              </a:spcAft>
+              <a:buNone/>
+            </a:pPr>
+            <a:r>
+              <a:rPr lang="en"/>
+              <a:t>Employee profession</a:t>
+            </a:r>
+            <a:endParaRPr/>
+          </a:p>
+        </p:txBody>
+      </p:sp>
+      <p:sp>
+        <p:nvSpPr>
+          <p:cNvPr id="373" name="Google Shape;373;p46"/>
+          <p:cNvSpPr txBox="1"/>
+          <p:nvPr>
+            <p:ph idx="12" type="sldNum"/>
+          </p:nvPr>
+        </p:nvSpPr>
+        <p:spPr>
+          <a:xfrm>
+            <a:off x="8460431" y="4651190"/>
+            <a:ext cx="548700" cy="393600"/>
+          </a:xfrm>
+          <a:prstGeom prst="rect">
+            <a:avLst/>
+          </a:prstGeom>
+        </p:spPr>
+        <p:txBody>
+          <a:bodyPr anchorCtr="0" anchor="ctr" bIns="91425" lIns="91425" spcFirstLastPara="1" rIns="91425" wrap="square" tIns="91425">
+            <a:noAutofit/>
+          </a:bodyPr>
+          <a:lstStyle/>
+          <a:p>
+            <a:pPr indent="0" lvl="0" marL="0" rtl="0" algn="r">
+              <a:spcBef>
+                <a:spcPts val="0"/>
+              </a:spcBef>
+              <a:spcAft>
+                <a:spcPts val="0"/>
+              </a:spcAft>
+              <a:buNone/>
+            </a:pPr>
+            <a:fld id="{00000000-1234-1234-1234-123412341234}" type="slidenum">
+              <a:rPr lang="en"/>
+              <a:t>‹#›</a:t>
+            </a:fld>
+            <a:endParaRPr/>
+          </a:p>
+        </p:txBody>
+      </p:sp>
+      <p:pic>
+        <p:nvPicPr>
+          <p:cNvPr id="374" name="Google Shape;374;p46"/>
+          <p:cNvPicPr preferRelativeResize="0"/>
+          <p:nvPr/>
+        </p:nvPicPr>
+        <p:blipFill>
+          <a:blip r:embed="rId3">
+            <a:alphaModFix/>
+          </a:blip>
+          <a:stretch>
+            <a:fillRect/>
+          </a:stretch>
+        </p:blipFill>
+        <p:spPr>
+          <a:xfrm>
+            <a:off x="96950" y="2837175"/>
+            <a:ext cx="3633826" cy="2167800"/>
+          </a:xfrm>
+          <a:prstGeom prst="rect">
+            <a:avLst/>
+          </a:prstGeom>
+          <a:noFill/>
+          <a:ln>
+            <a:noFill/>
+          </a:ln>
+        </p:spPr>
+      </p:pic>
+      <p:pic>
+        <p:nvPicPr>
+          <p:cNvPr id="375" name="Google Shape;375;p46"/>
+          <p:cNvPicPr preferRelativeResize="0"/>
+          <p:nvPr/>
+        </p:nvPicPr>
+        <p:blipFill>
+          <a:blip r:embed="rId4">
+            <a:alphaModFix/>
+          </a:blip>
+          <a:stretch>
+            <a:fillRect/>
+          </a:stretch>
+        </p:blipFill>
+        <p:spPr>
+          <a:xfrm>
+            <a:off x="3005200" y="647450"/>
+            <a:ext cx="6094049" cy="2232075"/>
+          </a:xfrm>
+          <a:prstGeom prst="rect">
+            <a:avLst/>
+          </a:prstGeom>
+          <a:noFill/>
+          <a:ln>
+            <a:noFill/>
+          </a:ln>
+        </p:spPr>
+      </p:pic>
+    </p:spTree>
+  </p:cSld>
+  <p:clrMapOvr>
+    <a:masterClrMapping/>
+  </p:clrMapOvr>
+</p:sld>
+</file>
+
+<file path=ppt/slides/slide35.xml><?xml version="1.0" encoding="utf-8"?>
+<p:sld xmlns:a="http://schemas.openxmlformats.org/drawingml/2006/main" xmlns:r="http://schemas.openxmlformats.org/officeDocument/2006/relationships" xmlns:mc="http://schemas.openxmlformats.org/markup-compatibility/2006" xmlns:mv="urn:schemas-microsoft-com:mac:vml" xmlns:p="http://schemas.openxmlformats.org/presentationml/2006/main" xmlns:c="http://schemas.openxmlformats.org/drawingml/2006/chart" xmlns:dgm="http://schemas.openxmlformats.org/drawingml/2006/diagram" xmlns:o="urn:schemas-microsoft-com:office:office" xmlns:v="urn:schemas-microsoft-com:vml" xmlns:pvml="urn:schemas-microsoft-com:office:powerpoint" xmlns:com="http://schemas.openxmlformats.org/drawingml/2006/compatibility" xmlns:p14="http://schemas.microsoft.com/office/powerpoint/2010/main" xmlns:p15="http://schemas.microsoft.com/office/powerpoint/2012/main" xmlns:ahyp="http://schemas.microsoft.com/office/drawing/2018/hyperlinkcolor">
+  <p:cSld>
+    <p:spTree>
+      <p:nvGrpSpPr>
+        <p:cNvPr id="379" name="Shape 379"/>
+        <p:cNvGrpSpPr/>
+        <p:nvPr/>
+      </p:nvGrpSpPr>
+      <p:grpSpPr>
+        <a:xfrm>
+          <a:off x="0" y="0"/>
+          <a:ext cx="0" cy="0"/>
+          <a:chOff x="0" y="0"/>
+          <a:chExt cx="0" cy="0"/>
+        </a:xfrm>
+      </p:grpSpPr>
+      <p:sp>
+        <p:nvSpPr>
+          <p:cNvPr id="380" name="Google Shape;380;p47"/>
+          <p:cNvSpPr txBox="1"/>
+          <p:nvPr>
+            <p:ph type="title"/>
+          </p:nvPr>
+        </p:nvSpPr>
+        <p:spPr>
+          <a:xfrm>
+            <a:off x="311700" y="410000"/>
+            <a:ext cx="8520600" cy="607800"/>
+          </a:xfrm>
+          <a:prstGeom prst="rect">
+            <a:avLst/>
+          </a:prstGeom>
+        </p:spPr>
+        <p:txBody>
+          <a:bodyPr anchorCtr="0" anchor="t" bIns="91425" lIns="91425" spcFirstLastPara="1" rIns="91425" wrap="square" tIns="91425">
+            <a:noAutofit/>
+          </a:bodyPr>
+          <a:lstStyle/>
+          <a:p>
+            <a:pPr indent="0" lvl="0" marL="0" rtl="0" algn="l">
+              <a:spcBef>
+                <a:spcPts val="0"/>
+              </a:spcBef>
+              <a:spcAft>
+                <a:spcPts val="0"/>
+              </a:spcAft>
+              <a:buNone/>
+            </a:pPr>
+            <a:r>
+              <a:rPr lang="en"/>
+              <a:t>Loan Amount</a:t>
+            </a:r>
+            <a:endParaRPr/>
+          </a:p>
+        </p:txBody>
+      </p:sp>
+      <p:sp>
+        <p:nvSpPr>
+          <p:cNvPr id="381" name="Google Shape;381;p47"/>
+          <p:cNvSpPr txBox="1"/>
+          <p:nvPr>
+            <p:ph idx="12" type="sldNum"/>
+          </p:nvPr>
+        </p:nvSpPr>
+        <p:spPr>
+          <a:xfrm>
+            <a:off x="8460431" y="4651190"/>
+            <a:ext cx="548700" cy="393600"/>
+          </a:xfrm>
+          <a:prstGeom prst="rect">
+            <a:avLst/>
+          </a:prstGeom>
+        </p:spPr>
+        <p:txBody>
+          <a:bodyPr anchorCtr="0" anchor="ctr" bIns="91425" lIns="91425" spcFirstLastPara="1" rIns="91425" wrap="square" tIns="91425">
+            <a:noAutofit/>
+          </a:bodyPr>
+          <a:lstStyle/>
+          <a:p>
+            <a:pPr indent="0" lvl="0" marL="0" rtl="0" algn="r">
+              <a:spcBef>
+                <a:spcPts val="0"/>
+              </a:spcBef>
+              <a:spcAft>
+                <a:spcPts val="0"/>
+              </a:spcAft>
+              <a:buNone/>
+            </a:pPr>
+            <a:fld id="{00000000-1234-1234-1234-123412341234}" type="slidenum">
+              <a:rPr lang="en"/>
+              <a:t>‹#›</a:t>
+            </a:fld>
+            <a:endParaRPr/>
+          </a:p>
+        </p:txBody>
+      </p:sp>
+      <p:pic>
+        <p:nvPicPr>
+          <p:cNvPr id="382" name="Google Shape;382;p47"/>
+          <p:cNvPicPr preferRelativeResize="0"/>
+          <p:nvPr/>
+        </p:nvPicPr>
+        <p:blipFill>
+          <a:blip r:embed="rId3">
+            <a:alphaModFix/>
+          </a:blip>
+          <a:stretch>
+            <a:fillRect/>
+          </a:stretch>
+        </p:blipFill>
+        <p:spPr>
+          <a:xfrm>
+            <a:off x="415825" y="1117600"/>
+            <a:ext cx="3675399" cy="2071200"/>
+          </a:xfrm>
+          <a:prstGeom prst="rect">
+            <a:avLst/>
+          </a:prstGeom>
+          <a:noFill/>
+          <a:ln>
+            <a:noFill/>
+          </a:ln>
+        </p:spPr>
+      </p:pic>
+      <p:pic>
+        <p:nvPicPr>
+          <p:cNvPr id="383" name="Google Shape;383;p47"/>
+          <p:cNvPicPr preferRelativeResize="0"/>
+          <p:nvPr/>
+        </p:nvPicPr>
+        <p:blipFill>
+          <a:blip r:embed="rId4">
+            <a:alphaModFix/>
+          </a:blip>
+          <a:stretch>
+            <a:fillRect/>
+          </a:stretch>
+        </p:blipFill>
+        <p:spPr>
+          <a:xfrm>
+            <a:off x="763125" y="3406625"/>
+            <a:ext cx="2980800" cy="1638175"/>
+          </a:xfrm>
+          <a:prstGeom prst="rect">
+            <a:avLst/>
+          </a:prstGeom>
+          <a:noFill/>
+          <a:ln>
+            <a:noFill/>
+          </a:ln>
+        </p:spPr>
+      </p:pic>
+      <p:pic>
+        <p:nvPicPr>
+          <p:cNvPr id="384" name="Google Shape;384;p47"/>
+          <p:cNvPicPr preferRelativeResize="0"/>
+          <p:nvPr/>
+        </p:nvPicPr>
+        <p:blipFill>
+          <a:blip r:embed="rId5">
+            <a:alphaModFix/>
+          </a:blip>
+          <a:stretch>
+            <a:fillRect/>
+          </a:stretch>
+        </p:blipFill>
+        <p:spPr>
+          <a:xfrm>
+            <a:off x="4167475" y="410000"/>
+            <a:ext cx="4882250" cy="4368876"/>
+          </a:xfrm>
+          <a:prstGeom prst="rect">
+            <a:avLst/>
+          </a:prstGeom>
+          <a:noFill/>
+          <a:ln>
+            <a:noFill/>
+          </a:ln>
+        </p:spPr>
+      </p:pic>
+    </p:spTree>
+  </p:cSld>
+  <p:clrMapOvr>
+    <a:masterClrMapping/>
+  </p:clrMapOvr>
+</p:sld>
+</file>
+
+<file path=ppt/slides/slide36.xml><?xml version="1.0" encoding="utf-8"?>
+<p:sld xmlns:a="http://schemas.openxmlformats.org/drawingml/2006/main" xmlns:r="http://schemas.openxmlformats.org/officeDocument/2006/relationships" xmlns:mc="http://schemas.openxmlformats.org/markup-compatibility/2006" xmlns:mv="urn:schemas-microsoft-com:mac:vml" xmlns:p="http://schemas.openxmlformats.org/presentationml/2006/main" xmlns:c="http://schemas.openxmlformats.org/drawingml/2006/chart" xmlns:dgm="http://schemas.openxmlformats.org/drawingml/2006/diagram" xmlns:o="urn:schemas-microsoft-com:office:office" xmlns:v="urn:schemas-microsoft-com:vml" xmlns:pvml="urn:schemas-microsoft-com:office:powerpoint" xmlns:com="http://schemas.openxmlformats.org/drawingml/2006/compatibility" xmlns:p14="http://schemas.microsoft.com/office/powerpoint/2010/main" xmlns:p15="http://schemas.microsoft.com/office/powerpoint/2012/main" xmlns:ahyp="http://schemas.microsoft.com/office/drawing/2018/hyperlinkcolor">
+  <p:cSld>
+    <p:spTree>
+      <p:nvGrpSpPr>
+        <p:cNvPr id="388" name="Shape 388"/>
+        <p:cNvGrpSpPr/>
+        <p:nvPr/>
+      </p:nvGrpSpPr>
+      <p:grpSpPr>
+        <a:xfrm>
+          <a:off x="0" y="0"/>
+          <a:ext cx="0" cy="0"/>
+          <a:chOff x="0" y="0"/>
+          <a:chExt cx="0" cy="0"/>
+        </a:xfrm>
+      </p:grpSpPr>
+      <p:sp>
+        <p:nvSpPr>
+          <p:cNvPr id="389" name="Google Shape;389;p48"/>
+          <p:cNvSpPr txBox="1"/>
+          <p:nvPr>
+            <p:ph type="title"/>
+          </p:nvPr>
+        </p:nvSpPr>
+        <p:spPr>
+          <a:xfrm>
+            <a:off x="311700" y="410000"/>
+            <a:ext cx="8520600" cy="607800"/>
+          </a:xfrm>
+          <a:prstGeom prst="rect">
+            <a:avLst/>
+          </a:prstGeom>
+        </p:spPr>
+        <p:txBody>
+          <a:bodyPr anchorCtr="0" anchor="t" bIns="91425" lIns="91425" spcFirstLastPara="1" rIns="91425" wrap="square" tIns="91425">
+            <a:noAutofit/>
+          </a:bodyPr>
+          <a:lstStyle/>
+          <a:p>
+            <a:pPr indent="0" lvl="0" marL="0" rtl="0" algn="l">
+              <a:spcBef>
+                <a:spcPts val="0"/>
+              </a:spcBef>
+              <a:spcAft>
+                <a:spcPts val="0"/>
+              </a:spcAft>
+              <a:buNone/>
+            </a:pPr>
+            <a:r>
+              <a:rPr lang="en"/>
+              <a:t>Interest rate</a:t>
+            </a:r>
+            <a:endParaRPr/>
+          </a:p>
+        </p:txBody>
+      </p:sp>
+      <p:sp>
+        <p:nvSpPr>
+          <p:cNvPr id="390" name="Google Shape;390;p48"/>
+          <p:cNvSpPr txBox="1"/>
+          <p:nvPr>
+            <p:ph idx="12" type="sldNum"/>
+          </p:nvPr>
+        </p:nvSpPr>
+        <p:spPr>
+          <a:xfrm>
+            <a:off x="8460431" y="4651190"/>
+            <a:ext cx="548700" cy="393600"/>
+          </a:xfrm>
+          <a:prstGeom prst="rect">
+            <a:avLst/>
+          </a:prstGeom>
+        </p:spPr>
+        <p:txBody>
+          <a:bodyPr anchorCtr="0" anchor="ctr" bIns="91425" lIns="91425" spcFirstLastPara="1" rIns="91425" wrap="square" tIns="91425">
+            <a:noAutofit/>
+          </a:bodyPr>
+          <a:lstStyle/>
+          <a:p>
+            <a:pPr indent="0" lvl="0" marL="0" rtl="0" algn="r">
+              <a:spcBef>
+                <a:spcPts val="0"/>
+              </a:spcBef>
+              <a:spcAft>
+                <a:spcPts val="0"/>
+              </a:spcAft>
+              <a:buNone/>
+            </a:pPr>
+            <a:fld id="{00000000-1234-1234-1234-123412341234}" type="slidenum">
+              <a:rPr lang="en"/>
+              <a:t>‹#›</a:t>
+            </a:fld>
+            <a:endParaRPr/>
+          </a:p>
+        </p:txBody>
+      </p:sp>
+      <p:pic>
+        <p:nvPicPr>
+          <p:cNvPr id="391" name="Google Shape;391;p48"/>
+          <p:cNvPicPr preferRelativeResize="0"/>
+          <p:nvPr/>
+        </p:nvPicPr>
+        <p:blipFill>
+          <a:blip r:embed="rId3">
+            <a:alphaModFix/>
+          </a:blip>
+          <a:stretch>
+            <a:fillRect/>
+          </a:stretch>
+        </p:blipFill>
+        <p:spPr>
+          <a:xfrm>
+            <a:off x="152400" y="1170200"/>
+            <a:ext cx="3959625" cy="2154474"/>
+          </a:xfrm>
+          <a:prstGeom prst="rect">
+            <a:avLst/>
+          </a:prstGeom>
+          <a:noFill/>
+          <a:ln>
+            <a:noFill/>
+          </a:ln>
+        </p:spPr>
+      </p:pic>
+      <p:pic>
+        <p:nvPicPr>
+          <p:cNvPr id="392" name="Google Shape;392;p48"/>
+          <p:cNvPicPr preferRelativeResize="0"/>
+          <p:nvPr/>
+        </p:nvPicPr>
+        <p:blipFill>
+          <a:blip r:embed="rId4">
+            <a:alphaModFix/>
+          </a:blip>
+          <a:stretch>
+            <a:fillRect/>
+          </a:stretch>
+        </p:blipFill>
+        <p:spPr>
+          <a:xfrm>
+            <a:off x="450350" y="3363700"/>
+            <a:ext cx="3072450" cy="1681101"/>
+          </a:xfrm>
+          <a:prstGeom prst="rect">
+            <a:avLst/>
+          </a:prstGeom>
+          <a:noFill/>
+          <a:ln>
+            <a:noFill/>
+          </a:ln>
+        </p:spPr>
+      </p:pic>
+      <p:pic>
+        <p:nvPicPr>
+          <p:cNvPr id="393" name="Google Shape;393;p48"/>
+          <p:cNvPicPr preferRelativeResize="0"/>
+          <p:nvPr/>
+        </p:nvPicPr>
+        <p:blipFill>
+          <a:blip r:embed="rId5">
+            <a:alphaModFix/>
+          </a:blip>
+          <a:stretch>
+            <a:fillRect/>
+          </a:stretch>
+        </p:blipFill>
+        <p:spPr>
+          <a:xfrm>
+            <a:off x="4188275" y="581000"/>
+            <a:ext cx="4820850" cy="4170151"/>
+          </a:xfrm>
+          <a:prstGeom prst="rect">
+            <a:avLst/>
+          </a:prstGeom>
+          <a:noFill/>
+          <a:ln>
+            <a:noFill/>
+          </a:ln>
+        </p:spPr>
+      </p:pic>
+    </p:spTree>
+  </p:cSld>
+  <p:clrMapOvr>
+    <a:masterClrMapping/>
+  </p:clrMapOvr>
+</p:sld>
+</file>
+
+<file path=ppt/slides/slide37.xml><?xml version="1.0" encoding="utf-8"?>
+<p:sld xmlns:a="http://schemas.openxmlformats.org/drawingml/2006/main" xmlns:r="http://schemas.openxmlformats.org/officeDocument/2006/relationships" xmlns:mc="http://schemas.openxmlformats.org/markup-compatibility/2006" xmlns:mv="urn:schemas-microsoft-com:mac:vml" xmlns:p="http://schemas.openxmlformats.org/presentationml/2006/main" xmlns:c="http://schemas.openxmlformats.org/drawingml/2006/chart" xmlns:dgm="http://schemas.openxmlformats.org/drawingml/2006/diagram" xmlns:o="urn:schemas-microsoft-com:office:office" xmlns:v="urn:schemas-microsoft-com:vml" xmlns:pvml="urn:schemas-microsoft-com:office:powerpoint" xmlns:com="http://schemas.openxmlformats.org/drawingml/2006/compatibility" xmlns:p14="http://schemas.microsoft.com/office/powerpoint/2010/main" xmlns:p15="http://schemas.microsoft.com/office/powerpoint/2012/main" xmlns:ahyp="http://schemas.microsoft.com/office/drawing/2018/hyperlinkcolor">
+  <p:cSld>
+    <p:spTree>
+      <p:nvGrpSpPr>
+        <p:cNvPr id="397" name="Shape 397"/>
+        <p:cNvGrpSpPr/>
+        <p:nvPr/>
+      </p:nvGrpSpPr>
+      <p:grpSpPr>
+        <a:xfrm>
+          <a:off x="0" y="0"/>
+          <a:ext cx="0" cy="0"/>
+          <a:chOff x="0" y="0"/>
+          <a:chExt cx="0" cy="0"/>
+        </a:xfrm>
+      </p:grpSpPr>
+      <p:sp>
+        <p:nvSpPr>
+          <p:cNvPr id="398" name="Google Shape;398;p49"/>
+          <p:cNvSpPr txBox="1"/>
+          <p:nvPr>
+            <p:ph type="title"/>
+          </p:nvPr>
+        </p:nvSpPr>
+        <p:spPr>
+          <a:xfrm>
+            <a:off x="311700" y="410000"/>
+            <a:ext cx="8520600" cy="607800"/>
+          </a:xfrm>
+          <a:prstGeom prst="rect">
+            <a:avLst/>
+          </a:prstGeom>
+        </p:spPr>
+        <p:txBody>
+          <a:bodyPr anchorCtr="0" anchor="t" bIns="91425" lIns="91425" spcFirstLastPara="1" rIns="91425" wrap="square" tIns="91425">
+            <a:noAutofit/>
+          </a:bodyPr>
+          <a:lstStyle/>
+          <a:p>
+            <a:pPr indent="0" lvl="0" marL="0" rtl="0" algn="l">
+              <a:spcBef>
+                <a:spcPts val="0"/>
+              </a:spcBef>
+              <a:spcAft>
+                <a:spcPts val="0"/>
+              </a:spcAft>
+              <a:buNone/>
+            </a:pPr>
+            <a:r>
+              <a:rPr lang="en"/>
+              <a:t>Annual Income</a:t>
+            </a:r>
+            <a:endParaRPr/>
+          </a:p>
+        </p:txBody>
+      </p:sp>
+      <p:sp>
+        <p:nvSpPr>
+          <p:cNvPr id="399" name="Google Shape;399;p49"/>
+          <p:cNvSpPr txBox="1"/>
+          <p:nvPr>
+            <p:ph idx="12" type="sldNum"/>
+          </p:nvPr>
+        </p:nvSpPr>
+        <p:spPr>
+          <a:xfrm>
+            <a:off x="8460431" y="4651190"/>
+            <a:ext cx="548700" cy="393600"/>
+          </a:xfrm>
+          <a:prstGeom prst="rect">
+            <a:avLst/>
+          </a:prstGeom>
+        </p:spPr>
+        <p:txBody>
+          <a:bodyPr anchorCtr="0" anchor="ctr" bIns="91425" lIns="91425" spcFirstLastPara="1" rIns="91425" wrap="square" tIns="91425">
+            <a:noAutofit/>
+          </a:bodyPr>
+          <a:lstStyle/>
+          <a:p>
+            <a:pPr indent="0" lvl="0" marL="0" rtl="0" algn="r">
+              <a:spcBef>
+                <a:spcPts val="0"/>
+              </a:spcBef>
+              <a:spcAft>
+                <a:spcPts val="0"/>
+              </a:spcAft>
+              <a:buNone/>
+            </a:pPr>
+            <a:fld id="{00000000-1234-1234-1234-123412341234}" type="slidenum">
+              <a:rPr lang="en"/>
+              <a:t>‹#›</a:t>
+            </a:fld>
+            <a:endParaRPr/>
+          </a:p>
+        </p:txBody>
+      </p:sp>
+      <p:pic>
+        <p:nvPicPr>
+          <p:cNvPr id="400" name="Google Shape;400;p49"/>
+          <p:cNvPicPr preferRelativeResize="0"/>
+          <p:nvPr/>
+        </p:nvPicPr>
+        <p:blipFill>
+          <a:blip r:embed="rId3">
+            <a:alphaModFix/>
+          </a:blip>
+          <a:stretch>
+            <a:fillRect/>
+          </a:stretch>
+        </p:blipFill>
+        <p:spPr>
+          <a:xfrm>
+            <a:off x="450475" y="1120200"/>
+            <a:ext cx="3747794" cy="2361775"/>
+          </a:xfrm>
+          <a:prstGeom prst="rect">
+            <a:avLst/>
+          </a:prstGeom>
+          <a:noFill/>
+          <a:ln>
+            <a:noFill/>
+          </a:ln>
+        </p:spPr>
+      </p:pic>
+      <p:pic>
+        <p:nvPicPr>
+          <p:cNvPr id="401" name="Google Shape;401;p49"/>
+          <p:cNvPicPr preferRelativeResize="0"/>
+          <p:nvPr/>
+        </p:nvPicPr>
+        <p:blipFill>
+          <a:blip r:embed="rId4">
+            <a:alphaModFix/>
+          </a:blip>
+          <a:stretch>
+            <a:fillRect/>
+          </a:stretch>
+        </p:blipFill>
+        <p:spPr>
+          <a:xfrm>
+            <a:off x="763800" y="3481975"/>
+            <a:ext cx="2592626" cy="1608075"/>
+          </a:xfrm>
+          <a:prstGeom prst="rect">
+            <a:avLst/>
+          </a:prstGeom>
+          <a:noFill/>
+          <a:ln>
+            <a:noFill/>
+          </a:ln>
+        </p:spPr>
+      </p:pic>
+      <p:pic>
+        <p:nvPicPr>
+          <p:cNvPr id="402" name="Google Shape;402;p49"/>
+          <p:cNvPicPr preferRelativeResize="0"/>
+          <p:nvPr/>
+        </p:nvPicPr>
+        <p:blipFill>
+          <a:blip r:embed="rId5">
+            <a:alphaModFix/>
+          </a:blip>
+          <a:stretch>
+            <a:fillRect/>
+          </a:stretch>
+        </p:blipFill>
+        <p:spPr>
+          <a:xfrm>
+            <a:off x="4340775" y="826575"/>
+            <a:ext cx="4668351" cy="3869126"/>
+          </a:xfrm>
+          <a:prstGeom prst="rect">
+            <a:avLst/>
+          </a:prstGeom>
+          <a:noFill/>
+          <a:ln>
+            <a:noFill/>
+          </a:ln>
+        </p:spPr>
+      </p:pic>
+    </p:spTree>
+  </p:cSld>
+  <p:clrMapOvr>
+    <a:masterClrMapping/>
+  </p:clrMapOvr>
+</p:sld>
+</file>
+
+<file path=ppt/slides/slide38.xml><?xml version="1.0" encoding="utf-8"?>
+<p:sld xmlns:a="http://schemas.openxmlformats.org/drawingml/2006/main" xmlns:r="http://schemas.openxmlformats.org/officeDocument/2006/relationships" xmlns:mc="http://schemas.openxmlformats.org/markup-compatibility/2006" xmlns:mv="urn:schemas-microsoft-com:mac:vml" xmlns:p="http://schemas.openxmlformats.org/presentationml/2006/main" xmlns:c="http://schemas.openxmlformats.org/drawingml/2006/chart" xmlns:dgm="http://schemas.openxmlformats.org/drawingml/2006/diagram" xmlns:o="urn:schemas-microsoft-com:office:office" xmlns:v="urn:schemas-microsoft-com:vml" xmlns:pvml="urn:schemas-microsoft-com:office:powerpoint" xmlns:com="http://schemas.openxmlformats.org/drawingml/2006/compatibility" xmlns:p14="http://schemas.microsoft.com/office/powerpoint/2010/main" xmlns:p15="http://schemas.microsoft.com/office/powerpoint/2012/main" xmlns:ahyp="http://schemas.microsoft.com/office/drawing/2018/hyperlinkcolor">
+  <p:cSld>
+    <p:spTree>
+      <p:nvGrpSpPr>
+        <p:cNvPr id="406" name="Shape 406"/>
+        <p:cNvGrpSpPr/>
+        <p:nvPr/>
+      </p:nvGrpSpPr>
+      <p:grpSpPr>
+        <a:xfrm>
+          <a:off x="0" y="0"/>
+          <a:ext cx="0" cy="0"/>
+          <a:chOff x="0" y="0"/>
+          <a:chExt cx="0" cy="0"/>
+        </a:xfrm>
+      </p:grpSpPr>
+      <p:sp>
+        <p:nvSpPr>
+          <p:cNvPr id="407" name="Google Shape;407;p50"/>
+          <p:cNvSpPr txBox="1"/>
+          <p:nvPr>
+            <p:ph type="title"/>
+          </p:nvPr>
+        </p:nvSpPr>
+        <p:spPr>
+          <a:xfrm>
+            <a:off x="311700" y="410000"/>
+            <a:ext cx="8520600" cy="607800"/>
+          </a:xfrm>
+          <a:prstGeom prst="rect">
+            <a:avLst/>
+          </a:prstGeom>
+        </p:spPr>
+        <p:txBody>
+          <a:bodyPr anchorCtr="0" anchor="t" bIns="91425" lIns="91425" spcFirstLastPara="1" rIns="91425" wrap="square" tIns="91425">
+            <a:noAutofit/>
+          </a:bodyPr>
+          <a:lstStyle/>
+          <a:p>
+            <a:pPr indent="0" lvl="0" marL="0" rtl="0" algn="l">
+              <a:spcBef>
+                <a:spcPts val="0"/>
+              </a:spcBef>
+              <a:spcAft>
+                <a:spcPts val="0"/>
+              </a:spcAft>
+              <a:buNone/>
+            </a:pPr>
+            <a:r>
+              <a:rPr lang="en"/>
+              <a:t>Debt to income ratio</a:t>
+            </a:r>
+            <a:endParaRPr/>
+          </a:p>
+        </p:txBody>
+      </p:sp>
+      <p:sp>
+        <p:nvSpPr>
+          <p:cNvPr id="408" name="Google Shape;408;p50"/>
+          <p:cNvSpPr txBox="1"/>
+          <p:nvPr>
+            <p:ph idx="12" type="sldNum"/>
+          </p:nvPr>
+        </p:nvSpPr>
+        <p:spPr>
+          <a:xfrm>
+            <a:off x="8460431" y="4651190"/>
+            <a:ext cx="548700" cy="393600"/>
+          </a:xfrm>
+          <a:prstGeom prst="rect">
+            <a:avLst/>
+          </a:prstGeom>
+        </p:spPr>
+        <p:txBody>
+          <a:bodyPr anchorCtr="0" anchor="ctr" bIns="91425" lIns="91425" spcFirstLastPara="1" rIns="91425" wrap="square" tIns="91425">
+            <a:noAutofit/>
+          </a:bodyPr>
+          <a:lstStyle/>
+          <a:p>
+            <a:pPr indent="0" lvl="0" marL="0" rtl="0" algn="r">
+              <a:spcBef>
+                <a:spcPts val="0"/>
+              </a:spcBef>
+              <a:spcAft>
+                <a:spcPts val="0"/>
+              </a:spcAft>
+              <a:buNone/>
+            </a:pPr>
+            <a:fld id="{00000000-1234-1234-1234-123412341234}" type="slidenum">
+              <a:rPr lang="en"/>
+              <a:t>‹#›</a:t>
+            </a:fld>
+            <a:endParaRPr/>
+          </a:p>
+        </p:txBody>
+      </p:sp>
+      <p:pic>
+        <p:nvPicPr>
+          <p:cNvPr id="409" name="Google Shape;409;p50"/>
+          <p:cNvPicPr preferRelativeResize="0"/>
+          <p:nvPr/>
+        </p:nvPicPr>
+        <p:blipFill>
+          <a:blip r:embed="rId3">
+            <a:alphaModFix/>
+          </a:blip>
+          <a:stretch>
+            <a:fillRect/>
+          </a:stretch>
+        </p:blipFill>
+        <p:spPr>
+          <a:xfrm>
+            <a:off x="187075" y="1114850"/>
+            <a:ext cx="3890299" cy="2203600"/>
+          </a:xfrm>
+          <a:prstGeom prst="rect">
+            <a:avLst/>
+          </a:prstGeom>
+          <a:noFill/>
+          <a:ln>
+            <a:noFill/>
+          </a:ln>
+        </p:spPr>
+      </p:pic>
+      <p:pic>
+        <p:nvPicPr>
+          <p:cNvPr id="410" name="Google Shape;410;p50"/>
+          <p:cNvPicPr preferRelativeResize="0"/>
+          <p:nvPr/>
+        </p:nvPicPr>
+        <p:blipFill>
+          <a:blip r:embed="rId4">
+            <a:alphaModFix/>
+          </a:blip>
+          <a:stretch>
+            <a:fillRect/>
+          </a:stretch>
+        </p:blipFill>
+        <p:spPr>
+          <a:xfrm>
+            <a:off x="725275" y="3415500"/>
+            <a:ext cx="2697895" cy="1673374"/>
+          </a:xfrm>
+          <a:prstGeom prst="rect">
+            <a:avLst/>
+          </a:prstGeom>
+          <a:noFill/>
+          <a:ln>
+            <a:noFill/>
+          </a:ln>
+        </p:spPr>
+      </p:pic>
+      <p:pic>
+        <p:nvPicPr>
+          <p:cNvPr id="411" name="Google Shape;411;p50"/>
+          <p:cNvPicPr preferRelativeResize="0"/>
+          <p:nvPr/>
+        </p:nvPicPr>
+        <p:blipFill>
+          <a:blip r:embed="rId5">
+            <a:alphaModFix/>
+          </a:blip>
+          <a:stretch>
+            <a:fillRect/>
+          </a:stretch>
+        </p:blipFill>
+        <p:spPr>
+          <a:xfrm>
+            <a:off x="4195200" y="575350"/>
+            <a:ext cx="4813926" cy="4075851"/>
+          </a:xfrm>
+          <a:prstGeom prst="rect">
+            <a:avLst/>
+          </a:prstGeom>
+          <a:noFill/>
+          <a:ln>
+            <a:noFill/>
+          </a:ln>
+        </p:spPr>
+      </p:pic>
+    </p:spTree>
+  </p:cSld>
+  <p:clrMapOvr>
+    <a:masterClrMapping/>
+  </p:clrMapOvr>
+</p:sld>
+</file>
+
+<file path=ppt/slides/slide39.xml><?xml version="1.0" encoding="utf-8"?>
+<p:sld xmlns:a="http://schemas.openxmlformats.org/drawingml/2006/main" xmlns:r="http://schemas.openxmlformats.org/officeDocument/2006/relationships" xmlns:mc="http://schemas.openxmlformats.org/markup-compatibility/2006" xmlns:mv="urn:schemas-microsoft-com:mac:vml" xmlns:p="http://schemas.openxmlformats.org/presentationml/2006/main" xmlns:c="http://schemas.openxmlformats.org/drawingml/2006/chart" xmlns:dgm="http://schemas.openxmlformats.org/drawingml/2006/diagram" xmlns:o="urn:schemas-microsoft-com:office:office" xmlns:v="urn:schemas-microsoft-com:vml" xmlns:pvml="urn:schemas-microsoft-com:office:powerpoint" xmlns:com="http://schemas.openxmlformats.org/drawingml/2006/compatibility" xmlns:p14="http://schemas.microsoft.com/office/powerpoint/2010/main" xmlns:p15="http://schemas.microsoft.com/office/powerpoint/2012/main" xmlns:ahyp="http://schemas.microsoft.com/office/drawing/2018/hyperlinkcolor">
+  <p:cSld>
+    <p:spTree>
+      <p:nvGrpSpPr>
+        <p:cNvPr id="415" name="Shape 415"/>
+        <p:cNvGrpSpPr/>
+        <p:nvPr/>
+      </p:nvGrpSpPr>
+      <p:grpSpPr>
+        <a:xfrm>
+          <a:off x="0" y="0"/>
+          <a:ext cx="0" cy="0"/>
+          <a:chOff x="0" y="0"/>
+          <a:chExt cx="0" cy="0"/>
+        </a:xfrm>
+      </p:grpSpPr>
+      <p:sp>
+        <p:nvSpPr>
+          <p:cNvPr id="416" name="Google Shape;416;p51"/>
+          <p:cNvSpPr txBox="1"/>
+          <p:nvPr>
+            <p:ph type="title"/>
+          </p:nvPr>
+        </p:nvSpPr>
+        <p:spPr>
+          <a:xfrm>
+            <a:off x="311700" y="410000"/>
+            <a:ext cx="8520600" cy="607800"/>
+          </a:xfrm>
+          <a:prstGeom prst="rect">
+            <a:avLst/>
+          </a:prstGeom>
+        </p:spPr>
+        <p:txBody>
+          <a:bodyPr anchorCtr="0" anchor="t" bIns="91425" lIns="91425" spcFirstLastPara="1" rIns="91425" wrap="square" tIns="91425">
+            <a:noAutofit/>
+          </a:bodyPr>
+          <a:lstStyle/>
+          <a:p>
+            <a:pPr indent="0" lvl="0" marL="0" rtl="0" algn="l">
+              <a:spcBef>
+                <a:spcPts val="0"/>
+              </a:spcBef>
+              <a:spcAft>
+                <a:spcPts val="0"/>
+              </a:spcAft>
+              <a:buNone/>
+            </a:pPr>
+            <a:r>
+              <a:rPr lang="en"/>
+              <a:t>Revolving balance</a:t>
+            </a:r>
+            <a:endParaRPr/>
+          </a:p>
+          <a:p>
+            <a:pPr indent="0" lvl="0" marL="0" rtl="0" algn="l">
+              <a:spcBef>
+                <a:spcPts val="0"/>
+              </a:spcBef>
+              <a:spcAft>
+                <a:spcPts val="0"/>
+              </a:spcAft>
+              <a:buNone/>
+            </a:pPr>
+            <a:r>
+              <a:t/>
+            </a:r>
+            <a:endParaRPr/>
+          </a:p>
+        </p:txBody>
+      </p:sp>
+      <p:sp>
+        <p:nvSpPr>
+          <p:cNvPr id="417" name="Google Shape;417;p51"/>
+          <p:cNvSpPr txBox="1"/>
+          <p:nvPr>
+            <p:ph idx="12" type="sldNum"/>
+          </p:nvPr>
+        </p:nvSpPr>
+        <p:spPr>
+          <a:xfrm>
+            <a:off x="8460431" y="4651190"/>
+            <a:ext cx="548700" cy="393600"/>
+          </a:xfrm>
+          <a:prstGeom prst="rect">
+            <a:avLst/>
+          </a:prstGeom>
+        </p:spPr>
+        <p:txBody>
+          <a:bodyPr anchorCtr="0" anchor="ctr" bIns="91425" lIns="91425" spcFirstLastPara="1" rIns="91425" wrap="square" tIns="91425">
+            <a:noAutofit/>
+          </a:bodyPr>
+          <a:lstStyle/>
+          <a:p>
+            <a:pPr indent="0" lvl="0" marL="0" rtl="0" algn="r">
+              <a:spcBef>
+                <a:spcPts val="0"/>
+              </a:spcBef>
+              <a:spcAft>
+                <a:spcPts val="0"/>
+              </a:spcAft>
+              <a:buNone/>
+            </a:pPr>
+            <a:fld id="{00000000-1234-1234-1234-123412341234}" type="slidenum">
+              <a:rPr lang="en"/>
+              <a:t>‹#›</a:t>
+            </a:fld>
+            <a:endParaRPr/>
+          </a:p>
+        </p:txBody>
+      </p:sp>
+      <p:pic>
+        <p:nvPicPr>
+          <p:cNvPr id="418" name="Google Shape;418;p51"/>
+          <p:cNvPicPr preferRelativeResize="0"/>
+          <p:nvPr/>
+        </p:nvPicPr>
+        <p:blipFill>
+          <a:blip r:embed="rId3">
+            <a:alphaModFix/>
+          </a:blip>
+          <a:stretch>
+            <a:fillRect/>
+          </a:stretch>
+        </p:blipFill>
+        <p:spPr>
+          <a:xfrm>
+            <a:off x="152400" y="1170200"/>
+            <a:ext cx="3481324" cy="2062825"/>
+          </a:xfrm>
+          <a:prstGeom prst="rect">
+            <a:avLst/>
+          </a:prstGeom>
+          <a:noFill/>
+          <a:ln>
+            <a:noFill/>
+          </a:ln>
+        </p:spPr>
+      </p:pic>
+      <p:pic>
+        <p:nvPicPr>
+          <p:cNvPr id="419" name="Google Shape;419;p51"/>
+          <p:cNvPicPr preferRelativeResize="0"/>
+          <p:nvPr/>
+        </p:nvPicPr>
+        <p:blipFill>
+          <a:blip r:embed="rId4">
+            <a:alphaModFix/>
+          </a:blip>
+          <a:stretch>
+            <a:fillRect/>
+          </a:stretch>
+        </p:blipFill>
+        <p:spPr>
+          <a:xfrm>
+            <a:off x="632125" y="3385420"/>
+            <a:ext cx="2666525" cy="1653925"/>
+          </a:xfrm>
+          <a:prstGeom prst="rect">
+            <a:avLst/>
+          </a:prstGeom>
+          <a:noFill/>
+          <a:ln>
+            <a:noFill/>
+          </a:ln>
+        </p:spPr>
+      </p:pic>
+      <p:pic>
+        <p:nvPicPr>
+          <p:cNvPr id="420" name="Google Shape;420;p51"/>
+          <p:cNvPicPr preferRelativeResize="0"/>
+          <p:nvPr/>
+        </p:nvPicPr>
+        <p:blipFill>
+          <a:blip r:embed="rId5">
+            <a:alphaModFix/>
+          </a:blip>
+          <a:stretch>
+            <a:fillRect/>
+          </a:stretch>
+        </p:blipFill>
+        <p:spPr>
+          <a:xfrm>
+            <a:off x="3807025" y="508800"/>
+            <a:ext cx="5164300" cy="4249274"/>
+          </a:xfrm>
+          <a:prstGeom prst="rect">
+            <a:avLst/>
+          </a:prstGeom>
+          <a:noFill/>
+          <a:ln>
+            <a:noFill/>
+          </a:ln>
+        </p:spPr>
+      </p:pic>
+    </p:spTree>
+  </p:cSld>
+  <p:clrMapOvr>
+    <a:masterClrMapping/>
+  </p:clrMapOvr>
+</p:sld>
+</file>
+
 <file path=ppt/slides/slide4.xml><?xml version="1.0" encoding="utf-8"?>
 <p:sld xmlns:a="http://schemas.openxmlformats.org/drawingml/2006/main" xmlns:r="http://schemas.openxmlformats.org/officeDocument/2006/relationships" xmlns:mc="http://schemas.openxmlformats.org/markup-compatibility/2006" xmlns:mv="urn:schemas-microsoft-com:mac:vml" xmlns:p="http://schemas.openxmlformats.org/presentationml/2006/main" xmlns:c="http://schemas.openxmlformats.org/drawingml/2006/chart" xmlns:dgm="http://schemas.openxmlformats.org/drawingml/2006/diagram" xmlns:o="urn:schemas-microsoft-com:office:office" xmlns:v="urn:schemas-microsoft-com:vml" xmlns:pvml="urn:schemas-microsoft-com:office:powerpoint" xmlns:com="http://schemas.openxmlformats.org/drawingml/2006/compatibility" xmlns:p14="http://schemas.microsoft.com/office/powerpoint/2010/main" xmlns:p15="http://schemas.microsoft.com/office/powerpoint/2012/main" xmlns:ahyp="http://schemas.microsoft.com/office/drawing/2018/hyperlinkcolor">
   <p:cSld>
@@ -13812,6 +19953,1345 @@
           </a:p>
         </p:txBody>
       </p:sp>
+    </p:spTree>
+  </p:cSld>
+  <p:clrMapOvr>
+    <a:masterClrMapping/>
+  </p:clrMapOvr>
+</p:sld>
+</file>
+
+<file path=ppt/slides/slide40.xml><?xml version="1.0" encoding="utf-8"?>
+<p:sld xmlns:a="http://schemas.openxmlformats.org/drawingml/2006/main" xmlns:r="http://schemas.openxmlformats.org/officeDocument/2006/relationships" xmlns:mc="http://schemas.openxmlformats.org/markup-compatibility/2006" xmlns:mv="urn:schemas-microsoft-com:mac:vml" xmlns:p="http://schemas.openxmlformats.org/presentationml/2006/main" xmlns:c="http://schemas.openxmlformats.org/drawingml/2006/chart" xmlns:dgm="http://schemas.openxmlformats.org/drawingml/2006/diagram" xmlns:o="urn:schemas-microsoft-com:office:office" xmlns:v="urn:schemas-microsoft-com:vml" xmlns:pvml="urn:schemas-microsoft-com:office:powerpoint" xmlns:com="http://schemas.openxmlformats.org/drawingml/2006/compatibility" xmlns:p14="http://schemas.microsoft.com/office/powerpoint/2010/main" xmlns:p15="http://schemas.microsoft.com/office/powerpoint/2012/main" xmlns:ahyp="http://schemas.microsoft.com/office/drawing/2018/hyperlinkcolor">
+  <p:cSld>
+    <p:spTree>
+      <p:nvGrpSpPr>
+        <p:cNvPr id="424" name="Shape 424"/>
+        <p:cNvGrpSpPr/>
+        <p:nvPr/>
+      </p:nvGrpSpPr>
+      <p:grpSpPr>
+        <a:xfrm>
+          <a:off x="0" y="0"/>
+          <a:ext cx="0" cy="0"/>
+          <a:chOff x="0" y="0"/>
+          <a:chExt cx="0" cy="0"/>
+        </a:xfrm>
+      </p:grpSpPr>
+      <p:sp>
+        <p:nvSpPr>
+          <p:cNvPr id="425" name="Google Shape;425;p52"/>
+          <p:cNvSpPr txBox="1"/>
+          <p:nvPr>
+            <p:ph type="title"/>
+          </p:nvPr>
+        </p:nvSpPr>
+        <p:spPr>
+          <a:xfrm>
+            <a:off x="221600" y="202050"/>
+            <a:ext cx="8520600" cy="607800"/>
+          </a:xfrm>
+          <a:prstGeom prst="rect">
+            <a:avLst/>
+          </a:prstGeom>
+        </p:spPr>
+        <p:txBody>
+          <a:bodyPr anchorCtr="0" anchor="t" bIns="91425" lIns="91425" spcFirstLastPara="1" rIns="91425" wrap="square" tIns="91425">
+            <a:noAutofit/>
+          </a:bodyPr>
+          <a:lstStyle/>
+          <a:p>
+            <a:pPr indent="0" lvl="0" marL="0" rtl="0" algn="l">
+              <a:spcBef>
+                <a:spcPts val="0"/>
+              </a:spcBef>
+              <a:spcAft>
+                <a:spcPts val="0"/>
+              </a:spcAft>
+              <a:buNone/>
+            </a:pPr>
+            <a:r>
+              <a:rPr lang="en"/>
+              <a:t>Revolving line </a:t>
+            </a:r>
+            <a:endParaRPr/>
+          </a:p>
+          <a:p>
+            <a:pPr indent="0" lvl="0" marL="0" rtl="0" algn="l">
+              <a:spcBef>
+                <a:spcPts val="0"/>
+              </a:spcBef>
+              <a:spcAft>
+                <a:spcPts val="0"/>
+              </a:spcAft>
+              <a:buNone/>
+            </a:pPr>
+            <a:r>
+              <a:rPr lang="en"/>
+              <a:t>utilization rate</a:t>
+            </a:r>
+            <a:endParaRPr/>
+          </a:p>
+        </p:txBody>
+      </p:sp>
+      <p:sp>
+        <p:nvSpPr>
+          <p:cNvPr id="426" name="Google Shape;426;p52"/>
+          <p:cNvSpPr txBox="1"/>
+          <p:nvPr>
+            <p:ph idx="12" type="sldNum"/>
+          </p:nvPr>
+        </p:nvSpPr>
+        <p:spPr>
+          <a:xfrm>
+            <a:off x="8460431" y="4651190"/>
+            <a:ext cx="548700" cy="393600"/>
+          </a:xfrm>
+          <a:prstGeom prst="rect">
+            <a:avLst/>
+          </a:prstGeom>
+        </p:spPr>
+        <p:txBody>
+          <a:bodyPr anchorCtr="0" anchor="ctr" bIns="91425" lIns="91425" spcFirstLastPara="1" rIns="91425" wrap="square" tIns="91425">
+            <a:noAutofit/>
+          </a:bodyPr>
+          <a:lstStyle/>
+          <a:p>
+            <a:pPr indent="0" lvl="0" marL="0" rtl="0" algn="r">
+              <a:spcBef>
+                <a:spcPts val="0"/>
+              </a:spcBef>
+              <a:spcAft>
+                <a:spcPts val="0"/>
+              </a:spcAft>
+              <a:buNone/>
+            </a:pPr>
+            <a:fld id="{00000000-1234-1234-1234-123412341234}" type="slidenum">
+              <a:rPr lang="en"/>
+              <a:t>‹#›</a:t>
+            </a:fld>
+            <a:endParaRPr/>
+          </a:p>
+        </p:txBody>
+      </p:sp>
+      <p:pic>
+        <p:nvPicPr>
+          <p:cNvPr id="427" name="Google Shape;427;p52"/>
+          <p:cNvPicPr preferRelativeResize="0"/>
+          <p:nvPr/>
+        </p:nvPicPr>
+        <p:blipFill>
+          <a:blip r:embed="rId3">
+            <a:alphaModFix/>
+          </a:blip>
+          <a:stretch>
+            <a:fillRect/>
+          </a:stretch>
+        </p:blipFill>
+        <p:spPr>
+          <a:xfrm>
+            <a:off x="368725" y="1326525"/>
+            <a:ext cx="3438300" cy="1992575"/>
+          </a:xfrm>
+          <a:prstGeom prst="rect">
+            <a:avLst/>
+          </a:prstGeom>
+          <a:noFill/>
+          <a:ln>
+            <a:noFill/>
+          </a:ln>
+        </p:spPr>
+      </p:pic>
+      <p:pic>
+        <p:nvPicPr>
+          <p:cNvPr id="428" name="Google Shape;428;p52"/>
+          <p:cNvPicPr preferRelativeResize="0"/>
+          <p:nvPr/>
+        </p:nvPicPr>
+        <p:blipFill>
+          <a:blip r:embed="rId4">
+            <a:alphaModFix/>
+          </a:blip>
+          <a:stretch>
+            <a:fillRect/>
+          </a:stretch>
+        </p:blipFill>
+        <p:spPr>
+          <a:xfrm>
+            <a:off x="521200" y="3319100"/>
+            <a:ext cx="2722324" cy="1688525"/>
+          </a:xfrm>
+          <a:prstGeom prst="rect">
+            <a:avLst/>
+          </a:prstGeom>
+          <a:noFill/>
+          <a:ln>
+            <a:noFill/>
+          </a:ln>
+        </p:spPr>
+      </p:pic>
+      <p:pic>
+        <p:nvPicPr>
+          <p:cNvPr id="429" name="Google Shape;429;p52"/>
+          <p:cNvPicPr preferRelativeResize="0"/>
+          <p:nvPr/>
+        </p:nvPicPr>
+        <p:blipFill>
+          <a:blip r:embed="rId5">
+            <a:alphaModFix/>
+          </a:blip>
+          <a:stretch>
+            <a:fillRect/>
+          </a:stretch>
+        </p:blipFill>
+        <p:spPr>
+          <a:xfrm>
+            <a:off x="3967150" y="477050"/>
+            <a:ext cx="5079874" cy="4189400"/>
+          </a:xfrm>
+          <a:prstGeom prst="rect">
+            <a:avLst/>
+          </a:prstGeom>
+          <a:noFill/>
+          <a:ln>
+            <a:noFill/>
+          </a:ln>
+        </p:spPr>
+      </p:pic>
+    </p:spTree>
+  </p:cSld>
+  <p:clrMapOvr>
+    <a:masterClrMapping/>
+  </p:clrMapOvr>
+</p:sld>
+</file>
+
+<file path=ppt/slides/slide41.xml><?xml version="1.0" encoding="utf-8"?>
+<p:sld xmlns:a="http://schemas.openxmlformats.org/drawingml/2006/main" xmlns:r="http://schemas.openxmlformats.org/officeDocument/2006/relationships" xmlns:mc="http://schemas.openxmlformats.org/markup-compatibility/2006" xmlns:mv="urn:schemas-microsoft-com:mac:vml" xmlns:p="http://schemas.openxmlformats.org/presentationml/2006/main" xmlns:c="http://schemas.openxmlformats.org/drawingml/2006/chart" xmlns:dgm="http://schemas.openxmlformats.org/drawingml/2006/diagram" xmlns:o="urn:schemas-microsoft-com:office:office" xmlns:v="urn:schemas-microsoft-com:vml" xmlns:pvml="urn:schemas-microsoft-com:office:powerpoint" xmlns:com="http://schemas.openxmlformats.org/drawingml/2006/compatibility" xmlns:p14="http://schemas.microsoft.com/office/powerpoint/2010/main" xmlns:p15="http://schemas.microsoft.com/office/powerpoint/2012/main" xmlns:ahyp="http://schemas.microsoft.com/office/drawing/2018/hyperlinkcolor">
+  <p:cSld>
+    <p:spTree>
+      <p:nvGrpSpPr>
+        <p:cNvPr id="433" name="Shape 433"/>
+        <p:cNvGrpSpPr/>
+        <p:nvPr/>
+      </p:nvGrpSpPr>
+      <p:grpSpPr>
+        <a:xfrm>
+          <a:off x="0" y="0"/>
+          <a:ext cx="0" cy="0"/>
+          <a:chOff x="0" y="0"/>
+          <a:chExt cx="0" cy="0"/>
+        </a:xfrm>
+      </p:grpSpPr>
+      <p:sp>
+        <p:nvSpPr>
+          <p:cNvPr id="434" name="Google Shape;434;p53"/>
+          <p:cNvSpPr txBox="1"/>
+          <p:nvPr>
+            <p:ph type="title"/>
+          </p:nvPr>
+        </p:nvSpPr>
+        <p:spPr>
+          <a:xfrm>
+            <a:off x="311700" y="410000"/>
+            <a:ext cx="8520600" cy="607800"/>
+          </a:xfrm>
+          <a:prstGeom prst="rect">
+            <a:avLst/>
+          </a:prstGeom>
+        </p:spPr>
+        <p:txBody>
+          <a:bodyPr anchorCtr="0" anchor="t" bIns="91425" lIns="91425" spcFirstLastPara="1" rIns="91425" wrap="square" tIns="91425">
+            <a:noAutofit/>
+          </a:bodyPr>
+          <a:lstStyle/>
+          <a:p>
+            <a:pPr indent="0" lvl="0" marL="0" rtl="0" algn="l">
+              <a:spcBef>
+                <a:spcPts val="0"/>
+              </a:spcBef>
+              <a:spcAft>
+                <a:spcPts val="0"/>
+              </a:spcAft>
+              <a:buNone/>
+            </a:pPr>
+            <a:r>
+              <a:rPr lang="en"/>
+              <a:t>Total account</a:t>
+            </a:r>
+            <a:endParaRPr/>
+          </a:p>
+        </p:txBody>
+      </p:sp>
+      <p:sp>
+        <p:nvSpPr>
+          <p:cNvPr id="435" name="Google Shape;435;p53"/>
+          <p:cNvSpPr txBox="1"/>
+          <p:nvPr>
+            <p:ph idx="12" type="sldNum"/>
+          </p:nvPr>
+        </p:nvSpPr>
+        <p:spPr>
+          <a:xfrm>
+            <a:off x="8460431" y="4651190"/>
+            <a:ext cx="548700" cy="393600"/>
+          </a:xfrm>
+          <a:prstGeom prst="rect">
+            <a:avLst/>
+          </a:prstGeom>
+        </p:spPr>
+        <p:txBody>
+          <a:bodyPr anchorCtr="0" anchor="ctr" bIns="91425" lIns="91425" spcFirstLastPara="1" rIns="91425" wrap="square" tIns="91425">
+            <a:noAutofit/>
+          </a:bodyPr>
+          <a:lstStyle/>
+          <a:p>
+            <a:pPr indent="0" lvl="0" marL="0" rtl="0" algn="r">
+              <a:spcBef>
+                <a:spcPts val="0"/>
+              </a:spcBef>
+              <a:spcAft>
+                <a:spcPts val="0"/>
+              </a:spcAft>
+              <a:buNone/>
+            </a:pPr>
+            <a:fld id="{00000000-1234-1234-1234-123412341234}" type="slidenum">
+              <a:rPr lang="en"/>
+              <a:t>‹#›</a:t>
+            </a:fld>
+            <a:endParaRPr/>
+          </a:p>
+        </p:txBody>
+      </p:sp>
+      <p:pic>
+        <p:nvPicPr>
+          <p:cNvPr id="436" name="Google Shape;436;p53"/>
+          <p:cNvPicPr preferRelativeResize="0"/>
+          <p:nvPr/>
+        </p:nvPicPr>
+        <p:blipFill>
+          <a:blip r:embed="rId3">
+            <a:alphaModFix/>
+          </a:blip>
+          <a:stretch>
+            <a:fillRect/>
+          </a:stretch>
+        </p:blipFill>
+        <p:spPr>
+          <a:xfrm>
+            <a:off x="152400" y="1170200"/>
+            <a:ext cx="3957450" cy="2080025"/>
+          </a:xfrm>
+          <a:prstGeom prst="rect">
+            <a:avLst/>
+          </a:prstGeom>
+          <a:noFill/>
+          <a:ln>
+            <a:noFill/>
+          </a:ln>
+        </p:spPr>
+      </p:pic>
+      <p:pic>
+        <p:nvPicPr>
+          <p:cNvPr id="437" name="Google Shape;437;p53"/>
+          <p:cNvPicPr preferRelativeResize="0"/>
+          <p:nvPr/>
+        </p:nvPicPr>
+        <p:blipFill>
+          <a:blip r:embed="rId4">
+            <a:alphaModFix/>
+          </a:blip>
+          <a:stretch>
+            <a:fillRect/>
+          </a:stretch>
+        </p:blipFill>
+        <p:spPr>
+          <a:xfrm>
+            <a:off x="763775" y="3402625"/>
+            <a:ext cx="2755324" cy="1608750"/>
+          </a:xfrm>
+          <a:prstGeom prst="rect">
+            <a:avLst/>
+          </a:prstGeom>
+          <a:noFill/>
+          <a:ln>
+            <a:noFill/>
+          </a:ln>
+        </p:spPr>
+      </p:pic>
+      <p:pic>
+        <p:nvPicPr>
+          <p:cNvPr id="438" name="Google Shape;438;p53"/>
+          <p:cNvPicPr preferRelativeResize="0"/>
+          <p:nvPr/>
+        </p:nvPicPr>
+        <p:blipFill>
+          <a:blip r:embed="rId5">
+            <a:alphaModFix/>
+          </a:blip>
+          <a:stretch>
+            <a:fillRect/>
+          </a:stretch>
+        </p:blipFill>
+        <p:spPr>
+          <a:xfrm>
+            <a:off x="4109852" y="567500"/>
+            <a:ext cx="4899275" cy="4083700"/>
+          </a:xfrm>
+          <a:prstGeom prst="rect">
+            <a:avLst/>
+          </a:prstGeom>
+          <a:noFill/>
+          <a:ln>
+            <a:noFill/>
+          </a:ln>
+        </p:spPr>
+      </p:pic>
+    </p:spTree>
+  </p:cSld>
+  <p:clrMapOvr>
+    <a:masterClrMapping/>
+  </p:clrMapOvr>
+</p:sld>
+</file>
+
+<file path=ppt/slides/slide42.xml><?xml version="1.0" encoding="utf-8"?>
+<p:sld xmlns:a="http://schemas.openxmlformats.org/drawingml/2006/main" xmlns:r="http://schemas.openxmlformats.org/officeDocument/2006/relationships" xmlns:mc="http://schemas.openxmlformats.org/markup-compatibility/2006" xmlns:mv="urn:schemas-microsoft-com:mac:vml" xmlns:p="http://schemas.openxmlformats.org/presentationml/2006/main" xmlns:c="http://schemas.openxmlformats.org/drawingml/2006/chart" xmlns:dgm="http://schemas.openxmlformats.org/drawingml/2006/diagram" xmlns:o="urn:schemas-microsoft-com:office:office" xmlns:v="urn:schemas-microsoft-com:vml" xmlns:pvml="urn:schemas-microsoft-com:office:powerpoint" xmlns:com="http://schemas.openxmlformats.org/drawingml/2006/compatibility" xmlns:p14="http://schemas.microsoft.com/office/powerpoint/2010/main" xmlns:p15="http://schemas.microsoft.com/office/powerpoint/2012/main" xmlns:ahyp="http://schemas.microsoft.com/office/drawing/2018/hyperlinkcolor">
+  <p:cSld>
+    <p:spTree>
+      <p:nvGrpSpPr>
+        <p:cNvPr id="442" name="Shape 442"/>
+        <p:cNvGrpSpPr/>
+        <p:nvPr/>
+      </p:nvGrpSpPr>
+      <p:grpSpPr>
+        <a:xfrm>
+          <a:off x="0" y="0"/>
+          <a:ext cx="0" cy="0"/>
+          <a:chOff x="0" y="0"/>
+          <a:chExt cx="0" cy="0"/>
+        </a:xfrm>
+      </p:grpSpPr>
+      <p:sp>
+        <p:nvSpPr>
+          <p:cNvPr id="443" name="Google Shape;443;p54"/>
+          <p:cNvSpPr txBox="1"/>
+          <p:nvPr>
+            <p:ph type="title"/>
+          </p:nvPr>
+        </p:nvSpPr>
+        <p:spPr>
+          <a:xfrm>
+            <a:off x="256250" y="215900"/>
+            <a:ext cx="8520600" cy="607800"/>
+          </a:xfrm>
+          <a:prstGeom prst="rect">
+            <a:avLst/>
+          </a:prstGeom>
+        </p:spPr>
+        <p:txBody>
+          <a:bodyPr anchorCtr="0" anchor="t" bIns="91425" lIns="91425" spcFirstLastPara="1" rIns="91425" wrap="square" tIns="91425">
+            <a:noAutofit/>
+          </a:bodyPr>
+          <a:lstStyle/>
+          <a:p>
+            <a:pPr indent="0" lvl="0" marL="0" rtl="0" algn="l">
+              <a:spcBef>
+                <a:spcPts val="0"/>
+              </a:spcBef>
+              <a:spcAft>
+                <a:spcPts val="0"/>
+              </a:spcAft>
+              <a:buNone/>
+            </a:pPr>
+            <a:r>
+              <a:rPr lang="en"/>
+              <a:t>Total recovery late fee</a:t>
+            </a:r>
+            <a:endParaRPr/>
+          </a:p>
+        </p:txBody>
+      </p:sp>
+      <p:sp>
+        <p:nvSpPr>
+          <p:cNvPr id="444" name="Google Shape;444;p54"/>
+          <p:cNvSpPr txBox="1"/>
+          <p:nvPr>
+            <p:ph idx="12" type="sldNum"/>
+          </p:nvPr>
+        </p:nvSpPr>
+        <p:spPr>
+          <a:xfrm>
+            <a:off x="8460431" y="4651190"/>
+            <a:ext cx="548700" cy="393600"/>
+          </a:xfrm>
+          <a:prstGeom prst="rect">
+            <a:avLst/>
+          </a:prstGeom>
+        </p:spPr>
+        <p:txBody>
+          <a:bodyPr anchorCtr="0" anchor="ctr" bIns="91425" lIns="91425" spcFirstLastPara="1" rIns="91425" wrap="square" tIns="91425">
+            <a:noAutofit/>
+          </a:bodyPr>
+          <a:lstStyle/>
+          <a:p>
+            <a:pPr indent="0" lvl="0" marL="0" rtl="0" algn="r">
+              <a:spcBef>
+                <a:spcPts val="0"/>
+              </a:spcBef>
+              <a:spcAft>
+                <a:spcPts val="0"/>
+              </a:spcAft>
+              <a:buNone/>
+            </a:pPr>
+            <a:fld id="{00000000-1234-1234-1234-123412341234}" type="slidenum">
+              <a:rPr lang="en"/>
+              <a:t>‹#›</a:t>
+            </a:fld>
+            <a:endParaRPr/>
+          </a:p>
+        </p:txBody>
+      </p:sp>
+      <p:pic>
+        <p:nvPicPr>
+          <p:cNvPr id="445" name="Google Shape;445;p54"/>
+          <p:cNvPicPr preferRelativeResize="0"/>
+          <p:nvPr/>
+        </p:nvPicPr>
+        <p:blipFill>
+          <a:blip r:embed="rId3">
+            <a:alphaModFix/>
+          </a:blip>
+          <a:stretch>
+            <a:fillRect/>
+          </a:stretch>
+        </p:blipFill>
+        <p:spPr>
+          <a:xfrm>
+            <a:off x="256250" y="1010800"/>
+            <a:ext cx="3627025" cy="2264817"/>
+          </a:xfrm>
+          <a:prstGeom prst="rect">
+            <a:avLst/>
+          </a:prstGeom>
+          <a:noFill/>
+          <a:ln>
+            <a:noFill/>
+          </a:ln>
+        </p:spPr>
+      </p:pic>
+      <p:pic>
+        <p:nvPicPr>
+          <p:cNvPr id="446" name="Google Shape;446;p54"/>
+          <p:cNvPicPr preferRelativeResize="0"/>
+          <p:nvPr/>
+        </p:nvPicPr>
+        <p:blipFill>
+          <a:blip r:embed="rId4">
+            <a:alphaModFix/>
+          </a:blip>
+          <a:stretch>
+            <a:fillRect/>
+          </a:stretch>
+        </p:blipFill>
+        <p:spPr>
+          <a:xfrm>
+            <a:off x="894100" y="3370800"/>
+            <a:ext cx="2420750" cy="1501475"/>
+          </a:xfrm>
+          <a:prstGeom prst="rect">
+            <a:avLst/>
+          </a:prstGeom>
+          <a:noFill/>
+          <a:ln>
+            <a:noFill/>
+          </a:ln>
+        </p:spPr>
+      </p:pic>
+      <p:pic>
+        <p:nvPicPr>
+          <p:cNvPr id="447" name="Google Shape;447;p54"/>
+          <p:cNvPicPr preferRelativeResize="0"/>
+          <p:nvPr/>
+        </p:nvPicPr>
+        <p:blipFill>
+          <a:blip r:embed="rId5">
+            <a:alphaModFix/>
+          </a:blip>
+          <a:stretch>
+            <a:fillRect/>
+          </a:stretch>
+        </p:blipFill>
+        <p:spPr>
+          <a:xfrm>
+            <a:off x="4133775" y="592000"/>
+            <a:ext cx="4841449" cy="4059200"/>
+          </a:xfrm>
+          <a:prstGeom prst="rect">
+            <a:avLst/>
+          </a:prstGeom>
+          <a:noFill/>
+          <a:ln>
+            <a:noFill/>
+          </a:ln>
+        </p:spPr>
+      </p:pic>
+    </p:spTree>
+  </p:cSld>
+  <p:clrMapOvr>
+    <a:masterClrMapping/>
+  </p:clrMapOvr>
+</p:sld>
+</file>
+
+<file path=ppt/slides/slide43.xml><?xml version="1.0" encoding="utf-8"?>
+<p:sld xmlns:a="http://schemas.openxmlformats.org/drawingml/2006/main" xmlns:r="http://schemas.openxmlformats.org/officeDocument/2006/relationships" xmlns:mc="http://schemas.openxmlformats.org/markup-compatibility/2006" xmlns:mv="urn:schemas-microsoft-com:mac:vml" xmlns:p="http://schemas.openxmlformats.org/presentationml/2006/main" xmlns:c="http://schemas.openxmlformats.org/drawingml/2006/chart" xmlns:dgm="http://schemas.openxmlformats.org/drawingml/2006/diagram" xmlns:o="urn:schemas-microsoft-com:office:office" xmlns:v="urn:schemas-microsoft-com:vml" xmlns:pvml="urn:schemas-microsoft-com:office:powerpoint" xmlns:com="http://schemas.openxmlformats.org/drawingml/2006/compatibility" xmlns:p14="http://schemas.microsoft.com/office/powerpoint/2010/main" xmlns:p15="http://schemas.microsoft.com/office/powerpoint/2012/main" xmlns:ahyp="http://schemas.microsoft.com/office/drawing/2018/hyperlinkcolor">
+  <p:cSld>
+    <p:spTree>
+      <p:nvGrpSpPr>
+        <p:cNvPr id="451" name="Shape 451"/>
+        <p:cNvGrpSpPr/>
+        <p:nvPr/>
+      </p:nvGrpSpPr>
+      <p:grpSpPr>
+        <a:xfrm>
+          <a:off x="0" y="0"/>
+          <a:ext cx="0" cy="0"/>
+          <a:chOff x="0" y="0"/>
+          <a:chExt cx="0" cy="0"/>
+        </a:xfrm>
+      </p:grpSpPr>
+      <p:sp>
+        <p:nvSpPr>
+          <p:cNvPr id="452" name="Google Shape;452;p55"/>
+          <p:cNvSpPr txBox="1"/>
+          <p:nvPr>
+            <p:ph type="title"/>
+          </p:nvPr>
+        </p:nvSpPr>
+        <p:spPr>
+          <a:xfrm>
+            <a:off x="311700" y="410000"/>
+            <a:ext cx="8520600" cy="607800"/>
+          </a:xfrm>
+          <a:prstGeom prst="rect">
+            <a:avLst/>
+          </a:prstGeom>
+        </p:spPr>
+        <p:txBody>
+          <a:bodyPr anchorCtr="0" anchor="t" bIns="91425" lIns="91425" spcFirstLastPara="1" rIns="91425" wrap="square" tIns="91425">
+            <a:noAutofit/>
+          </a:bodyPr>
+          <a:lstStyle/>
+          <a:p>
+            <a:pPr indent="0" lvl="0" marL="0" rtl="0" algn="l">
+              <a:spcBef>
+                <a:spcPts val="0"/>
+              </a:spcBef>
+              <a:spcAft>
+                <a:spcPts val="0"/>
+              </a:spcAft>
+              <a:buNone/>
+            </a:pPr>
+            <a:r>
+              <a:rPr lang="en"/>
+              <a:t>Credit Age</a:t>
+            </a:r>
+            <a:endParaRPr/>
+          </a:p>
+        </p:txBody>
+      </p:sp>
+      <p:sp>
+        <p:nvSpPr>
+          <p:cNvPr id="453" name="Google Shape;453;p55"/>
+          <p:cNvSpPr txBox="1"/>
+          <p:nvPr>
+            <p:ph idx="12" type="sldNum"/>
+          </p:nvPr>
+        </p:nvSpPr>
+        <p:spPr>
+          <a:xfrm>
+            <a:off x="8460431" y="4651190"/>
+            <a:ext cx="548700" cy="393600"/>
+          </a:xfrm>
+          <a:prstGeom prst="rect">
+            <a:avLst/>
+          </a:prstGeom>
+        </p:spPr>
+        <p:txBody>
+          <a:bodyPr anchorCtr="0" anchor="ctr" bIns="91425" lIns="91425" spcFirstLastPara="1" rIns="91425" wrap="square" tIns="91425">
+            <a:noAutofit/>
+          </a:bodyPr>
+          <a:lstStyle/>
+          <a:p>
+            <a:pPr indent="0" lvl="0" marL="0" rtl="0" algn="r">
+              <a:spcBef>
+                <a:spcPts val="0"/>
+              </a:spcBef>
+              <a:spcAft>
+                <a:spcPts val="0"/>
+              </a:spcAft>
+              <a:buNone/>
+            </a:pPr>
+            <a:fld id="{00000000-1234-1234-1234-123412341234}" type="slidenum">
+              <a:rPr lang="en"/>
+              <a:t>‹#›</a:t>
+            </a:fld>
+            <a:endParaRPr/>
+          </a:p>
+        </p:txBody>
+      </p:sp>
+      <p:pic>
+        <p:nvPicPr>
+          <p:cNvPr id="454" name="Google Shape;454;p55"/>
+          <p:cNvPicPr preferRelativeResize="0"/>
+          <p:nvPr/>
+        </p:nvPicPr>
+        <p:blipFill>
+          <a:blip r:embed="rId3">
+            <a:alphaModFix/>
+          </a:blip>
+          <a:stretch>
+            <a:fillRect/>
+          </a:stretch>
+        </p:blipFill>
+        <p:spPr>
+          <a:xfrm>
+            <a:off x="470713" y="3435825"/>
+            <a:ext cx="2594050" cy="1608975"/>
+          </a:xfrm>
+          <a:prstGeom prst="rect">
+            <a:avLst/>
+          </a:prstGeom>
+          <a:noFill/>
+          <a:ln>
+            <a:noFill/>
+          </a:ln>
+        </p:spPr>
+      </p:pic>
+      <p:pic>
+        <p:nvPicPr>
+          <p:cNvPr id="455" name="Google Shape;455;p55"/>
+          <p:cNvPicPr preferRelativeResize="0"/>
+          <p:nvPr/>
+        </p:nvPicPr>
+        <p:blipFill>
+          <a:blip r:embed="rId4">
+            <a:alphaModFix/>
+          </a:blip>
+          <a:stretch>
+            <a:fillRect/>
+          </a:stretch>
+        </p:blipFill>
+        <p:spPr>
+          <a:xfrm>
+            <a:off x="174675" y="1195075"/>
+            <a:ext cx="3791774" cy="2146025"/>
+          </a:xfrm>
+          <a:prstGeom prst="rect">
+            <a:avLst/>
+          </a:prstGeom>
+          <a:noFill/>
+          <a:ln>
+            <a:noFill/>
+          </a:ln>
+        </p:spPr>
+      </p:pic>
+      <p:pic>
+        <p:nvPicPr>
+          <p:cNvPr id="456" name="Google Shape;456;p55"/>
+          <p:cNvPicPr preferRelativeResize="0"/>
+          <p:nvPr/>
+        </p:nvPicPr>
+        <p:blipFill>
+          <a:blip r:embed="rId5">
+            <a:alphaModFix/>
+          </a:blip>
+          <a:stretch>
+            <a:fillRect/>
+          </a:stretch>
+        </p:blipFill>
+        <p:spPr>
+          <a:xfrm>
+            <a:off x="4063500" y="314700"/>
+            <a:ext cx="4945626" cy="4336500"/>
+          </a:xfrm>
+          <a:prstGeom prst="rect">
+            <a:avLst/>
+          </a:prstGeom>
+          <a:noFill/>
+          <a:ln>
+            <a:noFill/>
+          </a:ln>
+        </p:spPr>
+      </p:pic>
+    </p:spTree>
+  </p:cSld>
+  <p:clrMapOvr>
+    <a:masterClrMapping/>
+  </p:clrMapOvr>
+</p:sld>
+</file>
+
+<file path=ppt/slides/slide44.xml><?xml version="1.0" encoding="utf-8"?>
+<p:sld xmlns:a="http://schemas.openxmlformats.org/drawingml/2006/main" xmlns:r="http://schemas.openxmlformats.org/officeDocument/2006/relationships" xmlns:mc="http://schemas.openxmlformats.org/markup-compatibility/2006" xmlns:mv="urn:schemas-microsoft-com:mac:vml" xmlns:p="http://schemas.openxmlformats.org/presentationml/2006/main" xmlns:c="http://schemas.openxmlformats.org/drawingml/2006/chart" xmlns:dgm="http://schemas.openxmlformats.org/drawingml/2006/diagram" xmlns:o="urn:schemas-microsoft-com:office:office" xmlns:v="urn:schemas-microsoft-com:vml" xmlns:pvml="urn:schemas-microsoft-com:office:powerpoint" xmlns:com="http://schemas.openxmlformats.org/drawingml/2006/compatibility" xmlns:p14="http://schemas.microsoft.com/office/powerpoint/2010/main" xmlns:p15="http://schemas.microsoft.com/office/powerpoint/2012/main" xmlns:ahyp="http://schemas.microsoft.com/office/drawing/2018/hyperlinkcolor">
+  <p:cSld>
+    <p:spTree>
+      <p:nvGrpSpPr>
+        <p:cNvPr id="460" name="Shape 460"/>
+        <p:cNvGrpSpPr/>
+        <p:nvPr/>
+      </p:nvGrpSpPr>
+      <p:grpSpPr>
+        <a:xfrm>
+          <a:off x="0" y="0"/>
+          <a:ext cx="0" cy="0"/>
+          <a:chOff x="0" y="0"/>
+          <a:chExt cx="0" cy="0"/>
+        </a:xfrm>
+      </p:grpSpPr>
+      <p:sp>
+        <p:nvSpPr>
+          <p:cNvPr id="461" name="Google Shape;461;p56"/>
+          <p:cNvSpPr txBox="1"/>
+          <p:nvPr>
+            <p:ph type="title"/>
+          </p:nvPr>
+        </p:nvSpPr>
+        <p:spPr>
+          <a:xfrm>
+            <a:off x="311700" y="410000"/>
+            <a:ext cx="8520600" cy="607800"/>
+          </a:xfrm>
+          <a:prstGeom prst="rect">
+            <a:avLst/>
+          </a:prstGeom>
+        </p:spPr>
+        <p:txBody>
+          <a:bodyPr anchorCtr="0" anchor="t" bIns="91425" lIns="91425" spcFirstLastPara="1" rIns="91425" wrap="square" tIns="91425">
+            <a:noAutofit/>
+          </a:bodyPr>
+          <a:lstStyle/>
+          <a:p>
+            <a:pPr indent="0" lvl="0" marL="0" rtl="0" algn="l">
+              <a:spcBef>
+                <a:spcPts val="0"/>
+              </a:spcBef>
+              <a:spcAft>
+                <a:spcPts val="0"/>
+              </a:spcAft>
+              <a:buNone/>
+            </a:pPr>
+            <a:r>
+              <a:rPr lang="en"/>
+              <a:t>Credit History Length</a:t>
+            </a:r>
+            <a:endParaRPr/>
+          </a:p>
+        </p:txBody>
+      </p:sp>
+      <p:sp>
+        <p:nvSpPr>
+          <p:cNvPr id="462" name="Google Shape;462;p56"/>
+          <p:cNvSpPr txBox="1"/>
+          <p:nvPr>
+            <p:ph idx="12" type="sldNum"/>
+          </p:nvPr>
+        </p:nvSpPr>
+        <p:spPr>
+          <a:xfrm>
+            <a:off x="8460431" y="4651190"/>
+            <a:ext cx="548700" cy="393600"/>
+          </a:xfrm>
+          <a:prstGeom prst="rect">
+            <a:avLst/>
+          </a:prstGeom>
+        </p:spPr>
+        <p:txBody>
+          <a:bodyPr anchorCtr="0" anchor="ctr" bIns="91425" lIns="91425" spcFirstLastPara="1" rIns="91425" wrap="square" tIns="91425">
+            <a:noAutofit/>
+          </a:bodyPr>
+          <a:lstStyle/>
+          <a:p>
+            <a:pPr indent="0" lvl="0" marL="0" rtl="0" algn="r">
+              <a:spcBef>
+                <a:spcPts val="0"/>
+              </a:spcBef>
+              <a:spcAft>
+                <a:spcPts val="0"/>
+              </a:spcAft>
+              <a:buNone/>
+            </a:pPr>
+            <a:fld id="{00000000-1234-1234-1234-123412341234}" type="slidenum">
+              <a:rPr lang="en"/>
+              <a:t>‹#›</a:t>
+            </a:fld>
+            <a:endParaRPr/>
+          </a:p>
+        </p:txBody>
+      </p:sp>
+      <p:pic>
+        <p:nvPicPr>
+          <p:cNvPr id="463" name="Google Shape;463;p56"/>
+          <p:cNvPicPr preferRelativeResize="0"/>
+          <p:nvPr/>
+        </p:nvPicPr>
+        <p:blipFill>
+          <a:blip r:embed="rId3">
+            <a:alphaModFix/>
+          </a:blip>
+          <a:stretch>
+            <a:fillRect/>
+          </a:stretch>
+        </p:blipFill>
+        <p:spPr>
+          <a:xfrm>
+            <a:off x="443550" y="1098025"/>
+            <a:ext cx="3557574" cy="2051850"/>
+          </a:xfrm>
+          <a:prstGeom prst="rect">
+            <a:avLst/>
+          </a:prstGeom>
+          <a:noFill/>
+          <a:ln>
+            <a:noFill/>
+          </a:ln>
+        </p:spPr>
+      </p:pic>
+      <p:pic>
+        <p:nvPicPr>
+          <p:cNvPr id="464" name="Google Shape;464;p56"/>
+          <p:cNvPicPr preferRelativeResize="0"/>
+          <p:nvPr/>
+        </p:nvPicPr>
+        <p:blipFill>
+          <a:blip r:embed="rId4">
+            <a:alphaModFix/>
+          </a:blip>
+          <a:stretch>
+            <a:fillRect/>
+          </a:stretch>
+        </p:blipFill>
+        <p:spPr>
+          <a:xfrm>
+            <a:off x="706950" y="3367297"/>
+            <a:ext cx="2614825" cy="1621875"/>
+          </a:xfrm>
+          <a:prstGeom prst="rect">
+            <a:avLst/>
+          </a:prstGeom>
+          <a:noFill/>
+          <a:ln>
+            <a:noFill/>
+          </a:ln>
+        </p:spPr>
+      </p:pic>
+      <p:pic>
+        <p:nvPicPr>
+          <p:cNvPr id="465" name="Google Shape;465;p56"/>
+          <p:cNvPicPr preferRelativeResize="0"/>
+          <p:nvPr/>
+        </p:nvPicPr>
+        <p:blipFill>
+          <a:blip r:embed="rId5">
+            <a:alphaModFix/>
+          </a:blip>
+          <a:stretch>
+            <a:fillRect/>
+          </a:stretch>
+        </p:blipFill>
+        <p:spPr>
+          <a:xfrm>
+            <a:off x="4068200" y="640500"/>
+            <a:ext cx="4998149" cy="4166101"/>
+          </a:xfrm>
+          <a:prstGeom prst="rect">
+            <a:avLst/>
+          </a:prstGeom>
+          <a:noFill/>
+          <a:ln>
+            <a:noFill/>
+          </a:ln>
+        </p:spPr>
+      </p:pic>
+    </p:spTree>
+  </p:cSld>
+  <p:clrMapOvr>
+    <a:masterClrMapping/>
+  </p:clrMapOvr>
+</p:sld>
+</file>
+
+<file path=ppt/slides/slide45.xml><?xml version="1.0" encoding="utf-8"?>
+<p:sld xmlns:a="http://schemas.openxmlformats.org/drawingml/2006/main" xmlns:r="http://schemas.openxmlformats.org/officeDocument/2006/relationships" xmlns:mc="http://schemas.openxmlformats.org/markup-compatibility/2006" xmlns:mv="urn:schemas-microsoft-com:mac:vml" xmlns:p="http://schemas.openxmlformats.org/presentationml/2006/main" xmlns:c="http://schemas.openxmlformats.org/drawingml/2006/chart" xmlns:dgm="http://schemas.openxmlformats.org/drawingml/2006/diagram" xmlns:o="urn:schemas-microsoft-com:office:office" xmlns:v="urn:schemas-microsoft-com:vml" xmlns:pvml="urn:schemas-microsoft-com:office:powerpoint" xmlns:com="http://schemas.openxmlformats.org/drawingml/2006/compatibility" xmlns:p14="http://schemas.microsoft.com/office/powerpoint/2010/main" xmlns:p15="http://schemas.microsoft.com/office/powerpoint/2012/main" xmlns:ahyp="http://schemas.microsoft.com/office/drawing/2018/hyperlinkcolor">
+  <p:cSld>
+    <p:spTree>
+      <p:nvGrpSpPr>
+        <p:cNvPr id="469" name="Shape 469"/>
+        <p:cNvGrpSpPr/>
+        <p:nvPr/>
+      </p:nvGrpSpPr>
+      <p:grpSpPr>
+        <a:xfrm>
+          <a:off x="0" y="0"/>
+          <a:ext cx="0" cy="0"/>
+          <a:chOff x="0" y="0"/>
+          <a:chExt cx="0" cy="0"/>
+        </a:xfrm>
+      </p:grpSpPr>
+      <p:sp>
+        <p:nvSpPr>
+          <p:cNvPr id="470" name="Google Shape;470;p57"/>
+          <p:cNvSpPr txBox="1"/>
+          <p:nvPr>
+            <p:ph type="title"/>
+          </p:nvPr>
+        </p:nvSpPr>
+        <p:spPr>
+          <a:xfrm>
+            <a:off x="311700" y="167375"/>
+            <a:ext cx="8520600" cy="607800"/>
+          </a:xfrm>
+          <a:prstGeom prst="rect">
+            <a:avLst/>
+          </a:prstGeom>
+        </p:spPr>
+        <p:txBody>
+          <a:bodyPr anchorCtr="0" anchor="t" bIns="91425" lIns="91425" spcFirstLastPara="1" rIns="91425" wrap="square" tIns="91425">
+            <a:noAutofit/>
+          </a:bodyPr>
+          <a:lstStyle/>
+          <a:p>
+            <a:pPr indent="0" lvl="0" marL="0" rtl="0" algn="l">
+              <a:spcBef>
+                <a:spcPts val="0"/>
+              </a:spcBef>
+              <a:spcAft>
+                <a:spcPts val="0"/>
+              </a:spcAft>
+              <a:buNone/>
+            </a:pPr>
+            <a:r>
+              <a:rPr lang="en"/>
+              <a:t>Time since last payment</a:t>
+            </a:r>
+            <a:endParaRPr/>
+          </a:p>
+        </p:txBody>
+      </p:sp>
+      <p:sp>
+        <p:nvSpPr>
+          <p:cNvPr id="471" name="Google Shape;471;p57"/>
+          <p:cNvSpPr txBox="1"/>
+          <p:nvPr>
+            <p:ph idx="12" type="sldNum"/>
+          </p:nvPr>
+        </p:nvSpPr>
+        <p:spPr>
+          <a:xfrm>
+            <a:off x="8460431" y="4651190"/>
+            <a:ext cx="548700" cy="393600"/>
+          </a:xfrm>
+          <a:prstGeom prst="rect">
+            <a:avLst/>
+          </a:prstGeom>
+        </p:spPr>
+        <p:txBody>
+          <a:bodyPr anchorCtr="0" anchor="ctr" bIns="91425" lIns="91425" spcFirstLastPara="1" rIns="91425" wrap="square" tIns="91425">
+            <a:noAutofit/>
+          </a:bodyPr>
+          <a:lstStyle/>
+          <a:p>
+            <a:pPr indent="0" lvl="0" marL="0" rtl="0" algn="r">
+              <a:spcBef>
+                <a:spcPts val="0"/>
+              </a:spcBef>
+              <a:spcAft>
+                <a:spcPts val="0"/>
+              </a:spcAft>
+              <a:buNone/>
+            </a:pPr>
+            <a:fld id="{00000000-1234-1234-1234-123412341234}" type="slidenum">
+              <a:rPr lang="en"/>
+              <a:t>‹#›</a:t>
+            </a:fld>
+            <a:endParaRPr/>
+          </a:p>
+        </p:txBody>
+      </p:sp>
+      <p:pic>
+        <p:nvPicPr>
+          <p:cNvPr id="472" name="Google Shape;472;p57"/>
+          <p:cNvPicPr preferRelativeResize="0"/>
+          <p:nvPr/>
+        </p:nvPicPr>
+        <p:blipFill>
+          <a:blip r:embed="rId3">
+            <a:alphaModFix/>
+          </a:blip>
+          <a:stretch>
+            <a:fillRect/>
+          </a:stretch>
+        </p:blipFill>
+        <p:spPr>
+          <a:xfrm>
+            <a:off x="360350" y="942850"/>
+            <a:ext cx="3737825" cy="2345675"/>
+          </a:xfrm>
+          <a:prstGeom prst="rect">
+            <a:avLst/>
+          </a:prstGeom>
+          <a:noFill/>
+          <a:ln>
+            <a:noFill/>
+          </a:ln>
+        </p:spPr>
+      </p:pic>
+      <p:pic>
+        <p:nvPicPr>
+          <p:cNvPr id="473" name="Google Shape;473;p57"/>
+          <p:cNvPicPr preferRelativeResize="0"/>
+          <p:nvPr/>
+        </p:nvPicPr>
+        <p:blipFill>
+          <a:blip r:embed="rId4">
+            <a:alphaModFix/>
+          </a:blip>
+          <a:stretch>
+            <a:fillRect/>
+          </a:stretch>
+        </p:blipFill>
+        <p:spPr>
+          <a:xfrm>
+            <a:off x="845448" y="3369125"/>
+            <a:ext cx="2698175" cy="1675675"/>
+          </a:xfrm>
+          <a:prstGeom prst="rect">
+            <a:avLst/>
+          </a:prstGeom>
+          <a:noFill/>
+          <a:ln>
+            <a:noFill/>
+          </a:ln>
+        </p:spPr>
+      </p:pic>
+      <p:pic>
+        <p:nvPicPr>
+          <p:cNvPr id="474" name="Google Shape;474;p57"/>
+          <p:cNvPicPr preferRelativeResize="0"/>
+          <p:nvPr/>
+        </p:nvPicPr>
+        <p:blipFill>
+          <a:blip r:embed="rId5">
+            <a:alphaModFix/>
+          </a:blip>
+          <a:stretch>
+            <a:fillRect/>
+          </a:stretch>
+        </p:blipFill>
+        <p:spPr>
+          <a:xfrm>
+            <a:off x="4236225" y="702850"/>
+            <a:ext cx="4838300" cy="3948349"/>
+          </a:xfrm>
+          <a:prstGeom prst="rect">
+            <a:avLst/>
+          </a:prstGeom>
+          <a:noFill/>
+          <a:ln>
+            <a:noFill/>
+          </a:ln>
+        </p:spPr>
+      </p:pic>
+    </p:spTree>
+  </p:cSld>
+  <p:clrMapOvr>
+    <a:masterClrMapping/>
+  </p:clrMapOvr>
+</p:sld>
+</file>
+
+<file path=ppt/slides/slide46.xml><?xml version="1.0" encoding="utf-8"?>
+<p:sld xmlns:a="http://schemas.openxmlformats.org/drawingml/2006/main" xmlns:r="http://schemas.openxmlformats.org/officeDocument/2006/relationships" xmlns:mc="http://schemas.openxmlformats.org/markup-compatibility/2006" xmlns:mv="urn:schemas-microsoft-com:mac:vml" xmlns:p="http://schemas.openxmlformats.org/presentationml/2006/main" xmlns:c="http://schemas.openxmlformats.org/drawingml/2006/chart" xmlns:dgm="http://schemas.openxmlformats.org/drawingml/2006/diagram" xmlns:o="urn:schemas-microsoft-com:office:office" xmlns:v="urn:schemas-microsoft-com:vml" xmlns:pvml="urn:schemas-microsoft-com:office:powerpoint" xmlns:com="http://schemas.openxmlformats.org/drawingml/2006/compatibility" xmlns:p14="http://schemas.microsoft.com/office/powerpoint/2010/main" xmlns:p15="http://schemas.microsoft.com/office/powerpoint/2012/main" xmlns:ahyp="http://schemas.microsoft.com/office/drawing/2018/hyperlinkcolor">
+  <p:cSld>
+    <p:spTree>
+      <p:nvGrpSpPr>
+        <p:cNvPr id="478" name="Shape 478"/>
+        <p:cNvGrpSpPr/>
+        <p:nvPr/>
+      </p:nvGrpSpPr>
+      <p:grpSpPr>
+        <a:xfrm>
+          <a:off x="0" y="0"/>
+          <a:ext cx="0" cy="0"/>
+          <a:chOff x="0" y="0"/>
+          <a:chExt cx="0" cy="0"/>
+        </a:xfrm>
+      </p:grpSpPr>
+      <p:sp>
+        <p:nvSpPr>
+          <p:cNvPr id="479" name="Google Shape;479;p58"/>
+          <p:cNvSpPr txBox="1"/>
+          <p:nvPr>
+            <p:ph type="title"/>
+          </p:nvPr>
+        </p:nvSpPr>
+        <p:spPr>
+          <a:xfrm>
+            <a:off x="256250" y="199700"/>
+            <a:ext cx="8520600" cy="607800"/>
+          </a:xfrm>
+          <a:prstGeom prst="rect">
+            <a:avLst/>
+          </a:prstGeom>
+        </p:spPr>
+        <p:txBody>
+          <a:bodyPr anchorCtr="0" anchor="t" bIns="91425" lIns="91425" spcFirstLastPara="1" rIns="91425" wrap="square" tIns="91425">
+            <a:noAutofit/>
+          </a:bodyPr>
+          <a:lstStyle/>
+          <a:p>
+            <a:pPr indent="0" lvl="0" marL="0" rtl="0" algn="l">
+              <a:spcBef>
+                <a:spcPts val="0"/>
+              </a:spcBef>
+              <a:spcAft>
+                <a:spcPts val="0"/>
+              </a:spcAft>
+              <a:buNone/>
+            </a:pPr>
+            <a:r>
+              <a:rPr lang="en"/>
+              <a:t>Time since last credit pull</a:t>
+            </a:r>
+            <a:endParaRPr/>
+          </a:p>
+        </p:txBody>
+      </p:sp>
+      <p:sp>
+        <p:nvSpPr>
+          <p:cNvPr id="480" name="Google Shape;480;p58"/>
+          <p:cNvSpPr txBox="1"/>
+          <p:nvPr>
+            <p:ph idx="12" type="sldNum"/>
+          </p:nvPr>
+        </p:nvSpPr>
+        <p:spPr>
+          <a:xfrm>
+            <a:off x="8460431" y="4651190"/>
+            <a:ext cx="548700" cy="393600"/>
+          </a:xfrm>
+          <a:prstGeom prst="rect">
+            <a:avLst/>
+          </a:prstGeom>
+        </p:spPr>
+        <p:txBody>
+          <a:bodyPr anchorCtr="0" anchor="ctr" bIns="91425" lIns="91425" spcFirstLastPara="1" rIns="91425" wrap="square" tIns="91425">
+            <a:noAutofit/>
+          </a:bodyPr>
+          <a:lstStyle/>
+          <a:p>
+            <a:pPr indent="0" lvl="0" marL="0" rtl="0" algn="r">
+              <a:spcBef>
+                <a:spcPts val="0"/>
+              </a:spcBef>
+              <a:spcAft>
+                <a:spcPts val="0"/>
+              </a:spcAft>
+              <a:buNone/>
+            </a:pPr>
+            <a:fld id="{00000000-1234-1234-1234-123412341234}" type="slidenum">
+              <a:rPr lang="en"/>
+              <a:t>‹#›</a:t>
+            </a:fld>
+            <a:endParaRPr/>
+          </a:p>
+        </p:txBody>
+      </p:sp>
+      <p:pic>
+        <p:nvPicPr>
+          <p:cNvPr id="481" name="Google Shape;481;p58"/>
+          <p:cNvPicPr preferRelativeResize="0"/>
+          <p:nvPr/>
+        </p:nvPicPr>
+        <p:blipFill>
+          <a:blip r:embed="rId3">
+            <a:alphaModFix/>
+          </a:blip>
+          <a:stretch>
+            <a:fillRect/>
+          </a:stretch>
+        </p:blipFill>
+        <p:spPr>
+          <a:xfrm>
+            <a:off x="415800" y="973250"/>
+            <a:ext cx="3643073" cy="2319850"/>
+          </a:xfrm>
+          <a:prstGeom prst="rect">
+            <a:avLst/>
+          </a:prstGeom>
+          <a:noFill/>
+          <a:ln>
+            <a:noFill/>
+          </a:ln>
+        </p:spPr>
+      </p:pic>
+      <p:pic>
+        <p:nvPicPr>
+          <p:cNvPr id="482" name="Google Shape;482;p58"/>
+          <p:cNvPicPr preferRelativeResize="0"/>
+          <p:nvPr/>
+        </p:nvPicPr>
+        <p:blipFill>
+          <a:blip r:embed="rId4">
+            <a:alphaModFix/>
+          </a:blip>
+          <a:stretch>
+            <a:fillRect/>
+          </a:stretch>
+        </p:blipFill>
+        <p:spPr>
+          <a:xfrm>
+            <a:off x="800475" y="3455900"/>
+            <a:ext cx="2561717" cy="1588900"/>
+          </a:xfrm>
+          <a:prstGeom prst="rect">
+            <a:avLst/>
+          </a:prstGeom>
+          <a:noFill/>
+          <a:ln>
+            <a:noFill/>
+          </a:ln>
+        </p:spPr>
+      </p:pic>
+      <p:pic>
+        <p:nvPicPr>
+          <p:cNvPr id="483" name="Google Shape;483;p58"/>
+          <p:cNvPicPr preferRelativeResize="0"/>
+          <p:nvPr/>
+        </p:nvPicPr>
+        <p:blipFill>
+          <a:blip r:embed="rId5">
+            <a:alphaModFix/>
+          </a:blip>
+          <a:stretch>
+            <a:fillRect/>
+          </a:stretch>
+        </p:blipFill>
+        <p:spPr>
+          <a:xfrm>
+            <a:off x="4250675" y="807500"/>
+            <a:ext cx="4654474" cy="3922850"/>
+          </a:xfrm>
+          <a:prstGeom prst="rect">
+            <a:avLst/>
+          </a:prstGeom>
+          <a:noFill/>
+          <a:ln>
+            <a:noFill/>
+          </a:ln>
+        </p:spPr>
+      </p:pic>
     </p:spTree>
   </p:cSld>
   <p:clrMapOvr>
@@ -15511,7 +22991,7 @@
         <p:spPr>
           <a:xfrm>
             <a:off x="311700" y="1229875"/>
-            <a:ext cx="4812300" cy="3339000"/>
+            <a:ext cx="5540400" cy="1136700"/>
           </a:xfrm>
           <a:prstGeom prst="rect">
             <a:avLst/>
@@ -15602,7 +23082,7 @@
                 <a:cs typeface="Arial"/>
                 <a:sym typeface="Arial"/>
               </a:rPr>
-              <a:t>Total credit revolving balance</a:t>
+              <a:t>Total credit revolving balance [Revol bal]</a:t>
             </a:r>
             <a:endParaRPr sz="1100">
               <a:solidFill>
@@ -15641,6 +23121,18 @@
               </a:rPr>
               <a:t>Total number of credit lines currently in borrower’s credit file</a:t>
             </a:r>
+            <a:r>
+              <a:rPr lang="en" sz="1100">
+                <a:solidFill>
+                  <a:srgbClr val="000000"/>
+                </a:solidFill>
+                <a:latin typeface="Arial"/>
+                <a:ea typeface="Arial"/>
+                <a:cs typeface="Arial"/>
+                <a:sym typeface="Arial"/>
+              </a:rPr>
+              <a:t>[Total acc]</a:t>
+            </a:r>
             <a:endParaRPr sz="1100">
               <a:solidFill>
                 <a:srgbClr val="000000"/>
@@ -15676,7 +23168,7 @@
                 <a:cs typeface="Arial"/>
                 <a:sym typeface="Arial"/>
               </a:rPr>
-              <a:t>Total number of years borrower’s credit history present</a:t>
+              <a:t>Total number of years borrower’s credit history present [Credit age]</a:t>
             </a:r>
             <a:endParaRPr sz="1100">
               <a:solidFill>
